--- a/task5.pptx
+++ b/task5.pptx
@@ -19,6 +19,7 @@
     <p:sldId id="265" r:id="rId13"/>
     <p:sldId id="267" r:id="rId14"/>
     <p:sldId id="268" r:id="rId15"/>
+    <p:sldId id="271" r:id="rId16"/>
   </p:sldIdLst>
   <p:sldSz cx="12192000" cy="6858000"/>
   <p:notesSz cx="6858000" cy="9144000"/>
@@ -254,7 +255,7 @@
           <a:p>
             <a:fld id="{A32B6C15-7031-48CE-9B5C-080EB8C4C4AA}" type="datetimeFigureOut">
               <a:rPr lang="ru-RU" smtClean="0"/>
-              <a:t>08.12.2020</a:t>
+              <a:t>20.01.2021</a:t>
             </a:fld>
             <a:endParaRPr lang="ru-RU"/>
           </a:p>
@@ -422,7 +423,7 @@
           <a:p>
             <a:fld id="{A32B6C15-7031-48CE-9B5C-080EB8C4C4AA}" type="datetimeFigureOut">
               <a:rPr lang="ru-RU" smtClean="0"/>
-              <a:t>08.12.2020</a:t>
+              <a:t>20.01.2021</a:t>
             </a:fld>
             <a:endParaRPr lang="ru-RU"/>
           </a:p>
@@ -600,7 +601,7 @@
           <a:p>
             <a:fld id="{A32B6C15-7031-48CE-9B5C-080EB8C4C4AA}" type="datetimeFigureOut">
               <a:rPr lang="ru-RU" smtClean="0"/>
-              <a:t>08.12.2020</a:t>
+              <a:t>20.01.2021</a:t>
             </a:fld>
             <a:endParaRPr lang="ru-RU"/>
           </a:p>
@@ -768,7 +769,7 @@
           <a:p>
             <a:fld id="{A32B6C15-7031-48CE-9B5C-080EB8C4C4AA}" type="datetimeFigureOut">
               <a:rPr lang="ru-RU" smtClean="0"/>
-              <a:t>08.12.2020</a:t>
+              <a:t>20.01.2021</a:t>
             </a:fld>
             <a:endParaRPr lang="ru-RU"/>
           </a:p>
@@ -1013,7 +1014,7 @@
           <a:p>
             <a:fld id="{A32B6C15-7031-48CE-9B5C-080EB8C4C4AA}" type="datetimeFigureOut">
               <a:rPr lang="ru-RU" smtClean="0"/>
-              <a:t>08.12.2020</a:t>
+              <a:t>20.01.2021</a:t>
             </a:fld>
             <a:endParaRPr lang="ru-RU"/>
           </a:p>
@@ -1242,7 +1243,7 @@
           <a:p>
             <a:fld id="{A32B6C15-7031-48CE-9B5C-080EB8C4C4AA}" type="datetimeFigureOut">
               <a:rPr lang="ru-RU" smtClean="0"/>
-              <a:t>08.12.2020</a:t>
+              <a:t>20.01.2021</a:t>
             </a:fld>
             <a:endParaRPr lang="ru-RU"/>
           </a:p>
@@ -1606,7 +1607,7 @@
           <a:p>
             <a:fld id="{A32B6C15-7031-48CE-9B5C-080EB8C4C4AA}" type="datetimeFigureOut">
               <a:rPr lang="ru-RU" smtClean="0"/>
-              <a:t>08.12.2020</a:t>
+              <a:t>20.01.2021</a:t>
             </a:fld>
             <a:endParaRPr lang="ru-RU"/>
           </a:p>
@@ -1723,7 +1724,7 @@
           <a:p>
             <a:fld id="{A32B6C15-7031-48CE-9B5C-080EB8C4C4AA}" type="datetimeFigureOut">
               <a:rPr lang="ru-RU" smtClean="0"/>
-              <a:t>08.12.2020</a:t>
+              <a:t>20.01.2021</a:t>
             </a:fld>
             <a:endParaRPr lang="ru-RU"/>
           </a:p>
@@ -1818,7 +1819,7 @@
           <a:p>
             <a:fld id="{A32B6C15-7031-48CE-9B5C-080EB8C4C4AA}" type="datetimeFigureOut">
               <a:rPr lang="ru-RU" smtClean="0"/>
-              <a:t>08.12.2020</a:t>
+              <a:t>20.01.2021</a:t>
             </a:fld>
             <a:endParaRPr lang="ru-RU"/>
           </a:p>
@@ -2093,7 +2094,7 @@
           <a:p>
             <a:fld id="{A32B6C15-7031-48CE-9B5C-080EB8C4C4AA}" type="datetimeFigureOut">
               <a:rPr lang="ru-RU" smtClean="0"/>
-              <a:t>08.12.2020</a:t>
+              <a:t>20.01.2021</a:t>
             </a:fld>
             <a:endParaRPr lang="ru-RU"/>
           </a:p>
@@ -2345,7 +2346,7 @@
           <a:p>
             <a:fld id="{A32B6C15-7031-48CE-9B5C-080EB8C4C4AA}" type="datetimeFigureOut">
               <a:rPr lang="ru-RU" smtClean="0"/>
-              <a:t>08.12.2020</a:t>
+              <a:t>20.01.2021</a:t>
             </a:fld>
             <a:endParaRPr lang="ru-RU"/>
           </a:p>
@@ -2556,7 +2557,7 @@
           <a:p>
             <a:fld id="{A32B6C15-7031-48CE-9B5C-080EB8C4C4AA}" type="datetimeFigureOut">
               <a:rPr lang="ru-RU" smtClean="0"/>
-              <a:t>08.12.2020</a:t>
+              <a:t>20.01.2021</a:t>
             </a:fld>
             <a:endParaRPr lang="ru-RU"/>
           </a:p>
@@ -2980,7 +2981,7 @@
           </a:ln>
           <a:extLst>
             <a:ext uri="{C572A759-6A51-4108-AA02-DFA0A04FC94B}">
-              <ma14:wrappingTextBoxFlag xmlns:ma14="http://schemas.microsoft.com/office/mac/drawingml/2011/main" xmlns:a14="http://schemas.microsoft.com/office/drawing/2010/main" xmlns:m="http://schemas.openxmlformats.org/officeDocument/2006/math" xmlns="" val="1"/>
+              <ma14:wrappingTextBoxFlag xmlns="" xmlns:m="http://schemas.openxmlformats.org/officeDocument/2006/math" xmlns:a14="http://schemas.microsoft.com/office/drawing/2010/main" xmlns:ma14="http://schemas.microsoft.com/office/mac/drawingml/2011/main" val="1"/>
             </a:ext>
           </a:extLst>
         </p:spPr>
@@ -3299,7 +3300,7 @@
           </a:ln>
           <a:extLst>
             <a:ext uri="{C572A759-6A51-4108-AA02-DFA0A04FC94B}">
-              <ma14:wrappingTextBoxFlag xmlns:ma14="http://schemas.microsoft.com/office/mac/drawingml/2011/main" xmlns:a14="http://schemas.microsoft.com/office/drawing/2010/main" xmlns:m="http://schemas.openxmlformats.org/officeDocument/2006/math" xmlns="" val="1"/>
+              <ma14:wrappingTextBoxFlag xmlns="" xmlns:m="http://schemas.openxmlformats.org/officeDocument/2006/math" xmlns:a14="http://schemas.microsoft.com/office/drawing/2010/main" xmlns:ma14="http://schemas.microsoft.com/office/mac/drawingml/2011/main" val="1"/>
             </a:ext>
           </a:extLst>
         </p:spPr>
@@ -3738,6 +3739,10 @@
             <a:r>
               <a:rPr lang="en-US" sz="1400" dirty="0"/>
               <a:t>.</a:t>
+            </a:r>
+            <a:r>
+              <a:rPr lang="ru-RU" sz="1400" dirty="0"/>
+              <a:t/>
             </a:r>
             <a:br>
               <a:rPr lang="ru-RU" sz="1400" dirty="0"/>
@@ -4235,9 +4240,83 @@
           </a:p>
         </p:txBody>
       </p:sp>
+      <p:sp>
+        <p:nvSpPr>
+          <p:cNvPr id="12" name="TextBox 11"/>
+          <p:cNvSpPr txBox="1"/>
+          <p:nvPr/>
+        </p:nvSpPr>
+        <p:spPr>
+          <a:xfrm>
+            <a:off x="122879" y="649225"/>
+            <a:ext cx="1596193" cy="923330"/>
+          </a:xfrm>
+          <a:prstGeom prst="rect">
+            <a:avLst/>
+          </a:prstGeom>
+          <a:noFill/>
+        </p:spPr>
+        <p:txBody>
+          <a:bodyPr wrap="square" rtlCol="0">
+            <a:spAutoFit/>
+          </a:bodyPr>
+          <a:lstStyle/>
+          <a:p>
+            <a:r>
+              <a:rPr lang="ru-RU" dirty="0"/>
+              <a:t>А – начальное состояние</a:t>
+            </a:r>
+          </a:p>
+          <a:p>
+            <a:endParaRPr lang="ru-RU" dirty="0"/>
+          </a:p>
+        </p:txBody>
+      </p:sp>
+      <p:sp>
+        <p:nvSpPr>
+          <p:cNvPr id="3" name="TextBox 2">
+            <a:extLst>
+              <a:ext uri="{FF2B5EF4-FFF2-40B4-BE49-F238E27FC236}">
+                <a16:creationId xmlns:a16="http://schemas.microsoft.com/office/drawing/2014/main" id="{B07C0845-5FCA-48ED-9F98-2D931ADDBC30}"/>
+              </a:ext>
+            </a:extLst>
+          </p:cNvPr>
+          <p:cNvSpPr txBox="1"/>
+          <p:nvPr/>
+        </p:nvSpPr>
+        <p:spPr>
+          <a:xfrm>
+            <a:off x="6923313" y="5408675"/>
+            <a:ext cx="5145807" cy="1754326"/>
+          </a:xfrm>
+          <a:prstGeom prst="rect">
+            <a:avLst/>
+          </a:prstGeom>
+          <a:noFill/>
+        </p:spPr>
+        <p:txBody>
+          <a:bodyPr wrap="square" rtlCol="0">
+            <a:spAutoFit/>
+          </a:bodyPr>
+          <a:lstStyle/>
+          <a:p>
+            <a:r>
+              <a:rPr lang="ru-RU" dirty="0" smtClean="0"/>
+              <a:t>Полученный КА является детерминированным, так как А – начальное и единственное состояние и из каждого состояния есть </a:t>
+            </a:r>
+            <a:r>
+              <a:rPr lang="ru-RU" dirty="0"/>
+              <a:t>только один переход по одному символу, или такой переход отсутствует. </a:t>
+            </a:r>
+          </a:p>
+          <a:p>
+            <a:endParaRPr lang="ru-RU" dirty="0"/>
+          </a:p>
+        </p:txBody>
+      </p:sp>
       <p:pic>
         <p:nvPicPr>
-          <p:cNvPr id="9" name="Рисунок 8"/>
+          <p:cNvPr id="4" name="Рисунок 3"/>
           <p:cNvPicPr>
             <a:picLocks noChangeAspect="1"/>
           </p:cNvPicPr>
@@ -4251,8 +4330,8 @@
         </p:blipFill>
         <p:spPr>
           <a:xfrm>
-            <a:off x="6817973" y="649225"/>
-            <a:ext cx="5251148" cy="4911335"/>
+            <a:off x="505675" y="1229749"/>
+            <a:ext cx="6189419" cy="5654628"/>
           </a:xfrm>
           <a:prstGeom prst="rect">
             <a:avLst/>
@@ -4261,7 +4340,7 @@
       </p:pic>
       <p:pic>
         <p:nvPicPr>
-          <p:cNvPr id="11" name="Рисунок 10"/>
+          <p:cNvPr id="5" name="Рисунок 4"/>
           <p:cNvPicPr>
             <a:picLocks noChangeAspect="1"/>
           </p:cNvPicPr>
@@ -4275,89 +4354,14 @@
         </p:blipFill>
         <p:spPr>
           <a:xfrm>
-            <a:off x="0" y="751188"/>
-            <a:ext cx="6582668" cy="6106812"/>
+            <a:off x="6695094" y="782515"/>
+            <a:ext cx="5481136" cy="4492870"/>
           </a:xfrm>
           <a:prstGeom prst="rect">
             <a:avLst/>
           </a:prstGeom>
         </p:spPr>
       </p:pic>
-      <p:sp>
-        <p:nvSpPr>
-          <p:cNvPr id="12" name="TextBox 11"/>
-          <p:cNvSpPr txBox="1"/>
-          <p:nvPr/>
-        </p:nvSpPr>
-        <p:spPr>
-          <a:xfrm>
-            <a:off x="122879" y="649225"/>
-            <a:ext cx="1596193" cy="923330"/>
-          </a:xfrm>
-          <a:prstGeom prst="rect">
-            <a:avLst/>
-          </a:prstGeom>
-          <a:noFill/>
-        </p:spPr>
-        <p:txBody>
-          <a:bodyPr wrap="square" rtlCol="0">
-            <a:spAutoFit/>
-          </a:bodyPr>
-          <a:lstStyle/>
-          <a:p>
-            <a:r>
-              <a:rPr lang="ru-RU" dirty="0"/>
-              <a:t>А – начальное состояние</a:t>
-            </a:r>
-          </a:p>
-          <a:p>
-            <a:endParaRPr lang="ru-RU" dirty="0"/>
-          </a:p>
-        </p:txBody>
-      </p:sp>
-      <p:sp>
-        <p:nvSpPr>
-          <p:cNvPr id="3" name="TextBox 2">
-            <a:extLst>
-              <a:ext uri="{FF2B5EF4-FFF2-40B4-BE49-F238E27FC236}">
-                <a16:creationId xmlns:a16="http://schemas.microsoft.com/office/drawing/2014/main" id="{B07C0845-5FCA-48ED-9F98-2D931ADDBC30}"/>
-              </a:ext>
-            </a:extLst>
-          </p:cNvPr>
-          <p:cNvSpPr txBox="1"/>
-          <p:nvPr/>
-        </p:nvSpPr>
-        <p:spPr>
-          <a:xfrm>
-            <a:off x="6923313" y="5715000"/>
-            <a:ext cx="5145807" cy="923330"/>
-          </a:xfrm>
-          <a:prstGeom prst="rect">
-            <a:avLst/>
-          </a:prstGeom>
-          <a:noFill/>
-        </p:spPr>
-        <p:txBody>
-          <a:bodyPr wrap="square" rtlCol="0">
-            <a:spAutoFit/>
-          </a:bodyPr>
-          <a:lstStyle/>
-          <a:p>
-            <a:r>
-              <a:rPr lang="ru-RU" dirty="0"/>
-              <a:t>Полученный КА недетерминированный, т.к. из состояния </a:t>
-            </a:r>
-            <a:r>
-              <a:rPr lang="en-US" dirty="0"/>
-              <a:t>A </a:t>
-            </a:r>
-            <a:r>
-              <a:rPr lang="ru-RU" dirty="0"/>
-              <a:t>по символу + и – есть несколько переходов</a:t>
-            </a:r>
-          </a:p>
-        </p:txBody>
-      </p:sp>
     </p:spTree>
     <p:extLst>
       <p:ext uri="{BB962C8B-B14F-4D97-AF65-F5344CB8AC3E}">
@@ -4597,9 +4601,286 @@
           </a:p>
         </p:txBody>
       </p:sp>
+      <p:sp>
+        <p:nvSpPr>
+          <p:cNvPr id="5" name="TextBox 4"/>
+          <p:cNvSpPr txBox="1"/>
+          <p:nvPr/>
+        </p:nvSpPr>
+        <p:spPr>
+          <a:xfrm>
+            <a:off x="6719977" y="811059"/>
+            <a:ext cx="5472023" cy="6093976"/>
+          </a:xfrm>
+          <a:prstGeom prst="rect">
+            <a:avLst/>
+          </a:prstGeom>
+          <a:noFill/>
+        </p:spPr>
+        <p:txBody>
+          <a:bodyPr wrap="square" rtlCol="0">
+            <a:spAutoFit/>
+          </a:bodyPr>
+          <a:lstStyle/>
+          <a:p>
+            <a:pPr marL="342900" indent="-342900">
+              <a:buAutoNum type="arabicParenR"/>
+            </a:pPr>
+            <a:r>
+              <a:rPr lang="ru-RU" dirty="0"/>
+              <a:t>Цепочка: </a:t>
+            </a:r>
+            <a:r>
+              <a:rPr lang="ru-RU" dirty="0">
+                <a:solidFill>
+                  <a:srgbClr val="00B050"/>
+                </a:solidFill>
+              </a:rPr>
+              <a:t>3</a:t>
+            </a:r>
+            <a:r>
+              <a:rPr lang="ru-RU" dirty="0"/>
+              <a:t>1</a:t>
+            </a:r>
+            <a:r>
+              <a:rPr lang="ru-RU" sz="2800" dirty="0"/>
+              <a:t>.</a:t>
+            </a:r>
+            <a:r>
+              <a:rPr lang="ru-RU" dirty="0"/>
+              <a:t/>
+            </a:r>
+            <a:br>
+              <a:rPr lang="ru-RU" dirty="0"/>
+            </a:br>
+            <a:r>
+              <a:rPr lang="ru-RU" dirty="0"/>
+              <a:t>1. Начальное состояние А: Символ «3»  -</a:t>
+            </a:r>
+            <a:r>
+              <a:rPr lang="en-US" dirty="0"/>
+              <a:t>&gt; </a:t>
+            </a:r>
+            <a:r>
+              <a:rPr lang="ru-RU" dirty="0"/>
+              <a:t>переход в состояние </a:t>
+            </a:r>
+            <a:r>
+              <a:rPr lang="en-US" dirty="0"/>
+              <a:t>IP</a:t>
+            </a:r>
+            <a:endParaRPr lang="ru-RU" dirty="0"/>
+          </a:p>
+          <a:p>
+            <a:r>
+              <a:rPr lang="ru-RU" dirty="0"/>
+              <a:t>       Цепочка: 3</a:t>
+            </a:r>
+            <a:r>
+              <a:rPr lang="ru-RU" dirty="0">
+                <a:solidFill>
+                  <a:srgbClr val="00B050"/>
+                </a:solidFill>
+              </a:rPr>
+              <a:t>1</a:t>
+            </a:r>
+            <a:r>
+              <a:rPr lang="ru-RU" sz="2800" dirty="0"/>
+              <a:t>.</a:t>
+            </a:r>
+            <a:r>
+              <a:rPr lang="ru-RU" dirty="0"/>
+              <a:t/>
+            </a:r>
+            <a:br>
+              <a:rPr lang="ru-RU" dirty="0"/>
+            </a:br>
+            <a:r>
+              <a:rPr lang="ru-RU" dirty="0"/>
+              <a:t>       2. Состояние </a:t>
+            </a:r>
+            <a:r>
+              <a:rPr lang="en-US" dirty="0"/>
+              <a:t>IP: </a:t>
+            </a:r>
+            <a:r>
+              <a:rPr lang="ru-RU" dirty="0"/>
+              <a:t>Символ «1» </a:t>
+            </a:r>
+            <a:r>
+              <a:rPr lang="en-US" dirty="0"/>
+              <a:t>-&gt; </a:t>
+            </a:r>
+            <a:r>
+              <a:rPr lang="ru-RU" dirty="0"/>
+              <a:t>остаёмся в состоянии 1.</a:t>
+            </a:r>
+            <a:br>
+              <a:rPr lang="ru-RU" dirty="0"/>
+            </a:br>
+            <a:r>
+              <a:rPr lang="ru-RU" dirty="0"/>
+              <a:t>       Цепочка: 31</a:t>
+            </a:r>
+            <a:r>
+              <a:rPr lang="ru-RU" sz="2800" dirty="0">
+                <a:solidFill>
+                  <a:srgbClr val="00B050"/>
+                </a:solidFill>
+              </a:rPr>
+              <a:t>.</a:t>
+            </a:r>
+            <a:r>
+              <a:rPr lang="ru-RU" dirty="0"/>
+              <a:t/>
+            </a:r>
+            <a:br>
+              <a:rPr lang="ru-RU" dirty="0"/>
+            </a:br>
+            <a:r>
+              <a:rPr lang="ru-RU" dirty="0"/>
+              <a:t>       3. Состояние </a:t>
+            </a:r>
+            <a:r>
+              <a:rPr lang="en-US" dirty="0"/>
+              <a:t>IP: </a:t>
+            </a:r>
+            <a:r>
+              <a:rPr lang="ru-RU" dirty="0"/>
+              <a:t>Символ «.» –</a:t>
+            </a:r>
+            <a:r>
+              <a:rPr lang="en-US" dirty="0"/>
+              <a:t>&gt; </a:t>
+            </a:r>
+            <a:r>
+              <a:rPr lang="ru-RU" dirty="0"/>
+              <a:t>переход в состояние С</a:t>
+            </a:r>
+            <a:br>
+              <a:rPr lang="ru-RU" dirty="0"/>
+            </a:br>
+            <a:r>
+              <a:rPr lang="ru-RU" dirty="0"/>
+              <a:t>Цепочка кончилась, в конечное состояние не пришли – цепочка не распознана. Ошибка в состоянии С.</a:t>
+            </a:r>
+          </a:p>
+          <a:p>
+            <a:endParaRPr lang="ru-RU" dirty="0"/>
+          </a:p>
+          <a:p>
+            <a:pPr marL="342900" indent="-342900">
+              <a:buAutoNum type="arabicParenR"/>
+            </a:pPr>
+            <a:r>
+              <a:rPr lang="ru-RU" dirty="0"/>
+              <a:t>Цепочка </a:t>
+            </a:r>
+            <a:r>
+              <a:rPr lang="en-US" dirty="0">
+                <a:solidFill>
+                  <a:srgbClr val="00B050"/>
+                </a:solidFill>
+              </a:rPr>
+              <a:t>A</a:t>
+            </a:r>
+            <a:r>
+              <a:rPr lang="en-US" dirty="0"/>
+              <a:t>1</a:t>
+            </a:r>
+            <a:endParaRPr lang="ru-RU" dirty="0"/>
+          </a:p>
+          <a:p>
+            <a:r>
+              <a:rPr lang="ru-RU" dirty="0"/>
+              <a:t>       1. Начальное состояние А: Символ «</a:t>
+            </a:r>
+            <a:r>
+              <a:rPr lang="en-US" dirty="0"/>
+              <a:t>A</a:t>
+            </a:r>
+            <a:r>
+              <a:rPr lang="ru-RU" dirty="0"/>
+              <a:t>»  -</a:t>
+            </a:r>
+            <a:r>
+              <a:rPr lang="en-US" dirty="0"/>
+              <a:t>&gt; </a:t>
+            </a:r>
+            <a:r>
+              <a:rPr lang="ru-RU" dirty="0"/>
+              <a:t>переход в состояние </a:t>
+            </a:r>
+            <a:r>
+              <a:rPr lang="en-US" dirty="0"/>
+              <a:t>B</a:t>
+            </a:r>
+            <a:r>
+              <a:rPr lang="ru-RU" dirty="0"/>
+              <a:t/>
+            </a:r>
+            <a:br>
+              <a:rPr lang="ru-RU" dirty="0"/>
+            </a:br>
+            <a:r>
+              <a:rPr lang="ru-RU" dirty="0"/>
+              <a:t>        Цепочка </a:t>
+            </a:r>
+            <a:r>
+              <a:rPr lang="en-US" dirty="0"/>
+              <a:t>A</a:t>
+            </a:r>
+            <a:r>
+              <a:rPr lang="ru-RU" dirty="0">
+                <a:solidFill>
+                  <a:srgbClr val="00B050"/>
+                </a:solidFill>
+              </a:rPr>
+              <a:t>1</a:t>
+            </a:r>
+          </a:p>
+          <a:p>
+            <a:r>
+              <a:rPr lang="ru-RU" dirty="0"/>
+              <a:t>       2. Состояние </a:t>
+            </a:r>
+            <a:r>
+              <a:rPr lang="en-US" dirty="0"/>
+              <a:t>B: </a:t>
+            </a:r>
+            <a:r>
+              <a:rPr lang="ru-RU" dirty="0"/>
+              <a:t>Символ «</a:t>
+            </a:r>
+            <a:r>
+              <a:rPr lang="en-US" dirty="0"/>
+              <a:t>1</a:t>
+            </a:r>
+            <a:r>
+              <a:rPr lang="ru-RU" dirty="0"/>
+              <a:t>» –</a:t>
+            </a:r>
+            <a:r>
+              <a:rPr lang="en-US" dirty="0"/>
+              <a:t>&gt; </a:t>
+            </a:r>
+            <a:r>
+              <a:rPr lang="ru-RU" dirty="0"/>
+              <a:t>остаёмся в состоянии С</a:t>
+            </a:r>
+            <a:br>
+              <a:rPr lang="ru-RU" dirty="0"/>
+            </a:br>
+            <a:r>
+              <a:rPr lang="ru-RU" dirty="0"/>
+              <a:t>Пришли в конечное состояние С, цепочка распознана как идентификатор переменной.</a:t>
+            </a:r>
+          </a:p>
+        </p:txBody>
+      </p:sp>
       <p:pic>
         <p:nvPicPr>
-          <p:cNvPr id="4" name="Рисунок 3"/>
+          <p:cNvPr id="6" name="Рисунок 5"/>
           <p:cNvPicPr>
             <a:picLocks noChangeAspect="1"/>
           </p:cNvPicPr>
@@ -4613,279 +4894,94 @@
         </p:blipFill>
         <p:spPr>
           <a:xfrm>
-            <a:off x="0" y="811059"/>
-            <a:ext cx="6492325" cy="6046941"/>
+            <a:off x="132640" y="811059"/>
+            <a:ext cx="6454698" cy="5896986"/>
           </a:xfrm>
           <a:prstGeom prst="rect">
             <a:avLst/>
           </a:prstGeom>
         </p:spPr>
       </p:pic>
-      <p:sp>
-        <p:nvSpPr>
-          <p:cNvPr id="5" name="TextBox 4"/>
-          <p:cNvSpPr txBox="1"/>
-          <p:nvPr/>
-        </p:nvSpPr>
-        <p:spPr>
-          <a:xfrm>
-            <a:off x="6719977" y="811059"/>
-            <a:ext cx="5472023" cy="6093976"/>
-          </a:xfrm>
-          <a:prstGeom prst="rect">
-            <a:avLst/>
-          </a:prstGeom>
-          <a:noFill/>
-        </p:spPr>
-        <p:txBody>
-          <a:bodyPr wrap="square" rtlCol="0">
-            <a:spAutoFit/>
-          </a:bodyPr>
-          <a:lstStyle/>
-          <a:p>
-            <a:pPr marL="342900" indent="-342900">
-              <a:buAutoNum type="arabicParenR"/>
-            </a:pPr>
-            <a:r>
-              <a:rPr lang="ru-RU" dirty="0"/>
-              <a:t>Цепочка: </a:t>
-            </a:r>
-            <a:r>
-              <a:rPr lang="ru-RU" dirty="0">
-                <a:solidFill>
-                  <a:srgbClr val="00B050"/>
-                </a:solidFill>
-              </a:rPr>
-              <a:t>3</a:t>
-            </a:r>
-            <a:r>
-              <a:rPr lang="ru-RU" dirty="0"/>
-              <a:t>1</a:t>
-            </a:r>
-            <a:r>
-              <a:rPr lang="ru-RU" sz="2800" dirty="0"/>
-              <a:t>.</a:t>
-            </a:r>
-            <a:br>
-              <a:rPr lang="ru-RU" dirty="0"/>
-            </a:br>
-            <a:r>
-              <a:rPr lang="ru-RU" dirty="0"/>
-              <a:t>1. Начальное состояние А: Символ «3»  -</a:t>
-            </a:r>
-            <a:r>
-              <a:rPr lang="en-US" dirty="0"/>
-              <a:t>&gt; </a:t>
-            </a:r>
-            <a:r>
-              <a:rPr lang="ru-RU" dirty="0"/>
-              <a:t>переход в состояние </a:t>
-            </a:r>
-            <a:r>
-              <a:rPr lang="en-US" dirty="0"/>
-              <a:t>IP</a:t>
-            </a:r>
-            <a:endParaRPr lang="ru-RU" dirty="0"/>
-          </a:p>
-          <a:p>
-            <a:r>
-              <a:rPr lang="ru-RU" dirty="0"/>
-              <a:t>       Цепочка: 3</a:t>
-            </a:r>
-            <a:r>
-              <a:rPr lang="ru-RU" dirty="0">
-                <a:solidFill>
-                  <a:srgbClr val="00B050"/>
-                </a:solidFill>
-              </a:rPr>
-              <a:t>1</a:t>
-            </a:r>
-            <a:r>
-              <a:rPr lang="ru-RU" sz="2800" dirty="0"/>
-              <a:t>.</a:t>
-            </a:r>
-            <a:br>
-              <a:rPr lang="ru-RU" dirty="0"/>
-            </a:br>
-            <a:r>
-              <a:rPr lang="ru-RU" dirty="0"/>
-              <a:t>       2. Состояние </a:t>
-            </a:r>
-            <a:r>
-              <a:rPr lang="en-US" dirty="0"/>
-              <a:t>IP: </a:t>
-            </a:r>
-            <a:r>
-              <a:rPr lang="ru-RU" dirty="0"/>
-              <a:t>Символ «1» </a:t>
-            </a:r>
-            <a:r>
-              <a:rPr lang="en-US" dirty="0"/>
-              <a:t>-&gt; </a:t>
-            </a:r>
-            <a:r>
-              <a:rPr lang="ru-RU" dirty="0"/>
-              <a:t>остаёмся в состоянии 1.</a:t>
-            </a:r>
-            <a:br>
-              <a:rPr lang="ru-RU" dirty="0"/>
-            </a:br>
-            <a:r>
-              <a:rPr lang="ru-RU" dirty="0"/>
-              <a:t>       Цепочка: 31</a:t>
-            </a:r>
-            <a:r>
-              <a:rPr lang="ru-RU" sz="2800" dirty="0">
-                <a:solidFill>
-                  <a:srgbClr val="00B050"/>
-                </a:solidFill>
-              </a:rPr>
-              <a:t>.</a:t>
-            </a:r>
-            <a:br>
-              <a:rPr lang="ru-RU" dirty="0"/>
-            </a:br>
-            <a:r>
-              <a:rPr lang="ru-RU" dirty="0"/>
-              <a:t>       3. Состояние </a:t>
-            </a:r>
-            <a:r>
-              <a:rPr lang="en-US" dirty="0"/>
-              <a:t>IP: </a:t>
-            </a:r>
-            <a:r>
-              <a:rPr lang="ru-RU" dirty="0"/>
-              <a:t>Символ «.» –</a:t>
-            </a:r>
-            <a:r>
-              <a:rPr lang="en-US" dirty="0"/>
-              <a:t>&gt; </a:t>
-            </a:r>
-            <a:r>
-              <a:rPr lang="ru-RU" dirty="0"/>
-              <a:t>переход в состояние С</a:t>
-            </a:r>
-            <a:br>
-              <a:rPr lang="ru-RU" dirty="0"/>
-            </a:br>
-            <a:r>
-              <a:rPr lang="ru-RU" dirty="0"/>
-              <a:t>Цепочка кончилась, в конечное состояние не пришли – цепочка не распознана. Ошибка в состоянии С.</a:t>
-            </a:r>
-          </a:p>
-          <a:p>
-            <a:endParaRPr lang="ru-RU" dirty="0"/>
-          </a:p>
-          <a:p>
-            <a:pPr marL="342900" indent="-342900">
-              <a:buAutoNum type="arabicParenR"/>
-            </a:pPr>
-            <a:r>
-              <a:rPr lang="ru-RU" dirty="0"/>
-              <a:t>Цепочка </a:t>
-            </a:r>
-            <a:r>
-              <a:rPr lang="en-US" dirty="0">
-                <a:solidFill>
-                  <a:srgbClr val="00B050"/>
-                </a:solidFill>
-              </a:rPr>
-              <a:t>A</a:t>
-            </a:r>
-            <a:r>
-              <a:rPr lang="en-US" dirty="0"/>
-              <a:t>1</a:t>
-            </a:r>
-            <a:endParaRPr lang="ru-RU" dirty="0"/>
-          </a:p>
-          <a:p>
-            <a:r>
-              <a:rPr lang="ru-RU" dirty="0"/>
-              <a:t>       1. Начальное состояние А: Символ «</a:t>
-            </a:r>
-            <a:r>
-              <a:rPr lang="en-US" dirty="0"/>
-              <a:t>A</a:t>
-            </a:r>
-            <a:r>
-              <a:rPr lang="ru-RU" dirty="0"/>
-              <a:t>»  -</a:t>
-            </a:r>
-            <a:r>
-              <a:rPr lang="en-US" dirty="0"/>
-              <a:t>&gt; </a:t>
-            </a:r>
-            <a:r>
-              <a:rPr lang="ru-RU" dirty="0"/>
-              <a:t>переход в состояние </a:t>
-            </a:r>
-            <a:r>
-              <a:rPr lang="en-US" dirty="0"/>
-              <a:t>B</a:t>
-            </a:r>
-            <a:br>
-              <a:rPr lang="ru-RU" dirty="0"/>
-            </a:br>
-            <a:r>
-              <a:rPr lang="ru-RU" dirty="0"/>
-              <a:t>        Цепочка </a:t>
-            </a:r>
-            <a:r>
-              <a:rPr lang="en-US" dirty="0"/>
-              <a:t>A</a:t>
-            </a:r>
-            <a:r>
-              <a:rPr lang="ru-RU" dirty="0">
-                <a:solidFill>
-                  <a:srgbClr val="00B050"/>
-                </a:solidFill>
-              </a:rPr>
-              <a:t>1</a:t>
-            </a:r>
-          </a:p>
-          <a:p>
-            <a:r>
-              <a:rPr lang="ru-RU" dirty="0"/>
-              <a:t>       2. Состояние </a:t>
-            </a:r>
-            <a:r>
-              <a:rPr lang="en-US" dirty="0"/>
-              <a:t>B: </a:t>
-            </a:r>
-            <a:r>
-              <a:rPr lang="ru-RU" dirty="0"/>
-              <a:t>Символ «</a:t>
-            </a:r>
-            <a:r>
-              <a:rPr lang="en-US" dirty="0"/>
-              <a:t>1</a:t>
-            </a:r>
-            <a:r>
-              <a:rPr lang="ru-RU" dirty="0"/>
-              <a:t>» –</a:t>
-            </a:r>
-            <a:r>
-              <a:rPr lang="en-US" dirty="0"/>
-              <a:t>&gt; </a:t>
-            </a:r>
-            <a:r>
-              <a:rPr lang="ru-RU" dirty="0"/>
-              <a:t>остаёмся в состоянии С</a:t>
-            </a:r>
-            <a:br>
-              <a:rPr lang="ru-RU" dirty="0"/>
-            </a:br>
-            <a:r>
-              <a:rPr lang="ru-RU" dirty="0"/>
-              <a:t>Пришли в конечное состояние С, цепочка распознана как идентификатор переменной.</a:t>
-            </a:r>
-          </a:p>
-        </p:txBody>
-      </p:sp>
     </p:spTree>
     <p:extLst>
       <p:ext uri="{BB962C8B-B14F-4D97-AF65-F5344CB8AC3E}">
         <p14:creationId xmlns:p14="http://schemas.microsoft.com/office/powerpoint/2010/main" val="1598212069"/>
+      </p:ext>
+    </p:extLst>
+  </p:cSld>
+  <p:clrMapOvr>
+    <a:masterClrMapping/>
+  </p:clrMapOvr>
+</p:sld>
+</file>
+
+<file path=ppt/slides/slide15.xml><?xml version="1.0" encoding="utf-8"?>
+<p:sld xmlns:a="http://schemas.openxmlformats.org/drawingml/2006/main" xmlns:r="http://schemas.openxmlformats.org/officeDocument/2006/relationships" xmlns:p="http://schemas.openxmlformats.org/presentationml/2006/main">
+  <p:cSld>
+    <p:spTree>
+      <p:nvGrpSpPr>
+        <p:cNvPr id="1" name=""/>
+        <p:cNvGrpSpPr/>
+        <p:nvPr/>
+      </p:nvGrpSpPr>
+      <p:grpSpPr>
+        <a:xfrm>
+          <a:off x="0" y="0"/>
+          <a:ext cx="0" cy="0"/>
+          <a:chOff x="0" y="0"/>
+          <a:chExt cx="0" cy="0"/>
+        </a:xfrm>
+      </p:grpSpPr>
+      <p:sp>
+        <p:nvSpPr>
+          <p:cNvPr id="2" name="Заголовок 1"/>
+          <p:cNvSpPr>
+            <a:spLocks noGrp="1"/>
+          </p:cNvSpPr>
+          <p:nvPr>
+            <p:ph type="title"/>
+          </p:nvPr>
+        </p:nvSpPr>
+        <p:spPr/>
+        <p:txBody>
+          <a:bodyPr/>
+          <a:lstStyle/>
+          <a:p>
+            <a:r>
+              <a:rPr lang="ru-RU" dirty="0" smtClean="0"/>
+              <a:t>Лексические ошибки – </a:t>
+            </a:r>
+            <a:r>
+              <a:rPr lang="ru-RU" smtClean="0"/>
+              <a:t>хз</a:t>
+            </a:r>
+            <a:endParaRPr lang="ru-RU"/>
+          </a:p>
+        </p:txBody>
+      </p:sp>
+      <p:sp>
+        <p:nvSpPr>
+          <p:cNvPr id="3" name="Объект 2"/>
+          <p:cNvSpPr>
+            <a:spLocks noGrp="1"/>
+          </p:cNvSpPr>
+          <p:nvPr>
+            <p:ph idx="1"/>
+          </p:nvPr>
+        </p:nvSpPr>
+        <p:spPr/>
+        <p:txBody>
+          <a:bodyPr/>
+          <a:lstStyle/>
+          <a:p>
+            <a:endParaRPr lang="ru-RU"/>
+          </a:p>
+        </p:txBody>
+      </p:sp>
+    </p:spTree>
+    <p:extLst>
+      <p:ext uri="{BB962C8B-B14F-4D97-AF65-F5344CB8AC3E}">
+        <p14:creationId xmlns:p14="http://schemas.microsoft.com/office/powerpoint/2010/main" val="1153953158"/>
       </p:ext>
     </p:extLst>
   </p:cSld>
@@ -5146,6 +5242,10 @@
               <a:rPr lang="en-US" sz="2000" dirty="0"/>
               <a:t>, A2, A3)</a:t>
             </a:r>
+            <a:r>
+              <a:rPr lang="ru-RU" sz="2000" dirty="0"/>
+              <a:t/>
+            </a:r>
             <a:br>
               <a:rPr lang="ru-RU" sz="2000" dirty="0"/>
             </a:br>
@@ -5156,6 +5256,10 @@
             <a:r>
               <a:rPr lang="en-US" sz="2000" dirty="0"/>
               <a:t> (1, 2)</a:t>
+            </a:r>
+            <a:r>
+              <a:rPr lang="ru-RU" sz="2000" dirty="0"/>
+              <a:t/>
             </a:r>
             <a:br>
               <a:rPr lang="ru-RU" sz="2000" dirty="0"/>
@@ -6226,6 +6330,10 @@
                   <a:rPr lang="en-US" sz="2000" dirty="0"/>
                   <a:t>e = +</a:t>
                 </a:r>
+                <a:r>
+                  <a:rPr lang="ru-RU" sz="2000" dirty="0"/>
+                  <a:t/>
+                </a:r>
                 <a:br>
                   <a:rPr lang="ru-RU" sz="2000" dirty="0"/>
                 </a:br>
@@ -6243,6 +6351,10 @@
                   <a:rPr lang="en-US" sz="2000" dirty="0"/>
                   <a:t>	e = *</a:t>
                 </a:r>
+                <a:r>
+                  <a:rPr lang="ru-RU" sz="2000" dirty="0"/>
+                  <a:t/>
+                </a:r>
                 <a:br>
                   <a:rPr lang="ru-RU" sz="2000" dirty="0"/>
                 </a:br>
@@ -6259,6 +6371,10 @@
                 <a:r>
                   <a:rPr lang="en-US" sz="2000" dirty="0"/>
                   <a:t>	e = /</a:t>
+                </a:r>
+                <a:r>
+                  <a:rPr lang="ru-RU" sz="2000" dirty="0"/>
+                  <a:t/>
                 </a:r>
                 <a:br>
                   <a:rPr lang="ru-RU" sz="2000" dirty="0"/>

--- a/task5.pptx
+++ b/task5.pptx
@@ -19,7 +19,8 @@
     <p:sldId id="265" r:id="rId13"/>
     <p:sldId id="267" r:id="rId14"/>
     <p:sldId id="268" r:id="rId15"/>
-    <p:sldId id="271" r:id="rId16"/>
+    <p:sldId id="275" r:id="rId16"/>
+    <p:sldId id="276" r:id="rId17"/>
   </p:sldIdLst>
   <p:sldSz cx="12192000" cy="6858000"/>
   <p:notesSz cx="6858000" cy="9144000"/>
@@ -255,7 +256,7 @@
           <a:p>
             <a:fld id="{A32B6C15-7031-48CE-9B5C-080EB8C4C4AA}" type="datetimeFigureOut">
               <a:rPr lang="ru-RU" smtClean="0"/>
-              <a:t>20.01.2021</a:t>
+              <a:t>21.01.2021</a:t>
             </a:fld>
             <a:endParaRPr lang="ru-RU"/>
           </a:p>
@@ -423,7 +424,7 @@
           <a:p>
             <a:fld id="{A32B6C15-7031-48CE-9B5C-080EB8C4C4AA}" type="datetimeFigureOut">
               <a:rPr lang="ru-RU" smtClean="0"/>
-              <a:t>20.01.2021</a:t>
+              <a:t>21.01.2021</a:t>
             </a:fld>
             <a:endParaRPr lang="ru-RU"/>
           </a:p>
@@ -601,7 +602,7 @@
           <a:p>
             <a:fld id="{A32B6C15-7031-48CE-9B5C-080EB8C4C4AA}" type="datetimeFigureOut">
               <a:rPr lang="ru-RU" smtClean="0"/>
-              <a:t>20.01.2021</a:t>
+              <a:t>21.01.2021</a:t>
             </a:fld>
             <a:endParaRPr lang="ru-RU"/>
           </a:p>
@@ -769,7 +770,7 @@
           <a:p>
             <a:fld id="{A32B6C15-7031-48CE-9B5C-080EB8C4C4AA}" type="datetimeFigureOut">
               <a:rPr lang="ru-RU" smtClean="0"/>
-              <a:t>20.01.2021</a:t>
+              <a:t>21.01.2021</a:t>
             </a:fld>
             <a:endParaRPr lang="ru-RU"/>
           </a:p>
@@ -1014,7 +1015,7 @@
           <a:p>
             <a:fld id="{A32B6C15-7031-48CE-9B5C-080EB8C4C4AA}" type="datetimeFigureOut">
               <a:rPr lang="ru-RU" smtClean="0"/>
-              <a:t>20.01.2021</a:t>
+              <a:t>21.01.2021</a:t>
             </a:fld>
             <a:endParaRPr lang="ru-RU"/>
           </a:p>
@@ -1243,7 +1244,7 @@
           <a:p>
             <a:fld id="{A32B6C15-7031-48CE-9B5C-080EB8C4C4AA}" type="datetimeFigureOut">
               <a:rPr lang="ru-RU" smtClean="0"/>
-              <a:t>20.01.2021</a:t>
+              <a:t>21.01.2021</a:t>
             </a:fld>
             <a:endParaRPr lang="ru-RU"/>
           </a:p>
@@ -1607,7 +1608,7 @@
           <a:p>
             <a:fld id="{A32B6C15-7031-48CE-9B5C-080EB8C4C4AA}" type="datetimeFigureOut">
               <a:rPr lang="ru-RU" smtClean="0"/>
-              <a:t>20.01.2021</a:t>
+              <a:t>21.01.2021</a:t>
             </a:fld>
             <a:endParaRPr lang="ru-RU"/>
           </a:p>
@@ -1724,7 +1725,7 @@
           <a:p>
             <a:fld id="{A32B6C15-7031-48CE-9B5C-080EB8C4C4AA}" type="datetimeFigureOut">
               <a:rPr lang="ru-RU" smtClean="0"/>
-              <a:t>20.01.2021</a:t>
+              <a:t>21.01.2021</a:t>
             </a:fld>
             <a:endParaRPr lang="ru-RU"/>
           </a:p>
@@ -1819,7 +1820,7 @@
           <a:p>
             <a:fld id="{A32B6C15-7031-48CE-9B5C-080EB8C4C4AA}" type="datetimeFigureOut">
               <a:rPr lang="ru-RU" smtClean="0"/>
-              <a:t>20.01.2021</a:t>
+              <a:t>21.01.2021</a:t>
             </a:fld>
             <a:endParaRPr lang="ru-RU"/>
           </a:p>
@@ -2094,7 +2095,7 @@
           <a:p>
             <a:fld id="{A32B6C15-7031-48CE-9B5C-080EB8C4C4AA}" type="datetimeFigureOut">
               <a:rPr lang="ru-RU" smtClean="0"/>
-              <a:t>20.01.2021</a:t>
+              <a:t>21.01.2021</a:t>
             </a:fld>
             <a:endParaRPr lang="ru-RU"/>
           </a:p>
@@ -2346,7 +2347,7 @@
           <a:p>
             <a:fld id="{A32B6C15-7031-48CE-9B5C-080EB8C4C4AA}" type="datetimeFigureOut">
               <a:rPr lang="ru-RU" smtClean="0"/>
-              <a:t>20.01.2021</a:t>
+              <a:t>21.01.2021</a:t>
             </a:fld>
             <a:endParaRPr lang="ru-RU"/>
           </a:p>
@@ -2557,7 +2558,7 @@
           <a:p>
             <a:fld id="{A32B6C15-7031-48CE-9B5C-080EB8C4C4AA}" type="datetimeFigureOut">
               <a:rPr lang="ru-RU" smtClean="0"/>
-              <a:t>20.01.2021</a:t>
+              <a:t>21.01.2021</a:t>
             </a:fld>
             <a:endParaRPr lang="ru-RU"/>
           </a:p>
@@ -2981,7 +2982,7 @@
           </a:ln>
           <a:extLst>
             <a:ext uri="{C572A759-6A51-4108-AA02-DFA0A04FC94B}">
-              <ma14:wrappingTextBoxFlag xmlns="" xmlns:m="http://schemas.openxmlformats.org/officeDocument/2006/math" xmlns:a14="http://schemas.microsoft.com/office/drawing/2010/main" xmlns:ma14="http://schemas.microsoft.com/office/mac/drawingml/2011/main" val="1"/>
+              <ma14:wrappingTextBoxFlag xmlns:ma14="http://schemas.microsoft.com/office/mac/drawingml/2011/main" xmlns:a14="http://schemas.microsoft.com/office/drawing/2010/main" xmlns:m="http://schemas.openxmlformats.org/officeDocument/2006/math" xmlns="" val="1"/>
             </a:ext>
           </a:extLst>
         </p:spPr>
@@ -3300,7 +3301,7 @@
           </a:ln>
           <a:extLst>
             <a:ext uri="{C572A759-6A51-4108-AA02-DFA0A04FC94B}">
-              <ma14:wrappingTextBoxFlag xmlns="" xmlns:m="http://schemas.openxmlformats.org/officeDocument/2006/math" xmlns:a14="http://schemas.microsoft.com/office/drawing/2010/main" xmlns:ma14="http://schemas.microsoft.com/office/mac/drawingml/2011/main" val="1"/>
+              <ma14:wrappingTextBoxFlag xmlns:ma14="http://schemas.microsoft.com/office/mac/drawingml/2011/main" xmlns:a14="http://schemas.microsoft.com/office/drawing/2010/main" xmlns:m="http://schemas.openxmlformats.org/officeDocument/2006/math" xmlns="" val="1"/>
             </a:ext>
           </a:extLst>
         </p:spPr>
@@ -4934,33 +4935,6 @@
       </p:grpSpPr>
       <p:sp>
         <p:nvSpPr>
-          <p:cNvPr id="2" name="Заголовок 1"/>
-          <p:cNvSpPr>
-            <a:spLocks noGrp="1"/>
-          </p:cNvSpPr>
-          <p:nvPr>
-            <p:ph type="title"/>
-          </p:nvPr>
-        </p:nvSpPr>
-        <p:spPr/>
-        <p:txBody>
-          <a:bodyPr/>
-          <a:lstStyle/>
-          <a:p>
-            <a:r>
-              <a:rPr lang="ru-RU" dirty="0" smtClean="0"/>
-              <a:t>Лексические ошибки – </a:t>
-            </a:r>
-            <a:r>
-              <a:rPr lang="ru-RU" smtClean="0"/>
-              <a:t>хз</a:t>
-            </a:r>
-            <a:endParaRPr lang="ru-RU"/>
-          </a:p>
-        </p:txBody>
-      </p:sp>
-      <p:sp>
-        <p:nvSpPr>
           <p:cNvPr id="3" name="Объект 2"/>
           <p:cNvSpPr>
             <a:spLocks noGrp="1"/>
@@ -4969,19 +4943,326 @@
             <p:ph idx="1"/>
           </p:nvPr>
         </p:nvSpPr>
-        <p:spPr/>
-        <p:txBody>
-          <a:bodyPr/>
+        <p:spPr>
+          <a:xfrm>
+            <a:off x="-1" y="1802921"/>
+            <a:ext cx="6590581" cy="4873924"/>
+          </a:xfrm>
+        </p:spPr>
+        <p:txBody>
+          <a:bodyPr>
+            <a:normAutofit fontScale="92500" lnSpcReduction="10000"/>
+          </a:bodyPr>
           <a:lstStyle/>
           <a:p>
-            <a:endParaRPr lang="ru-RU"/>
-          </a:p>
-        </p:txBody>
-      </p:sp>
+            <a:r>
+              <a:rPr lang="ru-RU" sz="2400" dirty="0"/>
+              <a:t>Лексический анализатор сканирует текст, пока </a:t>
+            </a:r>
+            <a:r>
+              <a:rPr lang="ru-RU" sz="2400" dirty="0" smtClean="0"/>
+              <a:t>не попадет </a:t>
+            </a:r>
+            <a:r>
+              <a:rPr lang="ru-RU" sz="2400" dirty="0"/>
+              <a:t>в финальное состояние. Если по очередному символу он не может пройти в новое состояние и при этом он находится не финальном состоянии, то возникает лексическая ошибка. </a:t>
+            </a:r>
+          </a:p>
+          <a:p>
+            <a:r>
+              <a:rPr lang="ru-RU" sz="2400" dirty="0" smtClean="0"/>
+              <a:t>В </a:t>
+            </a:r>
+            <a:r>
+              <a:rPr lang="ru-RU" sz="2400" dirty="0" smtClean="0"/>
+              <a:t>нашем случае ошибки могут возникать:</a:t>
+            </a:r>
+          </a:p>
+          <a:p>
+            <a:pPr marL="0" indent="0">
+              <a:buNone/>
+            </a:pPr>
+            <a:r>
+              <a:rPr lang="ru-RU" sz="2400" dirty="0" smtClean="0"/>
+              <a:t>	1) если при распознавании цепочки мы не можем перейти из состояния «С» в финальное состояние «</a:t>
+            </a:r>
+            <a:r>
+              <a:rPr lang="en-US" sz="2400" dirty="0" smtClean="0"/>
+              <a:t>FP</a:t>
+            </a:r>
+            <a:r>
+              <a:rPr lang="ru-RU" sz="2400" dirty="0" smtClean="0"/>
+              <a:t>» </a:t>
+            </a:r>
+            <a:endParaRPr lang="ru-RU" sz="2400" dirty="0" smtClean="0"/>
+          </a:p>
+          <a:p>
+            <a:pPr marL="0" indent="0">
+              <a:buNone/>
+            </a:pPr>
+            <a:r>
+              <a:rPr lang="ru-RU" sz="2400" dirty="0"/>
+              <a:t>	</a:t>
+            </a:r>
+            <a:r>
+              <a:rPr lang="ru-RU" sz="2400" dirty="0" smtClean="0"/>
+              <a:t>Например</a:t>
+            </a:r>
+            <a:r>
+              <a:rPr lang="ru-RU" sz="2400" dirty="0" smtClean="0"/>
+              <a:t>: </a:t>
+            </a:r>
+            <a:r>
+              <a:rPr lang="ru-RU" sz="2400" dirty="0" smtClean="0"/>
+              <a:t/>
+            </a:r>
+            <a:br>
+              <a:rPr lang="ru-RU" sz="2400" dirty="0" smtClean="0"/>
+            </a:br>
+            <a:r>
+              <a:rPr lang="ru-RU" sz="2400" dirty="0" smtClean="0"/>
+              <a:t>	1.1) 31. – цепочка не будет распознана, так как цепочка кончается на символе «.» и состояни</a:t>
+            </a:r>
+            <a:r>
+              <a:rPr lang="ru-RU" sz="2400" dirty="0" smtClean="0"/>
+              <a:t>е «С» - не финальное. </a:t>
+            </a:r>
+          </a:p>
+          <a:p>
+            <a:pPr marL="0" indent="0">
+              <a:buNone/>
+            </a:pPr>
+            <a:r>
+              <a:rPr lang="ru-RU" sz="2400" dirty="0" smtClean="0"/>
+              <a:t>	1.2) 3.А  </a:t>
+            </a:r>
+            <a:r>
+              <a:rPr lang="ru-RU" sz="2400" dirty="0"/>
+              <a:t>- цепочка не будет распознана, так как из состояния «С» нет перехода по символу «А»</a:t>
+            </a:r>
+          </a:p>
+          <a:p>
+            <a:pPr marL="0" indent="0">
+              <a:buNone/>
+            </a:pPr>
+            <a:endParaRPr lang="ru-RU" sz="2400" dirty="0" smtClean="0"/>
+          </a:p>
+          <a:p>
+            <a:pPr marL="0" indent="0">
+              <a:buNone/>
+            </a:pPr>
+            <a:endParaRPr lang="ru-RU" sz="2400" dirty="0" smtClean="0"/>
+          </a:p>
+        </p:txBody>
+      </p:sp>
+      <p:sp>
+        <p:nvSpPr>
+          <p:cNvPr id="4" name="Заголовок 1"/>
+          <p:cNvSpPr>
+            <a:spLocks noGrp="1"/>
+          </p:cNvSpPr>
+          <p:nvPr>
+            <p:ph type="title"/>
+          </p:nvPr>
+        </p:nvSpPr>
+        <p:spPr>
+          <a:xfrm>
+            <a:off x="207034" y="94892"/>
+            <a:ext cx="11844068" cy="1466490"/>
+          </a:xfrm>
+        </p:spPr>
+        <p:txBody>
+          <a:bodyPr>
+            <a:normAutofit fontScale="90000"/>
+          </a:bodyPr>
+          <a:lstStyle/>
+          <a:p>
+            <a:pPr algn="ctr"/>
+            <a:r>
+              <a:rPr lang="ru-RU" dirty="0"/>
+              <a:t>д) Показать работу ДКА как ЛА на примере. Какие лексические ошибки могут быть обнаружены с помощью данного ДКА?</a:t>
+            </a:r>
+          </a:p>
+        </p:txBody>
+      </p:sp>
+      <p:pic>
+        <p:nvPicPr>
+          <p:cNvPr id="5" name="Рисунок 4"/>
+          <p:cNvPicPr>
+            <a:picLocks noChangeAspect="1"/>
+          </p:cNvPicPr>
+          <p:nvPr/>
+        </p:nvPicPr>
+        <p:blipFill>
+          <a:blip r:embed="rId2"/>
+          <a:stretch>
+            <a:fillRect/>
+          </a:stretch>
+        </p:blipFill>
+        <p:spPr>
+          <a:xfrm>
+            <a:off x="6507756" y="1561382"/>
+            <a:ext cx="5684244" cy="5193102"/>
+          </a:xfrm>
+          <a:prstGeom prst="rect">
+            <a:avLst/>
+          </a:prstGeom>
+        </p:spPr>
+      </p:pic>
     </p:spTree>
     <p:extLst>
       <p:ext uri="{BB962C8B-B14F-4D97-AF65-F5344CB8AC3E}">
-        <p14:creationId xmlns:p14="http://schemas.microsoft.com/office/powerpoint/2010/main" val="1153953158"/>
+        <p14:creationId xmlns:p14="http://schemas.microsoft.com/office/powerpoint/2010/main" val="1517679717"/>
+      </p:ext>
+    </p:extLst>
+  </p:cSld>
+  <p:clrMapOvr>
+    <a:masterClrMapping/>
+  </p:clrMapOvr>
+</p:sld>
+</file>
+
+<file path=ppt/slides/slide16.xml><?xml version="1.0" encoding="utf-8"?>
+<p:sld xmlns:a="http://schemas.openxmlformats.org/drawingml/2006/main" xmlns:r="http://schemas.openxmlformats.org/officeDocument/2006/relationships" xmlns:p="http://schemas.openxmlformats.org/presentationml/2006/main">
+  <p:cSld>
+    <p:spTree>
+      <p:nvGrpSpPr>
+        <p:cNvPr id="1" name=""/>
+        <p:cNvGrpSpPr/>
+        <p:nvPr/>
+      </p:nvGrpSpPr>
+      <p:grpSpPr>
+        <a:xfrm>
+          <a:off x="0" y="0"/>
+          <a:ext cx="0" cy="0"/>
+          <a:chOff x="0" y="0"/>
+          <a:chExt cx="0" cy="0"/>
+        </a:xfrm>
+      </p:grpSpPr>
+      <p:sp>
+        <p:nvSpPr>
+          <p:cNvPr id="3" name="Объект 2"/>
+          <p:cNvSpPr>
+            <a:spLocks noGrp="1"/>
+          </p:cNvSpPr>
+          <p:nvPr>
+            <p:ph idx="1"/>
+          </p:nvPr>
+        </p:nvSpPr>
+        <p:spPr>
+          <a:xfrm>
+            <a:off x="130834" y="1808372"/>
+            <a:ext cx="6376922" cy="5049627"/>
+          </a:xfrm>
+        </p:spPr>
+        <p:txBody>
+          <a:bodyPr/>
+          <a:lstStyle/>
+          <a:p>
+            <a:r>
+              <a:rPr lang="ru-RU" dirty="0"/>
+              <a:t>2) если введен символ, по которому нет перехода из начального состояния «А». (Любая цепочка, которая начинается</a:t>
+            </a:r>
+            <a:r>
+              <a:rPr lang="en-US" dirty="0"/>
+              <a:t> </a:t>
+            </a:r>
+            <a:r>
+              <a:rPr lang="ru-RU" dirty="0"/>
+              <a:t>с символа, не входящего в набор  </a:t>
+            </a:r>
+            <a:r>
+              <a:rPr lang="en-US" dirty="0"/>
+              <a:t>[0-9][a-z][A-Z] + - _ / </a:t>
+            </a:r>
+            <a:r>
+              <a:rPr lang="en-US" dirty="0" smtClean="0"/>
+              <a:t>*)</a:t>
+            </a:r>
+            <a:endParaRPr lang="ru-RU" dirty="0" smtClean="0"/>
+          </a:p>
+          <a:p>
+            <a:pPr marL="0" indent="0">
+              <a:buNone/>
+            </a:pPr>
+            <a:r>
+              <a:rPr lang="ru-RU" dirty="0" smtClean="0"/>
+              <a:t>	Например:</a:t>
+            </a:r>
+          </a:p>
+          <a:p>
+            <a:pPr marL="0" indent="0">
+              <a:buNone/>
+            </a:pPr>
+            <a:r>
+              <a:rPr lang="ru-RU" dirty="0"/>
+              <a:t>	</a:t>
+            </a:r>
+            <a:r>
+              <a:rPr lang="ru-RU" dirty="0" smtClean="0"/>
+              <a:t>2.1) ?3.14 – цепочка не будет распознана так как по символу «?» нет перехода из состояния «А» в другое.</a:t>
+            </a:r>
+          </a:p>
+        </p:txBody>
+      </p:sp>
+      <p:sp>
+        <p:nvSpPr>
+          <p:cNvPr id="4" name="Заголовок 1"/>
+          <p:cNvSpPr>
+            <a:spLocks noGrp="1"/>
+          </p:cNvSpPr>
+          <p:nvPr>
+            <p:ph type="title"/>
+          </p:nvPr>
+        </p:nvSpPr>
+        <p:spPr>
+          <a:xfrm>
+            <a:off x="0" y="94892"/>
+            <a:ext cx="12192000" cy="1466490"/>
+          </a:xfrm>
+        </p:spPr>
+        <p:txBody>
+          <a:bodyPr>
+            <a:normAutofit fontScale="90000"/>
+          </a:bodyPr>
+          <a:lstStyle/>
+          <a:p>
+            <a:pPr algn="ctr"/>
+            <a:r>
+              <a:rPr lang="ru-RU" dirty="0"/>
+              <a:t>д) Показать работу ДКА как ЛА на примере. Какие лексические ошибки могут быть обнаружены с помощью данного ДКА?</a:t>
+            </a:r>
+          </a:p>
+        </p:txBody>
+      </p:sp>
+      <p:pic>
+        <p:nvPicPr>
+          <p:cNvPr id="5" name="Рисунок 4"/>
+          <p:cNvPicPr>
+            <a:picLocks noChangeAspect="1"/>
+          </p:cNvPicPr>
+          <p:nvPr/>
+        </p:nvPicPr>
+        <p:blipFill>
+          <a:blip r:embed="rId2"/>
+          <a:stretch>
+            <a:fillRect/>
+          </a:stretch>
+        </p:blipFill>
+        <p:spPr>
+          <a:xfrm>
+            <a:off x="6507756" y="1561382"/>
+            <a:ext cx="5684244" cy="5193102"/>
+          </a:xfrm>
+          <a:prstGeom prst="rect">
+            <a:avLst/>
+          </a:prstGeom>
+        </p:spPr>
+      </p:pic>
+    </p:spTree>
+    <p:extLst>
+      <p:ext uri="{BB962C8B-B14F-4D97-AF65-F5344CB8AC3E}">
+        <p14:creationId xmlns:p14="http://schemas.microsoft.com/office/powerpoint/2010/main" val="1170699201"/>
       </p:ext>
     </p:extLst>
   </p:cSld>

--- a/task5.pptx
+++ b/task5.pptx
@@ -16,11 +16,11 @@
     <p:sldId id="270" r:id="rId10"/>
     <p:sldId id="263" r:id="rId11"/>
     <p:sldId id="264" r:id="rId12"/>
-    <p:sldId id="265" r:id="rId13"/>
+    <p:sldId id="279" r:id="rId13"/>
     <p:sldId id="267" r:id="rId14"/>
-    <p:sldId id="268" r:id="rId15"/>
-    <p:sldId id="275" r:id="rId16"/>
-    <p:sldId id="276" r:id="rId17"/>
+    <p:sldId id="281" r:id="rId15"/>
+    <p:sldId id="282" r:id="rId16"/>
+    <p:sldId id="283" r:id="rId17"/>
   </p:sldIdLst>
   <p:sldSz cx="12192000" cy="6858000"/>
   <p:notesSz cx="6858000" cy="9144000"/>
@@ -256,7 +256,7 @@
           <a:p>
             <a:fld id="{A32B6C15-7031-48CE-9B5C-080EB8C4C4AA}" type="datetimeFigureOut">
               <a:rPr lang="ru-RU" smtClean="0"/>
-              <a:t>21.01.2021</a:t>
+              <a:t>23.01.2021</a:t>
             </a:fld>
             <a:endParaRPr lang="ru-RU"/>
           </a:p>
@@ -424,7 +424,7 @@
           <a:p>
             <a:fld id="{A32B6C15-7031-48CE-9B5C-080EB8C4C4AA}" type="datetimeFigureOut">
               <a:rPr lang="ru-RU" smtClean="0"/>
-              <a:t>21.01.2021</a:t>
+              <a:t>23.01.2021</a:t>
             </a:fld>
             <a:endParaRPr lang="ru-RU"/>
           </a:p>
@@ -602,7 +602,7 @@
           <a:p>
             <a:fld id="{A32B6C15-7031-48CE-9B5C-080EB8C4C4AA}" type="datetimeFigureOut">
               <a:rPr lang="ru-RU" smtClean="0"/>
-              <a:t>21.01.2021</a:t>
+              <a:t>23.01.2021</a:t>
             </a:fld>
             <a:endParaRPr lang="ru-RU"/>
           </a:p>
@@ -770,7 +770,7 @@
           <a:p>
             <a:fld id="{A32B6C15-7031-48CE-9B5C-080EB8C4C4AA}" type="datetimeFigureOut">
               <a:rPr lang="ru-RU" smtClean="0"/>
-              <a:t>21.01.2021</a:t>
+              <a:t>23.01.2021</a:t>
             </a:fld>
             <a:endParaRPr lang="ru-RU"/>
           </a:p>
@@ -1015,7 +1015,7 @@
           <a:p>
             <a:fld id="{A32B6C15-7031-48CE-9B5C-080EB8C4C4AA}" type="datetimeFigureOut">
               <a:rPr lang="ru-RU" smtClean="0"/>
-              <a:t>21.01.2021</a:t>
+              <a:t>23.01.2021</a:t>
             </a:fld>
             <a:endParaRPr lang="ru-RU"/>
           </a:p>
@@ -1244,7 +1244,7 @@
           <a:p>
             <a:fld id="{A32B6C15-7031-48CE-9B5C-080EB8C4C4AA}" type="datetimeFigureOut">
               <a:rPr lang="ru-RU" smtClean="0"/>
-              <a:t>21.01.2021</a:t>
+              <a:t>23.01.2021</a:t>
             </a:fld>
             <a:endParaRPr lang="ru-RU"/>
           </a:p>
@@ -1608,7 +1608,7 @@
           <a:p>
             <a:fld id="{A32B6C15-7031-48CE-9B5C-080EB8C4C4AA}" type="datetimeFigureOut">
               <a:rPr lang="ru-RU" smtClean="0"/>
-              <a:t>21.01.2021</a:t>
+              <a:t>23.01.2021</a:t>
             </a:fld>
             <a:endParaRPr lang="ru-RU"/>
           </a:p>
@@ -1725,7 +1725,7 @@
           <a:p>
             <a:fld id="{A32B6C15-7031-48CE-9B5C-080EB8C4C4AA}" type="datetimeFigureOut">
               <a:rPr lang="ru-RU" smtClean="0"/>
-              <a:t>21.01.2021</a:t>
+              <a:t>23.01.2021</a:t>
             </a:fld>
             <a:endParaRPr lang="ru-RU"/>
           </a:p>
@@ -1820,7 +1820,7 @@
           <a:p>
             <a:fld id="{A32B6C15-7031-48CE-9B5C-080EB8C4C4AA}" type="datetimeFigureOut">
               <a:rPr lang="ru-RU" smtClean="0"/>
-              <a:t>21.01.2021</a:t>
+              <a:t>23.01.2021</a:t>
             </a:fld>
             <a:endParaRPr lang="ru-RU"/>
           </a:p>
@@ -2095,7 +2095,7 @@
           <a:p>
             <a:fld id="{A32B6C15-7031-48CE-9B5C-080EB8C4C4AA}" type="datetimeFigureOut">
               <a:rPr lang="ru-RU" smtClean="0"/>
-              <a:t>21.01.2021</a:t>
+              <a:t>23.01.2021</a:t>
             </a:fld>
             <a:endParaRPr lang="ru-RU"/>
           </a:p>
@@ -2347,7 +2347,7 @@
           <a:p>
             <a:fld id="{A32B6C15-7031-48CE-9B5C-080EB8C4C4AA}" type="datetimeFigureOut">
               <a:rPr lang="ru-RU" smtClean="0"/>
-              <a:t>21.01.2021</a:t>
+              <a:t>23.01.2021</a:t>
             </a:fld>
             <a:endParaRPr lang="ru-RU"/>
           </a:p>
@@ -2558,7 +2558,7 @@
           <a:p>
             <a:fld id="{A32B6C15-7031-48CE-9B5C-080EB8C4C4AA}" type="datetimeFigureOut">
               <a:rPr lang="ru-RU" smtClean="0"/>
-              <a:t>21.01.2021</a:t>
+              <a:t>23.01.2021</a:t>
             </a:fld>
             <a:endParaRPr lang="ru-RU"/>
           </a:p>
@@ -3290,8 +3290,8 @@
         </p:nvSpPr>
         <p:spPr>
           <a:xfrm>
-            <a:off x="4158581" y="6191685"/>
-            <a:ext cx="4169625" cy="554590"/>
+            <a:off x="4145482" y="6191685"/>
+            <a:ext cx="4195824" cy="584771"/>
           </a:xfrm>
           <a:prstGeom prst="rect">
             <a:avLst/>
@@ -3315,9 +3315,26 @@
               <a:defRPr sz="1600"/>
             </a:pPr>
             <a:r>
+              <a:rPr lang="en-US" dirty="0"/>
+              <a:t>23</a:t>
+            </a:r>
+            <a:r>
               <a:rPr dirty="0"/>
-              <a:t>03.11.2020</a:t>
-            </a:r>
+              <a:t>.</a:t>
+            </a:r>
+            <a:r>
+              <a:rPr lang="en-US" dirty="0"/>
+              <a:t>0</a:t>
+            </a:r>
+            <a:r>
+              <a:rPr dirty="0"/>
+              <a:t>1.202</a:t>
+            </a:r>
+            <a:r>
+              <a:rPr lang="en-US" dirty="0"/>
+              <a:t>1</a:t>
+            </a:r>
+            <a:endParaRPr dirty="0"/>
           </a:p>
           <a:p>
             <a:pPr algn="ctr">
@@ -3740,10 +3757,6 @@
             <a:r>
               <a:rPr lang="en-US" sz="1400" dirty="0"/>
               <a:t>.</a:t>
-            </a:r>
-            <a:r>
-              <a:rPr lang="ru-RU" sz="1400" dirty="0"/>
-              <a:t/>
             </a:r>
             <a:br>
               <a:rPr lang="ru-RU" sz="1400" dirty="0"/>
@@ -4302,12 +4315,8 @@
           <a:lstStyle/>
           <a:p>
             <a:r>
-              <a:rPr lang="ru-RU" dirty="0" smtClean="0"/>
-              <a:t>Полученный КА является детерминированным, так как А – начальное и единственное состояние и из каждого состояния есть </a:t>
-            </a:r>
-            <a:r>
               <a:rPr lang="ru-RU" dirty="0"/>
-              <a:t>только один переход по одному символу, или такой переход отсутствует. </a:t>
+              <a:t>Полученный КА является детерминированным, так как А – начальное и единственное состояние и из каждого состояния есть только один переход по одному символу, или такой переход отсутствует. </a:t>
             </a:r>
           </a:p>
           <a:p>
@@ -4317,7 +4326,7 @@
       </p:sp>
       <p:pic>
         <p:nvPicPr>
-          <p:cNvPr id="4" name="Рисунок 3"/>
+          <p:cNvPr id="6" name="Рисунок 5"/>
           <p:cNvPicPr>
             <a:picLocks noChangeAspect="1"/>
           </p:cNvPicPr>
@@ -4331,8 +4340,8 @@
         </p:blipFill>
         <p:spPr>
           <a:xfrm>
-            <a:off x="505675" y="1229749"/>
-            <a:ext cx="6189419" cy="5654628"/>
+            <a:off x="122879" y="1298449"/>
+            <a:ext cx="6088140" cy="5561811"/>
           </a:xfrm>
           <a:prstGeom prst="rect">
             <a:avLst/>
@@ -4341,7 +4350,7 @@
       </p:pic>
       <p:pic>
         <p:nvPicPr>
-          <p:cNvPr id="5" name="Рисунок 4"/>
+          <p:cNvPr id="8" name="Рисунок 7"/>
           <p:cNvPicPr>
             <a:picLocks noChangeAspect="1"/>
           </p:cNvPicPr>
@@ -4355,8 +4364,8 @@
         </p:blipFill>
         <p:spPr>
           <a:xfrm>
-            <a:off x="6695094" y="782515"/>
-            <a:ext cx="5481136" cy="4492870"/>
+            <a:off x="6382695" y="893825"/>
+            <a:ext cx="5686425" cy="4514850"/>
           </a:xfrm>
           <a:prstGeom prst="rect">
             <a:avLst/>
@@ -4366,7 +4375,7 @@
     </p:spTree>
     <p:extLst>
       <p:ext uri="{BB962C8B-B14F-4D97-AF65-F5344CB8AC3E}">
-        <p14:creationId xmlns:p14="http://schemas.microsoft.com/office/powerpoint/2010/main" val="1413665109"/>
+        <p14:creationId xmlns:p14="http://schemas.microsoft.com/office/powerpoint/2010/main" val="2121751330"/>
       </p:ext>
     </p:extLst>
   </p:cSld>
@@ -4647,10 +4656,6 @@
               <a:rPr lang="ru-RU" sz="2800" dirty="0"/>
               <a:t>.</a:t>
             </a:r>
-            <a:r>
-              <a:rPr lang="ru-RU" dirty="0"/>
-              <a:t/>
-            </a:r>
             <a:br>
               <a:rPr lang="ru-RU" dirty="0"/>
             </a:br>
@@ -4689,10 +4694,6 @@
               <a:rPr lang="ru-RU" sz="2800" dirty="0"/>
               <a:t>.</a:t>
             </a:r>
-            <a:r>
-              <a:rPr lang="ru-RU" dirty="0"/>
-              <a:t/>
-            </a:r>
             <a:br>
               <a:rPr lang="ru-RU" dirty="0"/>
             </a:br>
@@ -4731,10 +4732,6 @@
               </a:rPr>
               <a:t>.</a:t>
             </a:r>
-            <a:r>
-              <a:rPr lang="ru-RU" dirty="0"/>
-              <a:t/>
-            </a:r>
             <a:br>
               <a:rPr lang="ru-RU" dirty="0"/>
             </a:br>
@@ -4816,10 +4813,6 @@
               <a:rPr lang="en-US" dirty="0"/>
               <a:t>B</a:t>
             </a:r>
-            <a:r>
-              <a:rPr lang="ru-RU" dirty="0"/>
-              <a:t/>
-            </a:r>
             <a:br>
               <a:rPr lang="ru-RU" dirty="0"/>
             </a:br>
@@ -4881,7 +4874,7 @@
       </p:sp>
       <p:pic>
         <p:nvPicPr>
-          <p:cNvPr id="6" name="Рисунок 5"/>
+          <p:cNvPr id="4" name="Рисунок 3"/>
           <p:cNvPicPr>
             <a:picLocks noChangeAspect="1"/>
           </p:cNvPicPr>
@@ -4895,8 +4888,8 @@
         </p:blipFill>
         <p:spPr>
           <a:xfrm>
-            <a:off x="132640" y="811059"/>
-            <a:ext cx="6454698" cy="5896986"/>
+            <a:off x="81678" y="742047"/>
+            <a:ext cx="6556622" cy="5989791"/>
           </a:xfrm>
           <a:prstGeom prst="rect">
             <a:avLst/>
@@ -4906,7 +4899,7 @@
     </p:spTree>
     <p:extLst>
       <p:ext uri="{BB962C8B-B14F-4D97-AF65-F5344CB8AC3E}">
-        <p14:creationId xmlns:p14="http://schemas.microsoft.com/office/powerpoint/2010/main" val="1598212069"/>
+        <p14:creationId xmlns:p14="http://schemas.microsoft.com/office/powerpoint/2010/main" val="3447421469"/>
       </p:ext>
     </p:extLst>
   </p:cSld>
@@ -4957,25 +4950,13 @@
           <a:p>
             <a:r>
               <a:rPr lang="ru-RU" sz="2400" dirty="0"/>
-              <a:t>Лексический анализатор сканирует текст, пока </a:t>
-            </a:r>
-            <a:r>
-              <a:rPr lang="ru-RU" sz="2400" dirty="0" smtClean="0"/>
-              <a:t>не попадет </a:t>
-            </a:r>
+              <a:t>Лексический анализатор сканирует текст, пока не попадет в финальное состояние. Если по очередному символу он не может пройти в новое состояние и при этом он находится не финальном состоянии, то возникает лексическая ошибка. </a:t>
+            </a:r>
+          </a:p>
+          <a:p>
             <a:r>
               <a:rPr lang="ru-RU" sz="2400" dirty="0"/>
-              <a:t>в финальное состояние. Если по очередному символу он не может пройти в новое состояние и при этом он находится не финальном состоянии, то возникает лексическая ошибка. </a:t>
-            </a:r>
-          </a:p>
-          <a:p>
-            <a:r>
-              <a:rPr lang="ru-RU" sz="2400" dirty="0" smtClean="0"/>
-              <a:t>В </a:t>
-            </a:r>
-            <a:r>
-              <a:rPr lang="ru-RU" sz="2400" dirty="0" smtClean="0"/>
-              <a:t>нашем случае ошибки могут возникать:</a:t>
+              <a:t>В нашем случае ошибки могут возникать:</a:t>
             </a:r>
           </a:p>
           <a:p>
@@ -4983,18 +4964,17 @@
               <a:buNone/>
             </a:pPr>
             <a:r>
-              <a:rPr lang="ru-RU" sz="2400" dirty="0" smtClean="0"/>
+              <a:rPr lang="ru-RU" sz="2400" dirty="0"/>
               <a:t>	1) если при распознавании цепочки мы не можем перейти из состояния «С» в финальное состояние «</a:t>
             </a:r>
             <a:r>
-              <a:rPr lang="en-US" sz="2400" dirty="0" smtClean="0"/>
+              <a:rPr lang="en-US" sz="2400" dirty="0"/>
               <a:t>FP</a:t>
             </a:r>
             <a:r>
-              <a:rPr lang="ru-RU" sz="2400" dirty="0" smtClean="0"/>
+              <a:rPr lang="ru-RU" sz="2400" dirty="0"/>
               <a:t>» </a:t>
             </a:r>
-            <a:endParaRPr lang="ru-RU" sz="2400" dirty="0" smtClean="0"/>
           </a:p>
           <a:p>
             <a:pPr marL="0" indent="0">
@@ -5002,30 +4982,14 @@
             </a:pPr>
             <a:r>
               <a:rPr lang="ru-RU" sz="2400" dirty="0"/>
-              <a:t>	</a:t>
-            </a:r>
-            <a:r>
-              <a:rPr lang="ru-RU" sz="2400" dirty="0" smtClean="0"/>
-              <a:t>Например</a:t>
-            </a:r>
-            <a:r>
-              <a:rPr lang="ru-RU" sz="2400" dirty="0" smtClean="0"/>
-              <a:t>: </a:t>
-            </a:r>
-            <a:r>
-              <a:rPr lang="ru-RU" sz="2400" dirty="0" smtClean="0"/>
-              <a:t/>
+              <a:t>	Например: </a:t>
             </a:r>
             <a:br>
-              <a:rPr lang="ru-RU" sz="2400" dirty="0" smtClean="0"/>
+              <a:rPr lang="ru-RU" sz="2400" dirty="0"/>
             </a:br>
             <a:r>
-              <a:rPr lang="ru-RU" sz="2400" dirty="0" smtClean="0"/>
-              <a:t>	1.1) 31. – цепочка не будет распознана, так как цепочка кончается на символе «.» и состояни</a:t>
-            </a:r>
-            <a:r>
-              <a:rPr lang="ru-RU" sz="2400" dirty="0" smtClean="0"/>
-              <a:t>е «С» - не финальное. </a:t>
+              <a:rPr lang="ru-RU" sz="2400" dirty="0"/>
+              <a:t>	1.1) 31. – цепочка не будет распознана, так как цепочка кончается на символе «.» и состояние «С» - не финальное. </a:t>
             </a:r>
           </a:p>
           <a:p>
@@ -5033,25 +4997,21 @@
               <a:buNone/>
             </a:pPr>
             <a:r>
-              <a:rPr lang="ru-RU" sz="2400" dirty="0" smtClean="0"/>
-              <a:t>	1.2) 3.А  </a:t>
-            </a:r>
-            <a:r>
               <a:rPr lang="ru-RU" sz="2400" dirty="0"/>
-              <a:t>- цепочка не будет распознана, так как из состояния «С» нет перехода по символу «А»</a:t>
+              <a:t>	1.2) 3.А  - цепочка не будет распознана, так как из состояния «С» нет перехода по символу «А»</a:t>
             </a:r>
           </a:p>
           <a:p>
             <a:pPr marL="0" indent="0">
               <a:buNone/>
             </a:pPr>
-            <a:endParaRPr lang="ru-RU" sz="2400" dirty="0" smtClean="0"/>
+            <a:endParaRPr lang="ru-RU" sz="2400" dirty="0"/>
           </a:p>
           <a:p>
             <a:pPr marL="0" indent="0">
               <a:buNone/>
             </a:pPr>
-            <a:endParaRPr lang="ru-RU" sz="2400" dirty="0" smtClean="0"/>
+            <a:endParaRPr lang="ru-RU" sz="2400" dirty="0"/>
           </a:p>
         </p:txBody>
       </p:sp>
@@ -5087,7 +5047,7 @@
       </p:sp>
       <p:pic>
         <p:nvPicPr>
-          <p:cNvPr id="5" name="Рисунок 4"/>
+          <p:cNvPr id="7" name="Рисунок 6"/>
           <p:cNvPicPr>
             <a:picLocks noChangeAspect="1"/>
           </p:cNvPicPr>
@@ -5101,8 +5061,8 @@
         </p:blipFill>
         <p:spPr>
           <a:xfrm>
-            <a:off x="6507756" y="1561382"/>
-            <a:ext cx="5684244" cy="5193102"/>
+            <a:off x="6400800" y="1567458"/>
+            <a:ext cx="5791200" cy="5290541"/>
           </a:xfrm>
           <a:prstGeom prst="rect">
             <a:avLst/>
@@ -5112,7 +5072,7 @@
     </p:spTree>
     <p:extLst>
       <p:ext uri="{BB962C8B-B14F-4D97-AF65-F5344CB8AC3E}">
-        <p14:creationId xmlns:p14="http://schemas.microsoft.com/office/powerpoint/2010/main" val="1517679717"/>
+        <p14:creationId xmlns:p14="http://schemas.microsoft.com/office/powerpoint/2010/main" val="20778626"/>
       </p:ext>
     </p:extLst>
   </p:cSld>
@@ -5169,24 +5129,36 @@
             </a:r>
             <a:r>
               <a:rPr lang="ru-RU" dirty="0"/>
-              <a:t>с символа, не входящего в набор  </a:t>
+              <a:t>с символа, не входящего в набор</a:t>
             </a:r>
             <a:r>
               <a:rPr lang="en-US" dirty="0"/>
-              <a:t>[0-9][a-z][A-Z] + - _ / </a:t>
-            </a:r>
-            <a:r>
-              <a:rPr lang="en-US" dirty="0" smtClean="0"/>
-              <a:t>*)</a:t>
-            </a:r>
-            <a:endParaRPr lang="ru-RU" dirty="0" smtClean="0"/>
+              <a:t>:</a:t>
+            </a:r>
+            <a:r>
+              <a:rPr lang="ru-RU" dirty="0"/>
+              <a:t>  </a:t>
+            </a:r>
+            <a:r>
+              <a:rPr lang="en-US" dirty="0"/>
+              <a:t>0,…,9,a,…,</a:t>
+            </a:r>
+            <a:r>
+              <a:rPr lang="en-US" dirty="0" err="1"/>
+              <a:t>z,A</a:t>
+            </a:r>
+            <a:r>
+              <a:rPr lang="en-US" dirty="0"/>
+              <a:t>,…,Z,+,-,_,/,*)</a:t>
+            </a:r>
+            <a:endParaRPr lang="ru-RU" dirty="0"/>
           </a:p>
           <a:p>
             <a:pPr marL="0" indent="0">
               <a:buNone/>
             </a:pPr>
             <a:r>
-              <a:rPr lang="ru-RU" dirty="0" smtClean="0"/>
+              <a:rPr lang="ru-RU" dirty="0"/>
               <a:t>	Например:</a:t>
             </a:r>
           </a:p>
@@ -5196,11 +5168,7 @@
             </a:pPr>
             <a:r>
               <a:rPr lang="ru-RU" dirty="0"/>
-              <a:t>	</a:t>
-            </a:r>
-            <a:r>
-              <a:rPr lang="ru-RU" dirty="0" smtClean="0"/>
-              <a:t>2.1) ?3.14 – цепочка не будет распознана так как по символу «?» нет перехода из состояния «А» в другое.</a:t>
+              <a:t>	2.1) ?3.14 – цепочка не будет распознана так как по символу «?» нет перехода из состояния «А» в другое.</a:t>
             </a:r>
           </a:p>
         </p:txBody>
@@ -5237,7 +5205,7 @@
       </p:sp>
       <p:pic>
         <p:nvPicPr>
-          <p:cNvPr id="5" name="Рисунок 4"/>
+          <p:cNvPr id="2" name="Рисунок 1"/>
           <p:cNvPicPr>
             <a:picLocks noChangeAspect="1"/>
           </p:cNvPicPr>
@@ -5251,8 +5219,8 @@
         </p:blipFill>
         <p:spPr>
           <a:xfrm>
-            <a:off x="6507756" y="1561382"/>
-            <a:ext cx="5684244" cy="5193102"/>
+            <a:off x="6400800" y="1567458"/>
+            <a:ext cx="5791200" cy="5290541"/>
           </a:xfrm>
           <a:prstGeom prst="rect">
             <a:avLst/>
@@ -5262,7 +5230,7 @@
     </p:spTree>
     <p:extLst>
       <p:ext uri="{BB962C8B-B14F-4D97-AF65-F5344CB8AC3E}">
-        <p14:creationId xmlns:p14="http://schemas.microsoft.com/office/powerpoint/2010/main" val="1170699201"/>
+        <p14:creationId xmlns:p14="http://schemas.microsoft.com/office/powerpoint/2010/main" val="4247208480"/>
       </p:ext>
     </p:extLst>
   </p:cSld>
@@ -5523,10 +5491,6 @@
               <a:rPr lang="en-US" sz="2000" dirty="0"/>
               <a:t>, A2, A3)</a:t>
             </a:r>
-            <a:r>
-              <a:rPr lang="ru-RU" sz="2000" dirty="0"/>
-              <a:t/>
-            </a:r>
             <a:br>
               <a:rPr lang="ru-RU" sz="2000" dirty="0"/>
             </a:br>
@@ -5537,10 +5501,6 @@
             <a:r>
               <a:rPr lang="en-US" sz="2000" dirty="0"/>
               <a:t> (1, 2)</a:t>
-            </a:r>
-            <a:r>
-              <a:rPr lang="ru-RU" sz="2000" dirty="0"/>
-              <a:t/>
             </a:r>
             <a:br>
               <a:rPr lang="ru-RU" sz="2000" dirty="0"/>
@@ -5716,7 +5676,7 @@
                 </a:r>
                 <a:r>
                   <a:rPr lang="en-US" sz="2000" dirty="0"/>
-                  <a:t>)</a:t>
+                  <a:t>|A|…|Z)</a:t>
                 </a:r>
                 <a:r>
                   <a:rPr lang="en-US" sz="1200" dirty="0"/>
@@ -5728,15 +5688,19 @@
                 </a:r>
                 <a:r>
                   <a:rPr lang="en-US" sz="2000" dirty="0"/>
-                  <a:t> |… |</a:t>
-                </a:r>
-                <a:r>
-                  <a:rPr lang="ru-RU" sz="2000" dirty="0"/>
-                  <a:t> </a:t>
+                  <a:t> |…| </a:t>
                 </a:r>
                 <a:r>
                   <a:rPr lang="pl-PL" sz="2000" dirty="0"/>
-                  <a:t>z </a:t>
+                  <a:t>z</a:t>
+                </a:r>
+                <a:r>
+                  <a:rPr lang="en-US" sz="2000" dirty="0"/>
+                  <a:t>|A|…|Z</a:t>
+                </a:r>
+                <a:r>
+                  <a:rPr lang="pl-PL" sz="2000" dirty="0"/>
+                  <a:t> </a:t>
                 </a:r>
                 <a:r>
                   <a:rPr lang="en-US" sz="2000" dirty="0"/>
@@ -6611,10 +6575,6 @@
                   <a:rPr lang="en-US" sz="2000" dirty="0"/>
                   <a:t>e = +</a:t>
                 </a:r>
-                <a:r>
-                  <a:rPr lang="ru-RU" sz="2000" dirty="0"/>
-                  <a:t/>
-                </a:r>
                 <a:br>
                   <a:rPr lang="ru-RU" sz="2000" dirty="0"/>
                 </a:br>
@@ -6632,10 +6592,6 @@
                   <a:rPr lang="en-US" sz="2000" dirty="0"/>
                   <a:t>	e = *</a:t>
                 </a:r>
-                <a:r>
-                  <a:rPr lang="ru-RU" sz="2000" dirty="0"/>
-                  <a:t/>
-                </a:r>
                 <a:br>
                   <a:rPr lang="ru-RU" sz="2000" dirty="0"/>
                 </a:br>
@@ -6652,10 +6608,6 @@
                 <a:r>
                   <a:rPr lang="en-US" sz="2000" dirty="0"/>
                   <a:t>	e = /</a:t>
-                </a:r>
-                <a:r>
-                  <a:rPr lang="ru-RU" sz="2000" dirty="0"/>
-                  <a:t/>
                 </a:r>
                 <a:br>
                   <a:rPr lang="ru-RU" sz="2000" dirty="0"/>
@@ -6981,7 +6933,7 @@
             </a:r>
             <a:r>
               <a:rPr lang="en-US" sz="1400" dirty="0"/>
-              <a:t>)*</a:t>
+              <a:t> | A |…| Z)</a:t>
             </a:r>
             <a:r>
               <a:rPr lang="pl-PL" sz="1400" dirty="0"/>
@@ -6989,15 +6941,19 @@
             </a:r>
             <a:r>
               <a:rPr lang="en-US" sz="1400" dirty="0"/>
-              <a:t> |… |</a:t>
-            </a:r>
-            <a:r>
-              <a:rPr lang="ru-RU" sz="1400" dirty="0"/>
+              <a:t> |…| </a:t>
+            </a:r>
+            <a:r>
+              <a:rPr lang="pl-PL" sz="1400" dirty="0"/>
+              <a:t>z</a:t>
+            </a:r>
+            <a:r>
+              <a:rPr lang="en-US" sz="1400" dirty="0"/>
+              <a:t> | A |…| Z</a:t>
+            </a:r>
+            <a:r>
+              <a:rPr lang="pl-PL" sz="1400" dirty="0"/>
               <a:t> </a:t>
-            </a:r>
-            <a:r>
-              <a:rPr lang="pl-PL" sz="1400" dirty="0"/>
-              <a:t>z </a:t>
             </a:r>
             <a:r>
               <a:rPr lang="en-US" sz="1400" dirty="0"/>
@@ -7055,54 +7011,6 @@
           </a:prstGeom>
         </p:spPr>
       </p:pic>
-      <p:pic>
-        <p:nvPicPr>
-          <p:cNvPr id="7" name="Рисунок 6"/>
-          <p:cNvPicPr>
-            <a:picLocks noChangeAspect="1"/>
-          </p:cNvPicPr>
-          <p:nvPr/>
-        </p:nvPicPr>
-        <p:blipFill>
-          <a:blip r:embed="rId3"/>
-          <a:stretch>
-            <a:fillRect/>
-          </a:stretch>
-        </p:blipFill>
-        <p:spPr>
-          <a:xfrm>
-            <a:off x="5634435" y="3480963"/>
-            <a:ext cx="3262678" cy="813346"/>
-          </a:xfrm>
-          <a:prstGeom prst="rect">
-            <a:avLst/>
-          </a:prstGeom>
-        </p:spPr>
-      </p:pic>
-      <p:pic>
-        <p:nvPicPr>
-          <p:cNvPr id="8" name="Рисунок 7"/>
-          <p:cNvPicPr>
-            <a:picLocks noChangeAspect="1"/>
-          </p:cNvPicPr>
-          <p:nvPr/>
-        </p:nvPicPr>
-        <p:blipFill>
-          <a:blip r:embed="rId4"/>
-          <a:stretch>
-            <a:fillRect/>
-          </a:stretch>
-        </p:blipFill>
-        <p:spPr>
-          <a:xfrm>
-            <a:off x="5440679" y="5088776"/>
-            <a:ext cx="4469832" cy="1546382"/>
-          </a:xfrm>
-          <a:prstGeom prst="rect">
-            <a:avLst/>
-          </a:prstGeom>
-        </p:spPr>
-      </p:pic>
       <p:sp>
         <p:nvSpPr>
           <p:cNvPr id="5" name="TextBox 4">
@@ -7137,15 +7045,15 @@
             </a:r>
             <a:r>
               <a:rPr lang="ru-RU" sz="1400" dirty="0"/>
-              <a:t>Последующие символы в переменной могут быть числом, </a:t>
+              <a:t>Последующие символы в переменной могут быть числом 0-9, </a:t>
             </a:r>
             <a:r>
               <a:rPr lang="en-US" sz="1400" dirty="0"/>
-              <a:t>a-z, A-Z</a:t>
+              <a:t>a-z, A-Z,</a:t>
             </a:r>
             <a:r>
               <a:rPr lang="ru-RU" sz="1400" dirty="0"/>
-              <a:t>, но в любом количестве, поэтому в состоянии В есть петля.</a:t>
+              <a:t> но в любом количестве, поэтому в состоянии В есть петля.</a:t>
             </a:r>
           </a:p>
           <a:p>
@@ -7194,7 +7102,7 @@
             </a:r>
             <a:r>
               <a:rPr lang="ru-RU" sz="1400" dirty="0"/>
-              <a:t>, либо с </a:t>
+              <a:t>, </a:t>
             </a:r>
             <a:r>
               <a:rPr lang="en-US" sz="1400" dirty="0"/>
@@ -7280,6 +7188,639 @@
             <a:endParaRPr lang="ru-RU" sz="1400" dirty="0"/>
           </a:p>
           <a:p>
+            <a:endParaRPr lang="ru-RU" dirty="0"/>
+          </a:p>
+        </p:txBody>
+      </p:sp>
+      <p:sp>
+        <p:nvSpPr>
+          <p:cNvPr id="9" name="Овал 8">
+            <a:extLst>
+              <a:ext uri="{FF2B5EF4-FFF2-40B4-BE49-F238E27FC236}">
+                <a16:creationId xmlns:a16="http://schemas.microsoft.com/office/drawing/2014/main" id="{2843B14F-3072-45BE-BD03-F07261787EFF}"/>
+              </a:ext>
+            </a:extLst>
+          </p:cNvPr>
+          <p:cNvSpPr/>
+          <p:nvPr/>
+        </p:nvSpPr>
+        <p:spPr>
+          <a:xfrm>
+            <a:off x="6305156" y="3600994"/>
+            <a:ext cx="636301" cy="626972"/>
+          </a:xfrm>
+          <a:prstGeom prst="ellipse">
+            <a:avLst/>
+          </a:prstGeom>
+        </p:spPr>
+        <p:style>
+          <a:lnRef idx="2">
+            <a:schemeClr val="dk1"/>
+          </a:lnRef>
+          <a:fillRef idx="1">
+            <a:schemeClr val="lt1"/>
+          </a:fillRef>
+          <a:effectRef idx="0">
+            <a:schemeClr val="dk1"/>
+          </a:effectRef>
+          <a:fontRef idx="minor">
+            <a:schemeClr val="dk1"/>
+          </a:fontRef>
+        </p:style>
+        <p:txBody>
+          <a:bodyPr rtlCol="0" anchor="ctr"/>
+          <a:lstStyle/>
+          <a:p>
+            <a:pPr algn="ctr"/>
+            <a:r>
+              <a:rPr lang="en-US" dirty="0"/>
+              <a:t>A</a:t>
+            </a:r>
+            <a:endParaRPr lang="ru-RU" dirty="0"/>
+          </a:p>
+        </p:txBody>
+      </p:sp>
+      <p:cxnSp>
+        <p:nvCxnSpPr>
+          <p:cNvPr id="11" name="Прямая со стрелкой 10">
+            <a:extLst>
+              <a:ext uri="{FF2B5EF4-FFF2-40B4-BE49-F238E27FC236}">
+                <a16:creationId xmlns:a16="http://schemas.microsoft.com/office/drawing/2014/main" id="{66D1F9B3-E65B-412B-9169-11ABFD18FDCF}"/>
+              </a:ext>
+            </a:extLst>
+          </p:cNvPr>
+          <p:cNvCxnSpPr>
+            <a:endCxn id="9" idx="2"/>
+          </p:cNvCxnSpPr>
+          <p:nvPr/>
+        </p:nvCxnSpPr>
+        <p:spPr>
+          <a:xfrm flipV="1">
+            <a:off x="5518041" y="3914480"/>
+            <a:ext cx="787115" cy="1552"/>
+          </a:xfrm>
+          <a:prstGeom prst="straightConnector1">
+            <a:avLst/>
+          </a:prstGeom>
+          <a:ln>
+            <a:tailEnd type="triangle"/>
+          </a:ln>
+        </p:spPr>
+        <p:style>
+          <a:lnRef idx="1">
+            <a:schemeClr val="dk1"/>
+          </a:lnRef>
+          <a:fillRef idx="0">
+            <a:schemeClr val="dk1"/>
+          </a:fillRef>
+          <a:effectRef idx="0">
+            <a:schemeClr val="dk1"/>
+          </a:effectRef>
+          <a:fontRef idx="minor">
+            <a:schemeClr val="tx1"/>
+          </a:fontRef>
+        </p:style>
+      </p:cxnSp>
+      <p:cxnSp>
+        <p:nvCxnSpPr>
+          <p:cNvPr id="16" name="Прямая со стрелкой 15">
+            <a:extLst>
+              <a:ext uri="{FF2B5EF4-FFF2-40B4-BE49-F238E27FC236}">
+                <a16:creationId xmlns:a16="http://schemas.microsoft.com/office/drawing/2014/main" id="{72F00C7C-1D4D-4A6A-8740-8C41D19915F5}"/>
+              </a:ext>
+            </a:extLst>
+          </p:cNvPr>
+          <p:cNvCxnSpPr>
+            <a:cxnSpLocks/>
+            <a:stCxn id="9" idx="6"/>
+            <a:endCxn id="21" idx="2"/>
+          </p:cNvCxnSpPr>
+          <p:nvPr/>
+        </p:nvCxnSpPr>
+        <p:spPr>
+          <a:xfrm>
+            <a:off x="6941457" y="3914480"/>
+            <a:ext cx="1648460" cy="0"/>
+          </a:xfrm>
+          <a:prstGeom prst="straightConnector1">
+            <a:avLst/>
+          </a:prstGeom>
+          <a:ln>
+            <a:tailEnd type="triangle"/>
+          </a:ln>
+        </p:spPr>
+        <p:style>
+          <a:lnRef idx="1">
+            <a:schemeClr val="dk1"/>
+          </a:lnRef>
+          <a:fillRef idx="0">
+            <a:schemeClr val="dk1"/>
+          </a:fillRef>
+          <a:effectRef idx="0">
+            <a:schemeClr val="dk1"/>
+          </a:effectRef>
+          <a:fontRef idx="minor">
+            <a:schemeClr val="tx1"/>
+          </a:fontRef>
+        </p:style>
+      </p:cxnSp>
+      <p:sp>
+        <p:nvSpPr>
+          <p:cNvPr id="19" name="TextBox 18">
+            <a:extLst>
+              <a:ext uri="{FF2B5EF4-FFF2-40B4-BE49-F238E27FC236}">
+                <a16:creationId xmlns:a16="http://schemas.microsoft.com/office/drawing/2014/main" id="{9B134183-667D-4B48-9134-6AF12CF975AC}"/>
+              </a:ext>
+            </a:extLst>
+          </p:cNvPr>
+          <p:cNvSpPr txBox="1"/>
+          <p:nvPr/>
+        </p:nvSpPr>
+        <p:spPr>
+          <a:xfrm>
+            <a:off x="7096743" y="3557143"/>
+            <a:ext cx="1236621" cy="369332"/>
+          </a:xfrm>
+          <a:prstGeom prst="rect">
+            <a:avLst/>
+          </a:prstGeom>
+          <a:noFill/>
+        </p:spPr>
+        <p:txBody>
+          <a:bodyPr wrap="none" rtlCol="0">
+            <a:spAutoFit/>
+          </a:bodyPr>
+          <a:lstStyle/>
+          <a:p>
+            <a:r>
+              <a:rPr lang="en-US" dirty="0"/>
+              <a:t>a,…,</a:t>
+            </a:r>
+            <a:r>
+              <a:rPr lang="en-US" dirty="0" err="1"/>
+              <a:t>z,A</a:t>
+            </a:r>
+            <a:r>
+              <a:rPr lang="en-US" dirty="0"/>
+              <a:t>,…,Z</a:t>
+            </a:r>
+            <a:endParaRPr lang="ru-RU" dirty="0"/>
+          </a:p>
+        </p:txBody>
+      </p:sp>
+      <p:sp>
+        <p:nvSpPr>
+          <p:cNvPr id="21" name="Овал 20">
+            <a:extLst>
+              <a:ext uri="{FF2B5EF4-FFF2-40B4-BE49-F238E27FC236}">
+                <a16:creationId xmlns:a16="http://schemas.microsoft.com/office/drawing/2014/main" id="{3D00D47B-14A5-4D92-BE24-8B3436C620E8}"/>
+              </a:ext>
+            </a:extLst>
+          </p:cNvPr>
+          <p:cNvSpPr/>
+          <p:nvPr/>
+        </p:nvSpPr>
+        <p:spPr>
+          <a:xfrm>
+            <a:off x="8589917" y="3514997"/>
+            <a:ext cx="772031" cy="798966"/>
+          </a:xfrm>
+          <a:prstGeom prst="ellipse">
+            <a:avLst/>
+          </a:prstGeom>
+        </p:spPr>
+        <p:style>
+          <a:lnRef idx="2">
+            <a:schemeClr val="dk1"/>
+          </a:lnRef>
+          <a:fillRef idx="1">
+            <a:schemeClr val="lt1"/>
+          </a:fillRef>
+          <a:effectRef idx="0">
+            <a:schemeClr val="dk1"/>
+          </a:effectRef>
+          <a:fontRef idx="minor">
+            <a:schemeClr val="dk1"/>
+          </a:fontRef>
+        </p:style>
+        <p:txBody>
+          <a:bodyPr rtlCol="0" anchor="ctr"/>
+          <a:lstStyle/>
+          <a:p>
+            <a:pPr algn="ctr"/>
+            <a:r>
+              <a:rPr lang="en-US" dirty="0"/>
+              <a:t>B</a:t>
+            </a:r>
+            <a:endParaRPr lang="ru-RU" dirty="0"/>
+          </a:p>
+        </p:txBody>
+      </p:sp>
+      <p:sp>
+        <p:nvSpPr>
+          <p:cNvPr id="12" name="Овал 11">
+            <a:extLst>
+              <a:ext uri="{FF2B5EF4-FFF2-40B4-BE49-F238E27FC236}">
+                <a16:creationId xmlns:a16="http://schemas.microsoft.com/office/drawing/2014/main" id="{CB919618-D9A3-47BD-8123-17E5484EDADE}"/>
+              </a:ext>
+            </a:extLst>
+          </p:cNvPr>
+          <p:cNvSpPr/>
+          <p:nvPr/>
+        </p:nvSpPr>
+        <p:spPr>
+          <a:xfrm>
+            <a:off x="8657783" y="3600994"/>
+            <a:ext cx="636301" cy="626972"/>
+          </a:xfrm>
+          <a:prstGeom prst="ellipse">
+            <a:avLst/>
+          </a:prstGeom>
+        </p:spPr>
+        <p:style>
+          <a:lnRef idx="2">
+            <a:schemeClr val="dk1"/>
+          </a:lnRef>
+          <a:fillRef idx="1">
+            <a:schemeClr val="lt1"/>
+          </a:fillRef>
+          <a:effectRef idx="0">
+            <a:schemeClr val="dk1"/>
+          </a:effectRef>
+          <a:fontRef idx="minor">
+            <a:schemeClr val="dk1"/>
+          </a:fontRef>
+        </p:style>
+        <p:txBody>
+          <a:bodyPr rtlCol="0" anchor="ctr"/>
+          <a:lstStyle/>
+          <a:p>
+            <a:pPr algn="ctr"/>
+            <a:r>
+              <a:rPr lang="en-US" dirty="0"/>
+              <a:t>B</a:t>
+            </a:r>
+            <a:endParaRPr lang="ru-RU" dirty="0"/>
+          </a:p>
+        </p:txBody>
+      </p:sp>
+      <p:sp>
+        <p:nvSpPr>
+          <p:cNvPr id="23" name="Овал 22">
+            <a:extLst>
+              <a:ext uri="{FF2B5EF4-FFF2-40B4-BE49-F238E27FC236}">
+                <a16:creationId xmlns:a16="http://schemas.microsoft.com/office/drawing/2014/main" id="{077026AB-B028-437F-8575-41E0DDA6AFA7}"/>
+              </a:ext>
+            </a:extLst>
+          </p:cNvPr>
+          <p:cNvSpPr/>
+          <p:nvPr/>
+        </p:nvSpPr>
+        <p:spPr>
+          <a:xfrm>
+            <a:off x="6392576" y="5683991"/>
+            <a:ext cx="636301" cy="626972"/>
+          </a:xfrm>
+          <a:prstGeom prst="ellipse">
+            <a:avLst/>
+          </a:prstGeom>
+        </p:spPr>
+        <p:style>
+          <a:lnRef idx="2">
+            <a:schemeClr val="dk1"/>
+          </a:lnRef>
+          <a:fillRef idx="1">
+            <a:schemeClr val="lt1"/>
+          </a:fillRef>
+          <a:effectRef idx="0">
+            <a:schemeClr val="dk1"/>
+          </a:effectRef>
+          <a:fontRef idx="minor">
+            <a:schemeClr val="dk1"/>
+          </a:fontRef>
+        </p:style>
+        <p:txBody>
+          <a:bodyPr rtlCol="0" anchor="ctr"/>
+          <a:lstStyle/>
+          <a:p>
+            <a:pPr algn="ctr"/>
+            <a:r>
+              <a:rPr lang="en-US" dirty="0"/>
+              <a:t>A</a:t>
+            </a:r>
+            <a:endParaRPr lang="ru-RU" dirty="0"/>
+          </a:p>
+        </p:txBody>
+      </p:sp>
+      <p:cxnSp>
+        <p:nvCxnSpPr>
+          <p:cNvPr id="24" name="Прямая со стрелкой 23">
+            <a:extLst>
+              <a:ext uri="{FF2B5EF4-FFF2-40B4-BE49-F238E27FC236}">
+                <a16:creationId xmlns:a16="http://schemas.microsoft.com/office/drawing/2014/main" id="{4F92AF4E-9856-4B3C-A27F-B4964F8A2821}"/>
+              </a:ext>
+            </a:extLst>
+          </p:cNvPr>
+          <p:cNvCxnSpPr>
+            <a:endCxn id="23" idx="2"/>
+          </p:cNvCxnSpPr>
+          <p:nvPr/>
+        </p:nvCxnSpPr>
+        <p:spPr>
+          <a:xfrm flipV="1">
+            <a:off x="5605461" y="5997477"/>
+            <a:ext cx="787115" cy="1552"/>
+          </a:xfrm>
+          <a:prstGeom prst="straightConnector1">
+            <a:avLst/>
+          </a:prstGeom>
+          <a:ln>
+            <a:tailEnd type="triangle"/>
+          </a:ln>
+        </p:spPr>
+        <p:style>
+          <a:lnRef idx="1">
+            <a:schemeClr val="dk1"/>
+          </a:lnRef>
+          <a:fillRef idx="0">
+            <a:schemeClr val="dk1"/>
+          </a:fillRef>
+          <a:effectRef idx="0">
+            <a:schemeClr val="dk1"/>
+          </a:effectRef>
+          <a:fontRef idx="minor">
+            <a:schemeClr val="tx1"/>
+          </a:fontRef>
+        </p:style>
+      </p:cxnSp>
+      <p:cxnSp>
+        <p:nvCxnSpPr>
+          <p:cNvPr id="25" name="Прямая со стрелкой 24">
+            <a:extLst>
+              <a:ext uri="{FF2B5EF4-FFF2-40B4-BE49-F238E27FC236}">
+                <a16:creationId xmlns:a16="http://schemas.microsoft.com/office/drawing/2014/main" id="{AD77F1D0-1BA3-4BEC-B43F-008C6ADD4E4D}"/>
+              </a:ext>
+            </a:extLst>
+          </p:cNvPr>
+          <p:cNvCxnSpPr>
+            <a:cxnSpLocks/>
+            <a:stCxn id="23" idx="6"/>
+            <a:endCxn id="27" idx="2"/>
+          </p:cNvCxnSpPr>
+          <p:nvPr/>
+        </p:nvCxnSpPr>
+        <p:spPr>
+          <a:xfrm>
+            <a:off x="7028877" y="5997477"/>
+            <a:ext cx="1413892" cy="11636"/>
+          </a:xfrm>
+          <a:prstGeom prst="straightConnector1">
+            <a:avLst/>
+          </a:prstGeom>
+          <a:ln>
+            <a:tailEnd type="triangle"/>
+          </a:ln>
+        </p:spPr>
+        <p:style>
+          <a:lnRef idx="1">
+            <a:schemeClr val="dk1"/>
+          </a:lnRef>
+          <a:fillRef idx="0">
+            <a:schemeClr val="dk1"/>
+          </a:fillRef>
+          <a:effectRef idx="0">
+            <a:schemeClr val="dk1"/>
+          </a:effectRef>
+          <a:fontRef idx="minor">
+            <a:schemeClr val="tx1"/>
+          </a:fontRef>
+        </p:style>
+      </p:cxnSp>
+      <p:sp>
+        <p:nvSpPr>
+          <p:cNvPr id="27" name="Овал 26">
+            <a:extLst>
+              <a:ext uri="{FF2B5EF4-FFF2-40B4-BE49-F238E27FC236}">
+                <a16:creationId xmlns:a16="http://schemas.microsoft.com/office/drawing/2014/main" id="{72348C34-2658-43F3-8AC3-154C64DA6896}"/>
+              </a:ext>
+            </a:extLst>
+          </p:cNvPr>
+          <p:cNvSpPr/>
+          <p:nvPr/>
+        </p:nvSpPr>
+        <p:spPr>
+          <a:xfrm>
+            <a:off x="8442769" y="5609630"/>
+            <a:ext cx="772031" cy="798966"/>
+          </a:xfrm>
+          <a:prstGeom prst="ellipse">
+            <a:avLst/>
+          </a:prstGeom>
+        </p:spPr>
+        <p:style>
+          <a:lnRef idx="2">
+            <a:schemeClr val="dk1"/>
+          </a:lnRef>
+          <a:fillRef idx="1">
+            <a:schemeClr val="lt1"/>
+          </a:fillRef>
+          <a:effectRef idx="0">
+            <a:schemeClr val="dk1"/>
+          </a:effectRef>
+          <a:fontRef idx="minor">
+            <a:schemeClr val="dk1"/>
+          </a:fontRef>
+        </p:style>
+        <p:txBody>
+          <a:bodyPr rtlCol="0" anchor="ctr"/>
+          <a:lstStyle/>
+          <a:p>
+            <a:pPr algn="ctr"/>
+            <a:r>
+              <a:rPr lang="en-US" dirty="0"/>
+              <a:t>B</a:t>
+            </a:r>
+            <a:endParaRPr lang="ru-RU" dirty="0"/>
+          </a:p>
+        </p:txBody>
+      </p:sp>
+      <p:sp>
+        <p:nvSpPr>
+          <p:cNvPr id="28" name="Овал 27">
+            <a:extLst>
+              <a:ext uri="{FF2B5EF4-FFF2-40B4-BE49-F238E27FC236}">
+                <a16:creationId xmlns:a16="http://schemas.microsoft.com/office/drawing/2014/main" id="{433BBD68-0C1D-4F44-AAE6-F09353081525}"/>
+              </a:ext>
+            </a:extLst>
+          </p:cNvPr>
+          <p:cNvSpPr/>
+          <p:nvPr/>
+        </p:nvSpPr>
+        <p:spPr>
+          <a:xfrm>
+            <a:off x="8510635" y="5695627"/>
+            <a:ext cx="636301" cy="626972"/>
+          </a:xfrm>
+          <a:prstGeom prst="ellipse">
+            <a:avLst/>
+          </a:prstGeom>
+        </p:spPr>
+        <p:style>
+          <a:lnRef idx="2">
+            <a:schemeClr val="dk1"/>
+          </a:lnRef>
+          <a:fillRef idx="1">
+            <a:schemeClr val="lt1"/>
+          </a:fillRef>
+          <a:effectRef idx="0">
+            <a:schemeClr val="dk1"/>
+          </a:effectRef>
+          <a:fontRef idx="minor">
+            <a:schemeClr val="dk1"/>
+          </a:fontRef>
+        </p:style>
+        <p:txBody>
+          <a:bodyPr rtlCol="0" anchor="ctr"/>
+          <a:lstStyle/>
+          <a:p>
+            <a:pPr algn="ctr"/>
+            <a:r>
+              <a:rPr lang="en-US" dirty="0"/>
+              <a:t>B</a:t>
+            </a:r>
+            <a:endParaRPr lang="ru-RU" dirty="0"/>
+          </a:p>
+        </p:txBody>
+      </p:sp>
+      <p:cxnSp>
+        <p:nvCxnSpPr>
+          <p:cNvPr id="32" name="Соединитель: изогнутый 31">
+            <a:extLst>
+              <a:ext uri="{FF2B5EF4-FFF2-40B4-BE49-F238E27FC236}">
+                <a16:creationId xmlns:a16="http://schemas.microsoft.com/office/drawing/2014/main" id="{4420B651-1F19-4BD8-BCFB-0C23F197068E}"/>
+              </a:ext>
+            </a:extLst>
+          </p:cNvPr>
+          <p:cNvCxnSpPr>
+            <a:stCxn id="27" idx="0"/>
+            <a:endCxn id="27" idx="6"/>
+          </p:cNvCxnSpPr>
+          <p:nvPr/>
+        </p:nvCxnSpPr>
+        <p:spPr>
+          <a:xfrm rot="16200000" flipH="1">
+            <a:off x="8822050" y="5616364"/>
+            <a:ext cx="399483" cy="386015"/>
+          </a:xfrm>
+          <a:prstGeom prst="curvedConnector4">
+            <a:avLst>
+              <a:gd name="adj1" fmla="val -57224"/>
+              <a:gd name="adj2" fmla="val 159220"/>
+            </a:avLst>
+          </a:prstGeom>
+          <a:ln>
+            <a:tailEnd type="triangle"/>
+          </a:ln>
+        </p:spPr>
+        <p:style>
+          <a:lnRef idx="1">
+            <a:schemeClr val="dk1"/>
+          </a:lnRef>
+          <a:fillRef idx="0">
+            <a:schemeClr val="dk1"/>
+          </a:fillRef>
+          <a:effectRef idx="0">
+            <a:schemeClr val="dk1"/>
+          </a:effectRef>
+          <a:fontRef idx="minor">
+            <a:schemeClr val="tx1"/>
+          </a:fontRef>
+        </p:style>
+      </p:cxnSp>
+      <p:sp>
+        <p:nvSpPr>
+          <p:cNvPr id="33" name="TextBox 32">
+            <a:extLst>
+              <a:ext uri="{FF2B5EF4-FFF2-40B4-BE49-F238E27FC236}">
+                <a16:creationId xmlns:a16="http://schemas.microsoft.com/office/drawing/2014/main" id="{E7125C4F-A216-4CB5-BC3C-0DC2B8A2F7E2}"/>
+              </a:ext>
+            </a:extLst>
+          </p:cNvPr>
+          <p:cNvSpPr txBox="1"/>
+          <p:nvPr/>
+        </p:nvSpPr>
+        <p:spPr>
+          <a:xfrm>
+            <a:off x="8245695" y="5083345"/>
+            <a:ext cx="1802481" cy="369332"/>
+          </a:xfrm>
+          <a:prstGeom prst="rect">
+            <a:avLst/>
+          </a:prstGeom>
+          <a:noFill/>
+        </p:spPr>
+        <p:txBody>
+          <a:bodyPr wrap="none" rtlCol="0">
+            <a:spAutoFit/>
+          </a:bodyPr>
+          <a:lstStyle/>
+          <a:p>
+            <a:r>
+              <a:rPr lang="en-US" dirty="0"/>
+              <a:t>0,…,9,a,…,</a:t>
+            </a:r>
+            <a:r>
+              <a:rPr lang="en-US" dirty="0" err="1"/>
+              <a:t>z,A</a:t>
+            </a:r>
+            <a:r>
+              <a:rPr lang="en-US" dirty="0"/>
+              <a:t>,…,Z</a:t>
+            </a:r>
+            <a:endParaRPr lang="ru-RU" dirty="0"/>
+          </a:p>
+        </p:txBody>
+      </p:sp>
+      <p:sp>
+        <p:nvSpPr>
+          <p:cNvPr id="35" name="TextBox 34">
+            <a:extLst>
+              <a:ext uri="{FF2B5EF4-FFF2-40B4-BE49-F238E27FC236}">
+                <a16:creationId xmlns:a16="http://schemas.microsoft.com/office/drawing/2014/main" id="{8EB6A256-B829-4904-A021-8B339A1E2B0B}"/>
+              </a:ext>
+            </a:extLst>
+          </p:cNvPr>
+          <p:cNvSpPr txBox="1"/>
+          <p:nvPr/>
+        </p:nvSpPr>
+        <p:spPr>
+          <a:xfrm>
+            <a:off x="7096743" y="5626594"/>
+            <a:ext cx="1236621" cy="369332"/>
+          </a:xfrm>
+          <a:prstGeom prst="rect">
+            <a:avLst/>
+          </a:prstGeom>
+          <a:noFill/>
+        </p:spPr>
+        <p:txBody>
+          <a:bodyPr wrap="none" rtlCol="0">
+            <a:spAutoFit/>
+          </a:bodyPr>
+          <a:lstStyle/>
+          <a:p>
+            <a:r>
+              <a:rPr lang="en-US" dirty="0"/>
+              <a:t>a,…,</a:t>
+            </a:r>
+            <a:r>
+              <a:rPr lang="en-US" dirty="0" err="1"/>
+              <a:t>z,A</a:t>
+            </a:r>
+            <a:r>
+              <a:rPr lang="en-US" dirty="0"/>
+              <a:t>,…,Z</a:t>
+            </a:r>
             <a:endParaRPr lang="ru-RU" dirty="0"/>
           </a:p>
         </p:txBody>
@@ -7314,185 +7855,12 @@
           <a:chExt cx="0" cy="0"/>
         </a:xfrm>
       </p:grpSpPr>
-      <p:sp>
-        <p:nvSpPr>
-          <p:cNvPr id="2" name="Заголовок 1">
-            <a:extLst>
-              <a:ext uri="{FF2B5EF4-FFF2-40B4-BE49-F238E27FC236}">
-                <a16:creationId xmlns:a16="http://schemas.microsoft.com/office/drawing/2014/main" id="{C5A1F5BB-EDEC-451B-8EEA-7091535CFF6F}"/>
-              </a:ext>
-            </a:extLst>
-          </p:cNvPr>
-          <p:cNvSpPr>
-            <a:spLocks noGrp="1"/>
-          </p:cNvSpPr>
-          <p:nvPr>
-            <p:ph type="title"/>
-          </p:nvPr>
-        </p:nvSpPr>
-        <p:spPr>
-          <a:xfrm>
-            <a:off x="838200" y="0"/>
-            <a:ext cx="10515600" cy="640715"/>
-          </a:xfrm>
-        </p:spPr>
-        <p:txBody>
-          <a:bodyPr>
-            <a:normAutofit/>
-          </a:bodyPr>
-          <a:lstStyle/>
-          <a:p>
-            <a:r>
-              <a:rPr lang="ru-RU" sz="2800" dirty="0"/>
-              <a:t>Проверка работы КА для </a:t>
-            </a:r>
-            <a:r>
-              <a:rPr lang="en-US" sz="2800" dirty="0"/>
-              <a:t>ID</a:t>
-            </a:r>
-            <a:r>
-              <a:rPr lang="ru-RU" sz="2800" dirty="0"/>
-              <a:t> на примерах </a:t>
-            </a:r>
-          </a:p>
-        </p:txBody>
-      </p:sp>
-      <p:sp>
-        <p:nvSpPr>
-          <p:cNvPr id="3" name="Объект 2">
-            <a:extLst>
-              <a:ext uri="{FF2B5EF4-FFF2-40B4-BE49-F238E27FC236}">
-                <a16:creationId xmlns:a16="http://schemas.microsoft.com/office/drawing/2014/main" id="{25A4AAD6-28D3-4E6E-A74E-81B903B86DF2}"/>
-              </a:ext>
-            </a:extLst>
-          </p:cNvPr>
-          <p:cNvSpPr>
-            <a:spLocks noGrp="1"/>
-          </p:cNvSpPr>
-          <p:nvPr>
-            <p:ph idx="1"/>
-          </p:nvPr>
-        </p:nvSpPr>
-        <p:spPr>
-          <a:xfrm>
-            <a:off x="0" y="3429000"/>
-            <a:ext cx="4078393" cy="2157984"/>
-          </a:xfrm>
-        </p:spPr>
-        <p:txBody>
-          <a:bodyPr>
-            <a:normAutofit/>
-          </a:bodyPr>
-          <a:lstStyle/>
-          <a:p>
-            <a:pPr marL="25400" indent="0">
-              <a:buNone/>
-            </a:pPr>
-            <a:r>
-              <a:rPr lang="ru-RU" sz="1600" dirty="0"/>
-              <a:t>Цепочка символов: </a:t>
-            </a:r>
-            <a:r>
-              <a:rPr lang="en-US" sz="1600" dirty="0"/>
-              <a:t>“A1”:</a:t>
-            </a:r>
-          </a:p>
-          <a:p>
-            <a:pPr marL="342900" indent="-342900">
-              <a:buFont typeface="+mj-lt"/>
-              <a:buAutoNum type="arabicPeriod"/>
-            </a:pPr>
-            <a:r>
-              <a:rPr lang="ru-RU" sz="1600" dirty="0"/>
-              <a:t>По символу </a:t>
-            </a:r>
-            <a:r>
-              <a:rPr lang="en-US" sz="1600" dirty="0"/>
-              <a:t>‘A’ </a:t>
-            </a:r>
-            <a:r>
-              <a:rPr lang="ru-RU" sz="1600" dirty="0"/>
-              <a:t>переходим в состояние </a:t>
-            </a:r>
-            <a:r>
-              <a:rPr lang="en-US" sz="1600" dirty="0"/>
-              <a:t>B</a:t>
-            </a:r>
-          </a:p>
-          <a:p>
-            <a:pPr marL="342900" indent="-342900">
-              <a:buFont typeface="+mj-lt"/>
-              <a:buAutoNum type="arabicPeriod"/>
-            </a:pPr>
-            <a:r>
-              <a:rPr lang="ru-RU" sz="1600" dirty="0"/>
-              <a:t>По символу </a:t>
-            </a:r>
-            <a:r>
-              <a:rPr lang="en-US" sz="1600" dirty="0"/>
-              <a:t>‘1’ </a:t>
-            </a:r>
-            <a:r>
-              <a:rPr lang="ru-RU" sz="1600" dirty="0"/>
-              <a:t>переходим в состояние </a:t>
-            </a:r>
-            <a:r>
-              <a:rPr lang="en-US" sz="1600" dirty="0"/>
-              <a:t>B</a:t>
-            </a:r>
-          </a:p>
-          <a:p>
-            <a:pPr marL="342900" indent="-342900">
-              <a:buFont typeface="+mj-lt"/>
-              <a:buAutoNum type="arabicPeriod"/>
-            </a:pPr>
-            <a:r>
-              <a:rPr lang="ru-RU" sz="1600" dirty="0"/>
-              <a:t>Все символы считаны</a:t>
-            </a:r>
-          </a:p>
-          <a:p>
-            <a:pPr marL="342900" indent="-342900">
-              <a:buFont typeface="+mj-lt"/>
-              <a:buAutoNum type="arabicPeriod"/>
-            </a:pPr>
-            <a:r>
-              <a:rPr lang="ru-RU" sz="1600" dirty="0"/>
-              <a:t>Находимся в финальном состоянии</a:t>
-            </a:r>
-            <a:r>
-              <a:rPr lang="en-US" sz="1600" dirty="0"/>
-              <a:t> B</a:t>
-            </a:r>
-            <a:endParaRPr lang="ru-RU" sz="1600" dirty="0"/>
-          </a:p>
-          <a:p>
-            <a:pPr marL="342900" indent="-342900">
-              <a:buFont typeface="+mj-lt"/>
-              <a:buAutoNum type="arabicPeriod"/>
-            </a:pPr>
-            <a:r>
-              <a:rPr lang="ru-RU" sz="1600" dirty="0"/>
-              <a:t>Лексема типа </a:t>
-            </a:r>
-            <a:r>
-              <a:rPr lang="en-US" sz="1600" dirty="0"/>
-              <a:t>ID </a:t>
-            </a:r>
-            <a:r>
-              <a:rPr lang="ru-RU" sz="1600" dirty="0"/>
-              <a:t>распознана</a:t>
-            </a:r>
-            <a:endParaRPr lang="en-US" sz="1600" dirty="0"/>
-          </a:p>
-        </p:txBody>
-      </p:sp>
       <p:pic>
         <p:nvPicPr>
-          <p:cNvPr id="4" name="Рисунок 3">
-            <a:extLst>
-              <a:ext uri="{FF2B5EF4-FFF2-40B4-BE49-F238E27FC236}">
-                <a16:creationId xmlns:a16="http://schemas.microsoft.com/office/drawing/2014/main" id="{0FFB4631-CB08-4FC5-BCD5-EE1623EEDED7}"/>
+          <p:cNvPr id="24" name="Рисунок 23">
+            <a:extLst>
+              <a:ext uri="{FF2B5EF4-FFF2-40B4-BE49-F238E27FC236}">
+                <a16:creationId xmlns:a16="http://schemas.microsoft.com/office/drawing/2014/main" id="{B47A162C-C458-49AB-A24F-9938BBC6671D}"/>
               </a:ext>
             </a:extLst>
           </p:cNvPr>
@@ -7509,14 +7877,217 @@
         </p:blipFill>
         <p:spPr>
           <a:xfrm>
-            <a:off x="1" y="1115569"/>
-            <a:ext cx="3785616" cy="1309671"/>
+            <a:off x="4076701" y="805040"/>
+            <a:ext cx="3971158" cy="2213002"/>
           </a:xfrm>
           <a:prstGeom prst="rect">
             <a:avLst/>
           </a:prstGeom>
         </p:spPr>
       </p:pic>
+      <p:pic>
+        <p:nvPicPr>
+          <p:cNvPr id="26" name="Рисунок 25">
+            <a:extLst>
+              <a:ext uri="{FF2B5EF4-FFF2-40B4-BE49-F238E27FC236}">
+                <a16:creationId xmlns:a16="http://schemas.microsoft.com/office/drawing/2014/main" id="{47EBC3A5-8740-49B3-A363-9749D3DE47C0}"/>
+              </a:ext>
+            </a:extLst>
+          </p:cNvPr>
+          <p:cNvPicPr>
+            <a:picLocks noChangeAspect="1"/>
+          </p:cNvPicPr>
+          <p:nvPr/>
+        </p:nvPicPr>
+        <p:blipFill>
+          <a:blip r:embed="rId3"/>
+          <a:stretch>
+            <a:fillRect/>
+          </a:stretch>
+        </p:blipFill>
+        <p:spPr>
+          <a:xfrm>
+            <a:off x="8333756" y="1130756"/>
+            <a:ext cx="3624903" cy="1346635"/>
+          </a:xfrm>
+          <a:prstGeom prst="rect">
+            <a:avLst/>
+          </a:prstGeom>
+        </p:spPr>
+      </p:pic>
+      <p:sp>
+        <p:nvSpPr>
+          <p:cNvPr id="2" name="Заголовок 1">
+            <a:extLst>
+              <a:ext uri="{FF2B5EF4-FFF2-40B4-BE49-F238E27FC236}">
+                <a16:creationId xmlns:a16="http://schemas.microsoft.com/office/drawing/2014/main" id="{C5A1F5BB-EDEC-451B-8EEA-7091535CFF6F}"/>
+              </a:ext>
+            </a:extLst>
+          </p:cNvPr>
+          <p:cNvSpPr>
+            <a:spLocks noGrp="1"/>
+          </p:cNvSpPr>
+          <p:nvPr>
+            <p:ph type="title"/>
+          </p:nvPr>
+        </p:nvSpPr>
+        <p:spPr>
+          <a:xfrm>
+            <a:off x="838200" y="0"/>
+            <a:ext cx="10515600" cy="640715"/>
+          </a:xfrm>
+        </p:spPr>
+        <p:txBody>
+          <a:bodyPr>
+            <a:normAutofit/>
+          </a:bodyPr>
+          <a:lstStyle/>
+          <a:p>
+            <a:r>
+              <a:rPr lang="ru-RU" sz="2800" dirty="0"/>
+              <a:t>Проверка работы КА для </a:t>
+            </a:r>
+            <a:r>
+              <a:rPr lang="en-US" sz="2800" dirty="0"/>
+              <a:t>ID</a:t>
+            </a:r>
+            <a:r>
+              <a:rPr lang="ru-RU" sz="2800" dirty="0"/>
+              <a:t> на примерах </a:t>
+            </a:r>
+          </a:p>
+        </p:txBody>
+      </p:sp>
+      <p:sp>
+        <p:nvSpPr>
+          <p:cNvPr id="3" name="Объект 2">
+            <a:extLst>
+              <a:ext uri="{FF2B5EF4-FFF2-40B4-BE49-F238E27FC236}">
+                <a16:creationId xmlns:a16="http://schemas.microsoft.com/office/drawing/2014/main" id="{25A4AAD6-28D3-4E6E-A74E-81B903B86DF2}"/>
+              </a:ext>
+            </a:extLst>
+          </p:cNvPr>
+          <p:cNvSpPr>
+            <a:spLocks noGrp="1"/>
+          </p:cNvSpPr>
+          <p:nvPr>
+            <p:ph idx="1"/>
+          </p:nvPr>
+        </p:nvSpPr>
+        <p:spPr>
+          <a:xfrm>
+            <a:off x="0" y="3429000"/>
+            <a:ext cx="4078393" cy="2157984"/>
+          </a:xfrm>
+        </p:spPr>
+        <p:txBody>
+          <a:bodyPr>
+            <a:normAutofit/>
+          </a:bodyPr>
+          <a:lstStyle/>
+          <a:p>
+            <a:pPr marL="25400" indent="0">
+              <a:buNone/>
+            </a:pPr>
+            <a:r>
+              <a:rPr lang="ru-RU" sz="1600" dirty="0"/>
+              <a:t>Цепочка символов: </a:t>
+            </a:r>
+            <a:r>
+              <a:rPr lang="en-US" sz="1600" dirty="0"/>
+              <a:t>“A1”:</a:t>
+            </a:r>
+          </a:p>
+          <a:p>
+            <a:pPr marL="342900" indent="-342900">
+              <a:buFont typeface="+mj-lt"/>
+              <a:buAutoNum type="arabicPeriod"/>
+            </a:pPr>
+            <a:r>
+              <a:rPr lang="ru-RU" sz="1600" dirty="0"/>
+              <a:t>По символу </a:t>
+            </a:r>
+            <a:r>
+              <a:rPr lang="en-US" sz="1600" dirty="0"/>
+              <a:t>‘A’ </a:t>
+            </a:r>
+            <a:r>
+              <a:rPr lang="ru-RU" sz="1600" dirty="0"/>
+              <a:t>переходим в состояние </a:t>
+            </a:r>
+            <a:r>
+              <a:rPr lang="en-US" sz="1600" dirty="0"/>
+              <a:t>B</a:t>
+            </a:r>
+          </a:p>
+          <a:p>
+            <a:pPr marL="342900" indent="-342900">
+              <a:buFont typeface="+mj-lt"/>
+              <a:buAutoNum type="arabicPeriod"/>
+            </a:pPr>
+            <a:r>
+              <a:rPr lang="ru-RU" sz="1600" dirty="0"/>
+              <a:t>По символу </a:t>
+            </a:r>
+            <a:r>
+              <a:rPr lang="en-US" sz="1600" dirty="0"/>
+              <a:t>‘1’ </a:t>
+            </a:r>
+            <a:r>
+              <a:rPr lang="ru-RU" sz="1600" dirty="0"/>
+              <a:t>переходим в состояние </a:t>
+            </a:r>
+            <a:r>
+              <a:rPr lang="en-US" sz="1600" dirty="0"/>
+              <a:t>B</a:t>
+            </a:r>
+          </a:p>
+          <a:p>
+            <a:pPr marL="342900" indent="-342900">
+              <a:buFont typeface="+mj-lt"/>
+              <a:buAutoNum type="arabicPeriod"/>
+            </a:pPr>
+            <a:r>
+              <a:rPr lang="ru-RU" sz="1600" dirty="0"/>
+              <a:t>Все символы считаны</a:t>
+            </a:r>
+          </a:p>
+          <a:p>
+            <a:pPr marL="342900" indent="-342900">
+              <a:buFont typeface="+mj-lt"/>
+              <a:buAutoNum type="arabicPeriod"/>
+            </a:pPr>
+            <a:r>
+              <a:rPr lang="ru-RU" sz="1600" dirty="0"/>
+              <a:t>Находимся в финальном состоянии</a:t>
+            </a:r>
+            <a:r>
+              <a:rPr lang="en-US" sz="1600" dirty="0"/>
+              <a:t> B</a:t>
+            </a:r>
+            <a:endParaRPr lang="ru-RU" sz="1600" dirty="0"/>
+          </a:p>
+          <a:p>
+            <a:pPr marL="342900" indent="-342900">
+              <a:buFont typeface="+mj-lt"/>
+              <a:buAutoNum type="arabicPeriod"/>
+            </a:pPr>
+            <a:r>
+              <a:rPr lang="ru-RU" sz="1600" dirty="0"/>
+              <a:t>Лексема типа </a:t>
+            </a:r>
+            <a:r>
+              <a:rPr lang="en-US" sz="1600" dirty="0"/>
+              <a:t>ID </a:t>
+            </a:r>
+            <a:r>
+              <a:rPr lang="ru-RU" sz="1600" dirty="0"/>
+              <a:t>распознана</a:t>
+            </a:r>
+            <a:endParaRPr lang="en-US" sz="1600" dirty="0"/>
+          </a:p>
+        </p:txBody>
+      </p:sp>
       <p:sp>
         <p:nvSpPr>
           <p:cNvPr id="5" name="Объект 2">
@@ -8111,100 +8682,10 @@
       </p:sp>
       <p:pic>
         <p:nvPicPr>
-          <p:cNvPr id="7" name="Рисунок 6">
-            <a:extLst>
-              <a:ext uri="{FF2B5EF4-FFF2-40B4-BE49-F238E27FC236}">
-                <a16:creationId xmlns:a16="http://schemas.microsoft.com/office/drawing/2014/main" id="{B51F871F-9FED-4194-9538-9F910CDC8B8B}"/>
-              </a:ext>
-            </a:extLst>
-          </p:cNvPr>
-          <p:cNvPicPr>
-            <a:picLocks noChangeAspect="1"/>
-          </p:cNvPicPr>
-          <p:nvPr/>
-        </p:nvPicPr>
-        <p:blipFill>
-          <a:blip r:embed="rId2"/>
-          <a:stretch>
-            <a:fillRect/>
-          </a:stretch>
-        </p:blipFill>
-        <p:spPr>
-          <a:xfrm>
-            <a:off x="4078393" y="1161921"/>
-            <a:ext cx="3712295" cy="1284305"/>
-          </a:xfrm>
-          <a:prstGeom prst="rect">
-            <a:avLst/>
-          </a:prstGeom>
-        </p:spPr>
-      </p:pic>
-      <p:pic>
-        <p:nvPicPr>
-          <p:cNvPr id="8" name="Рисунок 7">
-            <a:extLst>
-              <a:ext uri="{FF2B5EF4-FFF2-40B4-BE49-F238E27FC236}">
-                <a16:creationId xmlns:a16="http://schemas.microsoft.com/office/drawing/2014/main" id="{54AA0E1D-CD48-4B00-8D67-B08ABE96237D}"/>
-              </a:ext>
-            </a:extLst>
-          </p:cNvPr>
-          <p:cNvPicPr>
-            <a:picLocks noChangeAspect="1"/>
-          </p:cNvPicPr>
-          <p:nvPr/>
-        </p:nvPicPr>
-        <p:blipFill>
-          <a:blip r:embed="rId2"/>
-          <a:stretch>
-            <a:fillRect/>
-          </a:stretch>
-        </p:blipFill>
-        <p:spPr>
-          <a:xfrm>
-            <a:off x="8083464" y="1115569"/>
-            <a:ext cx="3859121" cy="1335101"/>
-          </a:xfrm>
-          <a:prstGeom prst="rect">
-            <a:avLst/>
-          </a:prstGeom>
-        </p:spPr>
-      </p:pic>
-      <p:pic>
-        <p:nvPicPr>
-          <p:cNvPr id="10" name="Рисунок 9">
-            <a:extLst>
-              <a:ext uri="{FF2B5EF4-FFF2-40B4-BE49-F238E27FC236}">
-                <a16:creationId xmlns:a16="http://schemas.microsoft.com/office/drawing/2014/main" id="{ECC6BA5C-61C0-4884-AC9D-6528EDC4D5D7}"/>
-              </a:ext>
-            </a:extLst>
-          </p:cNvPr>
-          <p:cNvPicPr>
-            <a:picLocks noChangeAspect="1"/>
-          </p:cNvPicPr>
-          <p:nvPr/>
-        </p:nvPicPr>
-        <p:blipFill>
-          <a:blip r:embed="rId3"/>
-          <a:stretch>
-            <a:fillRect/>
-          </a:stretch>
-        </p:blipFill>
-        <p:spPr>
-          <a:xfrm>
-            <a:off x="0" y="723011"/>
-            <a:ext cx="4150406" cy="2340229"/>
-          </a:xfrm>
-          <a:prstGeom prst="rect">
-            <a:avLst/>
-          </a:prstGeom>
-        </p:spPr>
-      </p:pic>
-      <p:pic>
-        <p:nvPicPr>
-          <p:cNvPr id="12" name="Рисунок 11">
-            <a:extLst>
-              <a:ext uri="{FF2B5EF4-FFF2-40B4-BE49-F238E27FC236}">
-                <a16:creationId xmlns:a16="http://schemas.microsoft.com/office/drawing/2014/main" id="{DA338E0A-228F-4EFE-B1D9-DF3D8028C9BB}"/>
+          <p:cNvPr id="22" name="Рисунок 21">
+            <a:extLst>
+              <a:ext uri="{FF2B5EF4-FFF2-40B4-BE49-F238E27FC236}">
+                <a16:creationId xmlns:a16="http://schemas.microsoft.com/office/drawing/2014/main" id="{9B1183AA-044B-4A39-B0DE-36676EF73EBC}"/>
               </a:ext>
             </a:extLst>
           </p:cNvPr>
@@ -8221,8 +8702,8 @@
         </p:blipFill>
         <p:spPr>
           <a:xfrm>
-            <a:off x="4070234" y="946722"/>
-            <a:ext cx="4051532" cy="2157984"/>
+            <a:off x="46459" y="805040"/>
+            <a:ext cx="3856352" cy="2283600"/>
           </a:xfrm>
           <a:prstGeom prst="rect">
             <a:avLst/>
@@ -8274,7 +8755,7 @@
             <p:spPr>
               <a:xfrm>
                 <a:off x="22620" y="592848"/>
-                <a:ext cx="4170967" cy="307777"/>
+                <a:ext cx="6268452" cy="307777"/>
               </a:xfrm>
             </p:spPr>
             <p:txBody>
@@ -8292,15 +8773,15 @@
                 </a:r>
                 <a:r>
                   <a:rPr lang="en-US" sz="1200" dirty="0"/>
-                  <a:t>+|-</a:t>
+                  <a:t>+|-|</a:t>
                 </a:r>
                 <a:r>
                   <a:rPr lang="ru-RU" sz="1200" dirty="0"/>
                   <a:t>)</a:t>
                 </a:r>
                 <a:r>
-                  <a:rPr lang="en-US" sz="1200" dirty="0"/>
-                  <a:t>(</a:t>
+                  <a:rPr lang="en-US" sz="900" dirty="0"/>
+                  <a:t>*</a:t>
                 </a:r>
                 <a14:m>
                   <m:oMath xmlns:m="http://schemas.openxmlformats.org/officeDocument/2006/math">
@@ -8317,8 +8798,37 @@
                           <m:rPr>
                             <m:nor/>
                           </m:rPr>
-                          <a:rPr lang="ru-RU" sz="1200" dirty="0"/>
-                          <m:t>[0−9]</m:t>
+                          <a:rPr lang="en-US" sz="1200">
+                            <a:latin typeface="Cambria Math" panose="02040503050406030204" pitchFamily="18" charset="0"/>
+                          </a:rPr>
+                          <m:t>(</m:t>
+                        </m:r>
+                        <m:r>
+                          <m:rPr>
+                            <m:nor/>
+                          </m:rPr>
+                          <a:rPr lang="pl-PL" sz="1200" dirty="0"/>
+                          <m:t>0</m:t>
+                        </m:r>
+                        <m:r>
+                          <m:rPr>
+                            <m:nor/>
+                          </m:rPr>
+                          <a:rPr lang="en-US" sz="1200" dirty="0"/>
+                          <m:t> |…| </m:t>
+                        </m:r>
+                        <m:r>
+                          <m:rPr>
+                            <m:nor/>
+                          </m:rPr>
+                          <a:rPr lang="pl-PL" sz="1200" dirty="0"/>
+                          <m:t>9</m:t>
+                        </m:r>
+                        <m:r>
+                          <a:rPr lang="en-US" sz="1200" i="1" dirty="0">
+                            <a:latin typeface="Cambria Math" panose="02040503050406030204" pitchFamily="18" charset="0"/>
+                          </a:rPr>
+                          <m:t>)</m:t>
                         </m:r>
                       </m:e>
                       <m:sup>
@@ -8332,6 +8842,10 @@
                     </m:sSup>
                   </m:oMath>
                 </a14:m>
+                <a:r>
+                  <a:rPr lang="en-US" sz="1200" dirty="0"/>
+                  <a:t>(</a:t>
+                </a:r>
                 <a:r>
                   <a:rPr lang="ru-RU" sz="1200" dirty="0"/>
                   <a:t>.</a:t>
@@ -8351,13 +8865,55 @@
                           <m:rPr>
                             <m:nor/>
                           </m:rPr>
-                          <a:rPr lang="ru-RU" sz="1200" dirty="0"/>
-                          <m:t>[0−9] </m:t>
+                          <a:rPr lang="en-US" sz="1200">
+                            <a:latin typeface="Cambria Math" panose="02040503050406030204" pitchFamily="18" charset="0"/>
+                          </a:rPr>
+                          <m:t>(</m:t>
+                        </m:r>
+                        <m:r>
+                          <m:rPr>
+                            <m:nor/>
+                          </m:rPr>
+                          <a:rPr lang="pl-PL" sz="1200" dirty="0"/>
+                          <m:t>0</m:t>
+                        </m:r>
+                        <m:r>
+                          <m:rPr>
+                            <m:nor/>
+                          </m:rPr>
+                          <a:rPr lang="en-US" sz="1200" dirty="0"/>
+                          <m:t> </m:t>
+                        </m:r>
+                        <m:r>
+                          <a:rPr lang="en-US" sz="1200" i="1" dirty="0">
+                            <a:latin typeface="Cambria Math" panose="02040503050406030204" pitchFamily="18" charset="0"/>
+                          </a:rPr>
+                          <m:t> |</m:t>
+                        </m:r>
+                        <m:r>
+                          <m:rPr>
+                            <m:nor/>
+                          </m:rPr>
+                          <a:rPr lang="en-US" sz="1200" dirty="0"/>
+                          <m:t>…| </m:t>
+                        </m:r>
+                        <m:r>
+                          <m:rPr>
+                            <m:nor/>
+                          </m:rPr>
+                          <a:rPr lang="pl-PL" sz="1200" dirty="0"/>
+                          <m:t>9</m:t>
+                        </m:r>
+                        <m:r>
+                          <a:rPr lang="en-US" sz="1200" i="1" dirty="0">
+                            <a:latin typeface="Cambria Math" panose="02040503050406030204" pitchFamily="18" charset="0"/>
+                          </a:rPr>
+                          <m:t>)</m:t>
                         </m:r>
                       </m:e>
                       <m:sup>
                         <m:r>
-                          <a:rPr lang="en-US" sz="1200" i="1">
+                          <a:rPr lang="ru-RU" sz="1200" i="1">
                             <a:latin typeface="Cambria Math" panose="02040503050406030204" pitchFamily="18" charset="0"/>
                           </a:rPr>
                           <m:t>+</m:t>
@@ -8368,49 +8924,7 @@
                 </a14:m>
                 <a:r>
                   <a:rPr lang="en-US" sz="1200" dirty="0"/>
-                  <a:t>)</a:t>
-                </a:r>
-                <a:r>
-                  <a:rPr lang="ru-RU" sz="1200" dirty="0"/>
-                  <a:t>|</a:t>
-                </a:r>
-                <a:r>
-                  <a:rPr lang="en-US" sz="1200" dirty="0"/>
-                  <a:t>(</a:t>
-                </a:r>
-                <a14:m>
-                  <m:oMath xmlns:m="http://schemas.openxmlformats.org/officeDocument/2006/math">
-                    <m:sSup>
-                      <m:sSupPr>
-                        <m:ctrlPr>
-                          <a:rPr lang="ru-RU" sz="1200" i="1" dirty="0">
-                            <a:latin typeface="Cambria Math" panose="02040503050406030204" pitchFamily="18" charset="0"/>
-                          </a:rPr>
-                        </m:ctrlPr>
-                      </m:sSupPr>
-                      <m:e>
-                        <m:r>
-                          <m:rPr>
-                            <m:nor/>
-                          </m:rPr>
-                          <a:rPr lang="ru-RU" sz="1200" dirty="0"/>
-                          <m:t>[0−9] </m:t>
-                        </m:r>
-                      </m:e>
-                      <m:sup>
-                        <m:r>
-                          <a:rPr lang="ru-RU" sz="1200" i="1" dirty="0">
-                            <a:latin typeface="Cambria Math" panose="02040503050406030204" pitchFamily="18" charset="0"/>
-                          </a:rPr>
-                          <m:t>+</m:t>
-                        </m:r>
-                      </m:sup>
-                    </m:sSup>
-                  </m:oMath>
-                </a14:m>
-                <a:r>
-                  <a:rPr lang="en-US" sz="1200" dirty="0"/>
-                  <a:t>)</a:t>
+                  <a:t>| ) </a:t>
                 </a:r>
                 <a:endParaRPr lang="ru-RU" sz="1200" dirty="0"/>
               </a:p>
@@ -8431,12 +8945,12 @@
             <p:spPr>
               <a:xfrm>
                 <a:off x="22620" y="592848"/>
-                <a:ext cx="4170967" cy="307777"/>
+                <a:ext cx="6268452" cy="307777"/>
               </a:xfrm>
               <a:blipFill>
                 <a:blip r:embed="rId2"/>
                 <a:stretch>
-                  <a:fillRect l="-146" t="-5882"/>
+                  <a:fillRect l="-97" t="-5882"/>
                 </a:stretch>
               </a:blipFill>
             </p:spPr>
@@ -8508,366 +9022,6 @@
           </a:prstGeom>
         </p:spPr>
       </p:pic>
-      <p:pic>
-        <p:nvPicPr>
-          <p:cNvPr id="6" name="Рисунок 5"/>
-          <p:cNvPicPr>
-            <a:picLocks noChangeAspect="1"/>
-          </p:cNvPicPr>
-          <p:nvPr/>
-        </p:nvPicPr>
-        <p:blipFill>
-          <a:blip r:embed="rId4"/>
-          <a:stretch>
-            <a:fillRect/>
-          </a:stretch>
-        </p:blipFill>
-        <p:spPr>
-          <a:xfrm>
-            <a:off x="5449170" y="974129"/>
-            <a:ext cx="1439034" cy="1084204"/>
-          </a:xfrm>
-          <a:prstGeom prst="rect">
-            <a:avLst/>
-          </a:prstGeom>
-        </p:spPr>
-      </p:pic>
-      <p:pic>
-        <p:nvPicPr>
-          <p:cNvPr id="7" name="Рисунок 6"/>
-          <p:cNvPicPr>
-            <a:picLocks noChangeAspect="1"/>
-          </p:cNvPicPr>
-          <p:nvPr/>
-        </p:nvPicPr>
-        <p:blipFill>
-          <a:blip r:embed="rId5"/>
-          <a:stretch>
-            <a:fillRect/>
-          </a:stretch>
-        </p:blipFill>
-        <p:spPr>
-          <a:xfrm>
-            <a:off x="205284" y="3335211"/>
-            <a:ext cx="2635820" cy="1391251"/>
-          </a:xfrm>
-          <a:prstGeom prst="rect">
-            <a:avLst/>
-          </a:prstGeom>
-        </p:spPr>
-      </p:pic>
-      <p:pic>
-        <p:nvPicPr>
-          <p:cNvPr id="8" name="Рисунок 7"/>
-          <p:cNvPicPr>
-            <a:picLocks noChangeAspect="1"/>
-          </p:cNvPicPr>
-          <p:nvPr/>
-        </p:nvPicPr>
-        <p:blipFill>
-          <a:blip r:embed="rId6"/>
-          <a:stretch>
-            <a:fillRect/>
-          </a:stretch>
-        </p:blipFill>
-        <p:spPr>
-          <a:xfrm>
-            <a:off x="8688492" y="1094763"/>
-            <a:ext cx="2805919" cy="1418573"/>
-          </a:xfrm>
-          <a:prstGeom prst="rect">
-            <a:avLst/>
-          </a:prstGeom>
-        </p:spPr>
-      </p:pic>
-      <p:pic>
-        <p:nvPicPr>
-          <p:cNvPr id="9" name="Рисунок 8"/>
-          <p:cNvPicPr>
-            <a:picLocks noChangeAspect="1"/>
-          </p:cNvPicPr>
-          <p:nvPr/>
-        </p:nvPicPr>
-        <p:blipFill>
-          <a:blip r:embed="rId7"/>
-          <a:stretch>
-            <a:fillRect/>
-          </a:stretch>
-        </p:blipFill>
-        <p:spPr>
-          <a:xfrm>
-            <a:off x="4111653" y="2940855"/>
-            <a:ext cx="2557643" cy="1584679"/>
-          </a:xfrm>
-          <a:prstGeom prst="rect">
-            <a:avLst/>
-          </a:prstGeom>
-        </p:spPr>
-      </p:pic>
-      <p:pic>
-        <p:nvPicPr>
-          <p:cNvPr id="10" name="Рисунок 9"/>
-          <p:cNvPicPr>
-            <a:picLocks noChangeAspect="1"/>
-          </p:cNvPicPr>
-          <p:nvPr/>
-        </p:nvPicPr>
-        <p:blipFill>
-          <a:blip r:embed="rId8"/>
-          <a:stretch>
-            <a:fillRect/>
-          </a:stretch>
-        </p:blipFill>
-        <p:spPr>
-          <a:xfrm>
-            <a:off x="8168911" y="2988705"/>
-            <a:ext cx="3472684" cy="1467517"/>
-          </a:xfrm>
-          <a:prstGeom prst="rect">
-            <a:avLst/>
-          </a:prstGeom>
-        </p:spPr>
-      </p:pic>
-      <p:pic>
-        <p:nvPicPr>
-          <p:cNvPr id="12" name="Рисунок 11"/>
-          <p:cNvPicPr>
-            <a:picLocks noChangeAspect="1"/>
-          </p:cNvPicPr>
-          <p:nvPr/>
-        </p:nvPicPr>
-        <p:blipFill>
-          <a:blip r:embed="rId9"/>
-          <a:stretch>
-            <a:fillRect/>
-          </a:stretch>
-        </p:blipFill>
-        <p:spPr>
-          <a:xfrm>
-            <a:off x="2286747" y="5284673"/>
-            <a:ext cx="4697733" cy="1447896"/>
-          </a:xfrm>
-          <a:prstGeom prst="rect">
-            <a:avLst/>
-          </a:prstGeom>
-        </p:spPr>
-      </p:pic>
-      <p:pic>
-        <p:nvPicPr>
-          <p:cNvPr id="13" name="Рисунок 12"/>
-          <p:cNvPicPr>
-            <a:picLocks noChangeAspect="1"/>
-          </p:cNvPicPr>
-          <p:nvPr/>
-        </p:nvPicPr>
-        <p:blipFill>
-          <a:blip r:embed="rId10"/>
-          <a:stretch>
-            <a:fillRect/>
-          </a:stretch>
-        </p:blipFill>
-        <p:spPr>
-          <a:xfrm>
-            <a:off x="7194159" y="5284673"/>
-            <a:ext cx="4300252" cy="1447896"/>
-          </a:xfrm>
-          <a:prstGeom prst="rect">
-            <a:avLst/>
-          </a:prstGeom>
-        </p:spPr>
-      </p:pic>
-      <p:pic>
-        <p:nvPicPr>
-          <p:cNvPr id="23" name="Рисунок 22"/>
-          <p:cNvPicPr>
-            <a:picLocks noChangeAspect="1"/>
-          </p:cNvPicPr>
-          <p:nvPr/>
-        </p:nvPicPr>
-        <p:blipFill>
-          <a:blip r:embed="rId11"/>
-          <a:stretch>
-            <a:fillRect/>
-          </a:stretch>
-        </p:blipFill>
-        <p:spPr>
-          <a:xfrm>
-            <a:off x="2286747" y="3564514"/>
-            <a:ext cx="214313" cy="180975"/>
-          </a:xfrm>
-          <a:prstGeom prst="rect">
-            <a:avLst/>
-          </a:prstGeom>
-        </p:spPr>
-      </p:pic>
-      <p:pic>
-        <p:nvPicPr>
-          <p:cNvPr id="24" name="Рисунок 23"/>
-          <p:cNvPicPr>
-            <a:picLocks noChangeAspect="1"/>
-          </p:cNvPicPr>
-          <p:nvPr/>
-        </p:nvPicPr>
-        <p:blipFill>
-          <a:blip r:embed="rId11"/>
-          <a:stretch>
-            <a:fillRect/>
-          </a:stretch>
-        </p:blipFill>
-        <p:spPr>
-          <a:xfrm>
-            <a:off x="10797123" y="1297017"/>
-            <a:ext cx="241226" cy="203702"/>
-          </a:xfrm>
-          <a:prstGeom prst="rect">
-            <a:avLst/>
-          </a:prstGeom>
-        </p:spPr>
-      </p:pic>
-      <p:pic>
-        <p:nvPicPr>
-          <p:cNvPr id="25" name="Рисунок 24"/>
-          <p:cNvPicPr>
-            <a:picLocks noChangeAspect="1"/>
-          </p:cNvPicPr>
-          <p:nvPr/>
-        </p:nvPicPr>
-        <p:blipFill>
-          <a:blip r:embed="rId11"/>
-          <a:stretch>
-            <a:fillRect/>
-          </a:stretch>
-        </p:blipFill>
-        <p:spPr>
-          <a:xfrm>
-            <a:off x="6294488" y="3296328"/>
-            <a:ext cx="274133" cy="231490"/>
-          </a:xfrm>
-          <a:prstGeom prst="rect">
-            <a:avLst/>
-          </a:prstGeom>
-        </p:spPr>
-      </p:pic>
-      <p:pic>
-        <p:nvPicPr>
-          <p:cNvPr id="26" name="Рисунок 25"/>
-          <p:cNvPicPr>
-            <a:picLocks noChangeAspect="1"/>
-          </p:cNvPicPr>
-          <p:nvPr/>
-        </p:nvPicPr>
-        <p:blipFill>
-          <a:blip r:embed="rId11"/>
-          <a:stretch>
-            <a:fillRect/>
-          </a:stretch>
-        </p:blipFill>
-        <p:spPr>
-          <a:xfrm>
-            <a:off x="10177824" y="3355624"/>
-            <a:ext cx="212697" cy="179611"/>
-          </a:xfrm>
-          <a:prstGeom prst="rect">
-            <a:avLst/>
-          </a:prstGeom>
-        </p:spPr>
-      </p:pic>
-      <p:pic>
-        <p:nvPicPr>
-          <p:cNvPr id="27" name="Рисунок 26"/>
-          <p:cNvPicPr>
-            <a:picLocks noChangeAspect="1"/>
-          </p:cNvPicPr>
-          <p:nvPr/>
-        </p:nvPicPr>
-        <p:blipFill>
-          <a:blip r:embed="rId11"/>
-          <a:stretch>
-            <a:fillRect/>
-          </a:stretch>
-        </p:blipFill>
-        <p:spPr>
-          <a:xfrm>
-            <a:off x="4348186" y="5632619"/>
-            <a:ext cx="208860" cy="176371"/>
-          </a:xfrm>
-          <a:prstGeom prst="rect">
-            <a:avLst/>
-          </a:prstGeom>
-        </p:spPr>
-      </p:pic>
-      <p:pic>
-        <p:nvPicPr>
-          <p:cNvPr id="28" name="Рисунок 27"/>
-          <p:cNvPicPr>
-            <a:picLocks noChangeAspect="1"/>
-          </p:cNvPicPr>
-          <p:nvPr/>
-        </p:nvPicPr>
-        <p:blipFill>
-          <a:blip r:embed="rId11"/>
-          <a:stretch>
-            <a:fillRect/>
-          </a:stretch>
-        </p:blipFill>
-        <p:spPr>
-          <a:xfrm>
-            <a:off x="9069484" y="5720805"/>
-            <a:ext cx="216096" cy="182481"/>
-          </a:xfrm>
-          <a:prstGeom prst="rect">
-            <a:avLst/>
-          </a:prstGeom>
-        </p:spPr>
-      </p:pic>
-      <p:pic>
-        <p:nvPicPr>
-          <p:cNvPr id="30" name="Рисунок 29"/>
-          <p:cNvPicPr>
-            <a:picLocks noChangeAspect="1"/>
-          </p:cNvPicPr>
-          <p:nvPr/>
-        </p:nvPicPr>
-        <p:blipFill>
-          <a:blip r:embed="rId12"/>
-          <a:stretch>
-            <a:fillRect/>
-          </a:stretch>
-        </p:blipFill>
-        <p:spPr>
-          <a:xfrm>
-            <a:off x="6621127" y="5644766"/>
-            <a:ext cx="214564" cy="166287"/>
-          </a:xfrm>
-          <a:prstGeom prst="rect">
-            <a:avLst/>
-          </a:prstGeom>
-        </p:spPr>
-      </p:pic>
-      <p:pic>
-        <p:nvPicPr>
-          <p:cNvPr id="31" name="Рисунок 30"/>
-          <p:cNvPicPr>
-            <a:picLocks noChangeAspect="1"/>
-          </p:cNvPicPr>
-          <p:nvPr/>
-        </p:nvPicPr>
-        <p:blipFill>
-          <a:blip r:embed="rId12"/>
-          <a:stretch>
-            <a:fillRect/>
-          </a:stretch>
-        </p:blipFill>
-        <p:spPr>
-          <a:xfrm>
-            <a:off x="11160905" y="5720805"/>
-            <a:ext cx="235459" cy="182481"/>
-          </a:xfrm>
-          <a:prstGeom prst="rect">
-            <a:avLst/>
-          </a:prstGeom>
-        </p:spPr>
-      </p:pic>
       <p:sp>
         <p:nvSpPr>
           <p:cNvPr id="11" name="TextBox 10">
@@ -9198,8 +9352,8 @@
         </p:nvSpPr>
         <p:spPr>
           <a:xfrm>
-            <a:off x="7466474" y="4809304"/>
-            <a:ext cx="4687159" cy="523220"/>
+            <a:off x="7382256" y="4754014"/>
+            <a:ext cx="4809744" cy="523220"/>
           </a:xfrm>
           <a:prstGeom prst="rect">
             <a:avLst/>
@@ -9224,6 +9378,4010 @@
               <a:rPr lang="ru-RU" sz="1400" dirty="0"/>
               <a:t>есть петля.</a:t>
             </a:r>
+          </a:p>
+        </p:txBody>
+      </p:sp>
+      <p:sp>
+        <p:nvSpPr>
+          <p:cNvPr id="36" name="Овал 35">
+            <a:extLst>
+              <a:ext uri="{FF2B5EF4-FFF2-40B4-BE49-F238E27FC236}">
+                <a16:creationId xmlns:a16="http://schemas.microsoft.com/office/drawing/2014/main" id="{F5EA8C93-0C95-4D23-9912-0D9B5BEF0E97}"/>
+              </a:ext>
+            </a:extLst>
+          </p:cNvPr>
+          <p:cNvSpPr/>
+          <p:nvPr/>
+        </p:nvSpPr>
+        <p:spPr>
+          <a:xfrm>
+            <a:off x="5810480" y="965901"/>
+            <a:ext cx="388933" cy="351927"/>
+          </a:xfrm>
+          <a:prstGeom prst="ellipse">
+            <a:avLst/>
+          </a:prstGeom>
+        </p:spPr>
+        <p:style>
+          <a:lnRef idx="2">
+            <a:schemeClr val="dk1"/>
+          </a:lnRef>
+          <a:fillRef idx="1">
+            <a:schemeClr val="lt1"/>
+          </a:fillRef>
+          <a:effectRef idx="0">
+            <a:schemeClr val="dk1"/>
+          </a:effectRef>
+          <a:fontRef idx="minor">
+            <a:schemeClr val="dk1"/>
+          </a:fontRef>
+        </p:style>
+        <p:txBody>
+          <a:bodyPr rtlCol="0" anchor="ctr"/>
+          <a:lstStyle/>
+          <a:p>
+            <a:pPr algn="ctr"/>
+            <a:r>
+              <a:rPr lang="en-US" dirty="0"/>
+              <a:t>A</a:t>
+            </a:r>
+            <a:endParaRPr lang="ru-RU" dirty="0"/>
+          </a:p>
+        </p:txBody>
+      </p:sp>
+      <p:cxnSp>
+        <p:nvCxnSpPr>
+          <p:cNvPr id="38" name="Прямая со стрелкой 37">
+            <a:extLst>
+              <a:ext uri="{FF2B5EF4-FFF2-40B4-BE49-F238E27FC236}">
+                <a16:creationId xmlns:a16="http://schemas.microsoft.com/office/drawing/2014/main" id="{903B0581-C36F-451F-9912-628C77556EF1}"/>
+              </a:ext>
+            </a:extLst>
+          </p:cNvPr>
+          <p:cNvCxnSpPr>
+            <a:cxnSpLocks/>
+            <a:endCxn id="36" idx="2"/>
+          </p:cNvCxnSpPr>
+          <p:nvPr/>
+        </p:nvCxnSpPr>
+        <p:spPr>
+          <a:xfrm>
+            <a:off x="5462111" y="1141865"/>
+            <a:ext cx="348369" cy="0"/>
+          </a:xfrm>
+          <a:prstGeom prst="straightConnector1">
+            <a:avLst/>
+          </a:prstGeom>
+          <a:ln>
+            <a:tailEnd type="triangle"/>
+          </a:ln>
+        </p:spPr>
+        <p:style>
+          <a:lnRef idx="1">
+            <a:schemeClr val="dk1"/>
+          </a:lnRef>
+          <a:fillRef idx="0">
+            <a:schemeClr val="dk1"/>
+          </a:fillRef>
+          <a:effectRef idx="0">
+            <a:schemeClr val="dk1"/>
+          </a:effectRef>
+          <a:fontRef idx="minor">
+            <a:schemeClr val="tx1"/>
+          </a:fontRef>
+        </p:style>
+      </p:cxnSp>
+      <p:cxnSp>
+        <p:nvCxnSpPr>
+          <p:cNvPr id="39" name="Прямая со стрелкой 38">
+            <a:extLst>
+              <a:ext uri="{FF2B5EF4-FFF2-40B4-BE49-F238E27FC236}">
+                <a16:creationId xmlns:a16="http://schemas.microsoft.com/office/drawing/2014/main" id="{C955772B-273F-4F2B-B200-10BFB2AD5957}"/>
+              </a:ext>
+            </a:extLst>
+          </p:cNvPr>
+          <p:cNvCxnSpPr>
+            <a:cxnSpLocks/>
+            <a:stCxn id="36" idx="5"/>
+            <a:endCxn id="41" idx="1"/>
+          </p:cNvCxnSpPr>
+          <p:nvPr/>
+        </p:nvCxnSpPr>
+        <p:spPr>
+          <a:xfrm>
+            <a:off x="6142455" y="1266289"/>
+            <a:ext cx="348273" cy="514840"/>
+          </a:xfrm>
+          <a:prstGeom prst="straightConnector1">
+            <a:avLst/>
+          </a:prstGeom>
+          <a:ln>
+            <a:tailEnd type="triangle"/>
+          </a:ln>
+        </p:spPr>
+        <p:style>
+          <a:lnRef idx="1">
+            <a:schemeClr val="dk1"/>
+          </a:lnRef>
+          <a:fillRef idx="0">
+            <a:schemeClr val="dk1"/>
+          </a:fillRef>
+          <a:effectRef idx="0">
+            <a:schemeClr val="dk1"/>
+          </a:effectRef>
+          <a:fontRef idx="minor">
+            <a:schemeClr val="tx1"/>
+          </a:fontRef>
+        </p:style>
+      </p:cxnSp>
+      <p:sp>
+        <p:nvSpPr>
+          <p:cNvPr id="40" name="TextBox 39">
+            <a:extLst>
+              <a:ext uri="{FF2B5EF4-FFF2-40B4-BE49-F238E27FC236}">
+                <a16:creationId xmlns:a16="http://schemas.microsoft.com/office/drawing/2014/main" id="{8802E5D7-96AB-4B99-BA3E-53730A981671}"/>
+              </a:ext>
+            </a:extLst>
+          </p:cNvPr>
+          <p:cNvSpPr txBox="1"/>
+          <p:nvPr/>
+        </p:nvSpPr>
+        <p:spPr>
+          <a:xfrm>
+            <a:off x="6187384" y="1202454"/>
+            <a:ext cx="535201" cy="369332"/>
+          </a:xfrm>
+          <a:prstGeom prst="rect">
+            <a:avLst/>
+          </a:prstGeom>
+          <a:noFill/>
+        </p:spPr>
+        <p:txBody>
+          <a:bodyPr wrap="square" rtlCol="0">
+            <a:spAutoFit/>
+          </a:bodyPr>
+          <a:lstStyle/>
+          <a:p>
+            <a:r>
+              <a:rPr lang="en-US" dirty="0"/>
+              <a:t>+, -</a:t>
+            </a:r>
+            <a:endParaRPr lang="ru-RU" dirty="0"/>
+          </a:p>
+        </p:txBody>
+      </p:sp>
+      <p:sp>
+        <p:nvSpPr>
+          <p:cNvPr id="41" name="Овал 40">
+            <a:extLst>
+              <a:ext uri="{FF2B5EF4-FFF2-40B4-BE49-F238E27FC236}">
+                <a16:creationId xmlns:a16="http://schemas.microsoft.com/office/drawing/2014/main" id="{C56891FD-CFEC-403A-AA64-D794C3A71093}"/>
+              </a:ext>
+            </a:extLst>
+          </p:cNvPr>
+          <p:cNvSpPr/>
+          <p:nvPr/>
+        </p:nvSpPr>
+        <p:spPr>
+          <a:xfrm>
+            <a:off x="6379341" y="1699311"/>
+            <a:ext cx="760599" cy="558688"/>
+          </a:xfrm>
+          <a:prstGeom prst="ellipse">
+            <a:avLst/>
+          </a:prstGeom>
+        </p:spPr>
+        <p:style>
+          <a:lnRef idx="2">
+            <a:schemeClr val="dk1"/>
+          </a:lnRef>
+          <a:fillRef idx="1">
+            <a:schemeClr val="lt1"/>
+          </a:fillRef>
+          <a:effectRef idx="0">
+            <a:schemeClr val="dk1"/>
+          </a:effectRef>
+          <a:fontRef idx="minor">
+            <a:schemeClr val="dk1"/>
+          </a:fontRef>
+        </p:style>
+        <p:txBody>
+          <a:bodyPr rtlCol="0" anchor="ctr"/>
+          <a:lstStyle/>
+          <a:p>
+            <a:pPr algn="ctr"/>
+            <a:r>
+              <a:rPr lang="en-US" dirty="0"/>
+              <a:t>PM</a:t>
+            </a:r>
+            <a:endParaRPr lang="ru-RU" dirty="0"/>
+          </a:p>
+        </p:txBody>
+      </p:sp>
+      <p:sp>
+        <p:nvSpPr>
+          <p:cNvPr id="43" name="Овал 42">
+            <a:extLst>
+              <a:ext uri="{FF2B5EF4-FFF2-40B4-BE49-F238E27FC236}">
+                <a16:creationId xmlns:a16="http://schemas.microsoft.com/office/drawing/2014/main" id="{BAABFDA0-6814-455F-BA77-DB099F5237FF}"/>
+              </a:ext>
+            </a:extLst>
+          </p:cNvPr>
+          <p:cNvSpPr/>
+          <p:nvPr/>
+        </p:nvSpPr>
+        <p:spPr>
+          <a:xfrm>
+            <a:off x="8950485" y="1199306"/>
+            <a:ext cx="388933" cy="351927"/>
+          </a:xfrm>
+          <a:prstGeom prst="ellipse">
+            <a:avLst/>
+          </a:prstGeom>
+        </p:spPr>
+        <p:style>
+          <a:lnRef idx="2">
+            <a:schemeClr val="dk1"/>
+          </a:lnRef>
+          <a:fillRef idx="1">
+            <a:schemeClr val="lt1"/>
+          </a:fillRef>
+          <a:effectRef idx="0">
+            <a:schemeClr val="dk1"/>
+          </a:effectRef>
+          <a:fontRef idx="minor">
+            <a:schemeClr val="dk1"/>
+          </a:fontRef>
+        </p:style>
+        <p:txBody>
+          <a:bodyPr rtlCol="0" anchor="ctr"/>
+          <a:lstStyle/>
+          <a:p>
+            <a:pPr algn="ctr"/>
+            <a:r>
+              <a:rPr lang="en-US" dirty="0"/>
+              <a:t>A</a:t>
+            </a:r>
+            <a:endParaRPr lang="ru-RU" dirty="0"/>
+          </a:p>
+        </p:txBody>
+      </p:sp>
+      <p:cxnSp>
+        <p:nvCxnSpPr>
+          <p:cNvPr id="44" name="Прямая со стрелкой 43">
+            <a:extLst>
+              <a:ext uri="{FF2B5EF4-FFF2-40B4-BE49-F238E27FC236}">
+                <a16:creationId xmlns:a16="http://schemas.microsoft.com/office/drawing/2014/main" id="{2C58E030-9155-4EE7-B931-C7BD83EE8B9C}"/>
+              </a:ext>
+            </a:extLst>
+          </p:cNvPr>
+          <p:cNvCxnSpPr>
+            <a:cxnSpLocks/>
+            <a:endCxn id="43" idx="2"/>
+          </p:cNvCxnSpPr>
+          <p:nvPr/>
+        </p:nvCxnSpPr>
+        <p:spPr>
+          <a:xfrm>
+            <a:off x="8602116" y="1375270"/>
+            <a:ext cx="348369" cy="0"/>
+          </a:xfrm>
+          <a:prstGeom prst="straightConnector1">
+            <a:avLst/>
+          </a:prstGeom>
+          <a:ln>
+            <a:tailEnd type="triangle"/>
+          </a:ln>
+        </p:spPr>
+        <p:style>
+          <a:lnRef idx="1">
+            <a:schemeClr val="dk1"/>
+          </a:lnRef>
+          <a:fillRef idx="0">
+            <a:schemeClr val="dk1"/>
+          </a:fillRef>
+          <a:effectRef idx="0">
+            <a:schemeClr val="dk1"/>
+          </a:effectRef>
+          <a:fontRef idx="minor">
+            <a:schemeClr val="tx1"/>
+          </a:fontRef>
+        </p:style>
+      </p:cxnSp>
+      <p:cxnSp>
+        <p:nvCxnSpPr>
+          <p:cNvPr id="45" name="Прямая со стрелкой 44">
+            <a:extLst>
+              <a:ext uri="{FF2B5EF4-FFF2-40B4-BE49-F238E27FC236}">
+                <a16:creationId xmlns:a16="http://schemas.microsoft.com/office/drawing/2014/main" id="{23A6004D-8702-44A0-A5A9-D761F44D16F0}"/>
+              </a:ext>
+            </a:extLst>
+          </p:cNvPr>
+          <p:cNvCxnSpPr>
+            <a:cxnSpLocks/>
+            <a:stCxn id="43" idx="5"/>
+            <a:endCxn id="47" idx="1"/>
+          </p:cNvCxnSpPr>
+          <p:nvPr/>
+        </p:nvCxnSpPr>
+        <p:spPr>
+          <a:xfrm>
+            <a:off x="9282460" y="1499694"/>
+            <a:ext cx="348273" cy="514840"/>
+          </a:xfrm>
+          <a:prstGeom prst="straightConnector1">
+            <a:avLst/>
+          </a:prstGeom>
+          <a:ln>
+            <a:tailEnd type="triangle"/>
+          </a:ln>
+        </p:spPr>
+        <p:style>
+          <a:lnRef idx="1">
+            <a:schemeClr val="dk1"/>
+          </a:lnRef>
+          <a:fillRef idx="0">
+            <a:schemeClr val="dk1"/>
+          </a:fillRef>
+          <a:effectRef idx="0">
+            <a:schemeClr val="dk1"/>
+          </a:effectRef>
+          <a:fontRef idx="minor">
+            <a:schemeClr val="tx1"/>
+          </a:fontRef>
+        </p:style>
+      </p:cxnSp>
+      <p:sp>
+        <p:nvSpPr>
+          <p:cNvPr id="46" name="TextBox 45">
+            <a:extLst>
+              <a:ext uri="{FF2B5EF4-FFF2-40B4-BE49-F238E27FC236}">
+                <a16:creationId xmlns:a16="http://schemas.microsoft.com/office/drawing/2014/main" id="{8ADE555B-3C16-43D9-A701-48553A05BCFE}"/>
+              </a:ext>
+            </a:extLst>
+          </p:cNvPr>
+          <p:cNvSpPr txBox="1"/>
+          <p:nvPr/>
+        </p:nvSpPr>
+        <p:spPr>
+          <a:xfrm>
+            <a:off x="9327389" y="1435859"/>
+            <a:ext cx="535201" cy="369332"/>
+          </a:xfrm>
+          <a:prstGeom prst="rect">
+            <a:avLst/>
+          </a:prstGeom>
+          <a:noFill/>
+        </p:spPr>
+        <p:txBody>
+          <a:bodyPr wrap="square" rtlCol="0">
+            <a:spAutoFit/>
+          </a:bodyPr>
+          <a:lstStyle/>
+          <a:p>
+            <a:r>
+              <a:rPr lang="en-US" dirty="0"/>
+              <a:t>+, -</a:t>
+            </a:r>
+            <a:endParaRPr lang="ru-RU" dirty="0"/>
+          </a:p>
+        </p:txBody>
+      </p:sp>
+      <p:sp>
+        <p:nvSpPr>
+          <p:cNvPr id="47" name="Овал 46">
+            <a:extLst>
+              <a:ext uri="{FF2B5EF4-FFF2-40B4-BE49-F238E27FC236}">
+                <a16:creationId xmlns:a16="http://schemas.microsoft.com/office/drawing/2014/main" id="{9F669D17-ACF8-4B53-8027-EBD1E8874730}"/>
+              </a:ext>
+            </a:extLst>
+          </p:cNvPr>
+          <p:cNvSpPr/>
+          <p:nvPr/>
+        </p:nvSpPr>
+        <p:spPr>
+          <a:xfrm>
+            <a:off x="9519346" y="1932716"/>
+            <a:ext cx="760599" cy="558688"/>
+          </a:xfrm>
+          <a:prstGeom prst="ellipse">
+            <a:avLst/>
+          </a:prstGeom>
+        </p:spPr>
+        <p:style>
+          <a:lnRef idx="2">
+            <a:schemeClr val="dk1"/>
+          </a:lnRef>
+          <a:fillRef idx="1">
+            <a:schemeClr val="lt1"/>
+          </a:fillRef>
+          <a:effectRef idx="0">
+            <a:schemeClr val="dk1"/>
+          </a:effectRef>
+          <a:fontRef idx="minor">
+            <a:schemeClr val="dk1"/>
+          </a:fontRef>
+        </p:style>
+        <p:txBody>
+          <a:bodyPr rtlCol="0" anchor="ctr"/>
+          <a:lstStyle/>
+          <a:p>
+            <a:pPr algn="ctr"/>
+            <a:r>
+              <a:rPr lang="en-US" dirty="0"/>
+              <a:t>PM</a:t>
+            </a:r>
+            <a:endParaRPr lang="ru-RU" dirty="0"/>
+          </a:p>
+        </p:txBody>
+      </p:sp>
+      <p:sp>
+        <p:nvSpPr>
+          <p:cNvPr id="49" name="Овал 48">
+            <a:extLst>
+              <a:ext uri="{FF2B5EF4-FFF2-40B4-BE49-F238E27FC236}">
+                <a16:creationId xmlns:a16="http://schemas.microsoft.com/office/drawing/2014/main" id="{8403A579-29BA-471B-96DF-398FFFAF4EE7}"/>
+              </a:ext>
+            </a:extLst>
+          </p:cNvPr>
+          <p:cNvSpPr/>
+          <p:nvPr/>
+        </p:nvSpPr>
+        <p:spPr>
+          <a:xfrm>
+            <a:off x="10547268" y="1258788"/>
+            <a:ext cx="514944" cy="397507"/>
+          </a:xfrm>
+          <a:prstGeom prst="ellipse">
+            <a:avLst/>
+          </a:prstGeom>
+        </p:spPr>
+        <p:style>
+          <a:lnRef idx="2">
+            <a:schemeClr val="dk1"/>
+          </a:lnRef>
+          <a:fillRef idx="1">
+            <a:schemeClr val="lt1"/>
+          </a:fillRef>
+          <a:effectRef idx="0">
+            <a:schemeClr val="dk1"/>
+          </a:effectRef>
+          <a:fontRef idx="minor">
+            <a:schemeClr val="dk1"/>
+          </a:fontRef>
+        </p:style>
+        <p:txBody>
+          <a:bodyPr rtlCol="0" anchor="ctr"/>
+          <a:lstStyle/>
+          <a:p>
+            <a:pPr algn="ctr"/>
+            <a:r>
+              <a:rPr lang="en-US" dirty="0"/>
+              <a:t>IP</a:t>
+            </a:r>
+            <a:endParaRPr lang="ru-RU" dirty="0"/>
+          </a:p>
+        </p:txBody>
+      </p:sp>
+      <p:cxnSp>
+        <p:nvCxnSpPr>
+          <p:cNvPr id="50" name="Прямая со стрелкой 49">
+            <a:extLst>
+              <a:ext uri="{FF2B5EF4-FFF2-40B4-BE49-F238E27FC236}">
+                <a16:creationId xmlns:a16="http://schemas.microsoft.com/office/drawing/2014/main" id="{37378023-1FCD-41BB-BE03-C95E955DF33D}"/>
+              </a:ext>
+            </a:extLst>
+          </p:cNvPr>
+          <p:cNvCxnSpPr>
+            <a:cxnSpLocks/>
+            <a:stCxn id="47" idx="7"/>
+            <a:endCxn id="49" idx="3"/>
+          </p:cNvCxnSpPr>
+          <p:nvPr/>
+        </p:nvCxnSpPr>
+        <p:spPr>
+          <a:xfrm flipV="1">
+            <a:off x="10168558" y="1598081"/>
+            <a:ext cx="454122" cy="416453"/>
+          </a:xfrm>
+          <a:prstGeom prst="straightConnector1">
+            <a:avLst/>
+          </a:prstGeom>
+          <a:ln>
+            <a:tailEnd type="triangle"/>
+          </a:ln>
+        </p:spPr>
+        <p:style>
+          <a:lnRef idx="1">
+            <a:schemeClr val="dk1"/>
+          </a:lnRef>
+          <a:fillRef idx="0">
+            <a:schemeClr val="dk1"/>
+          </a:fillRef>
+          <a:effectRef idx="0">
+            <a:schemeClr val="dk1"/>
+          </a:effectRef>
+          <a:fontRef idx="minor">
+            <a:schemeClr val="tx1"/>
+          </a:fontRef>
+        </p:style>
+      </p:cxnSp>
+      <p:sp>
+        <p:nvSpPr>
+          <p:cNvPr id="54" name="TextBox 53">
+            <a:extLst>
+              <a:ext uri="{FF2B5EF4-FFF2-40B4-BE49-F238E27FC236}">
+                <a16:creationId xmlns:a16="http://schemas.microsoft.com/office/drawing/2014/main" id="{655BE3FE-7816-4476-901F-414CDA3338BD}"/>
+              </a:ext>
+            </a:extLst>
+          </p:cNvPr>
+          <p:cNvSpPr txBox="1"/>
+          <p:nvPr/>
+        </p:nvSpPr>
+        <p:spPr>
+          <a:xfrm>
+            <a:off x="10310151" y="1693832"/>
+            <a:ext cx="760599" cy="369332"/>
+          </a:xfrm>
+          <a:prstGeom prst="rect">
+            <a:avLst/>
+          </a:prstGeom>
+          <a:noFill/>
+        </p:spPr>
+        <p:txBody>
+          <a:bodyPr wrap="square" rtlCol="0">
+            <a:spAutoFit/>
+          </a:bodyPr>
+          <a:lstStyle/>
+          <a:p>
+            <a:r>
+              <a:rPr lang="en-US" dirty="0"/>
+              <a:t>0,…,9</a:t>
+            </a:r>
+            <a:endParaRPr lang="ru-RU" dirty="0"/>
+          </a:p>
+        </p:txBody>
+      </p:sp>
+      <p:sp>
+        <p:nvSpPr>
+          <p:cNvPr id="55" name="Овал 54">
+            <a:extLst>
+              <a:ext uri="{FF2B5EF4-FFF2-40B4-BE49-F238E27FC236}">
+                <a16:creationId xmlns:a16="http://schemas.microsoft.com/office/drawing/2014/main" id="{ACFF3470-7D89-46DB-9752-3B0D216199AD}"/>
+              </a:ext>
+            </a:extLst>
+          </p:cNvPr>
+          <p:cNvSpPr/>
+          <p:nvPr/>
+        </p:nvSpPr>
+        <p:spPr>
+          <a:xfrm>
+            <a:off x="591130" y="3576951"/>
+            <a:ext cx="388933" cy="351927"/>
+          </a:xfrm>
+          <a:prstGeom prst="ellipse">
+            <a:avLst/>
+          </a:prstGeom>
+        </p:spPr>
+        <p:style>
+          <a:lnRef idx="2">
+            <a:schemeClr val="dk1"/>
+          </a:lnRef>
+          <a:fillRef idx="1">
+            <a:schemeClr val="lt1"/>
+          </a:fillRef>
+          <a:effectRef idx="0">
+            <a:schemeClr val="dk1"/>
+          </a:effectRef>
+          <a:fontRef idx="minor">
+            <a:schemeClr val="dk1"/>
+          </a:fontRef>
+        </p:style>
+        <p:txBody>
+          <a:bodyPr rtlCol="0" anchor="ctr"/>
+          <a:lstStyle/>
+          <a:p>
+            <a:pPr algn="ctr"/>
+            <a:r>
+              <a:rPr lang="en-US" dirty="0"/>
+              <a:t>A</a:t>
+            </a:r>
+            <a:endParaRPr lang="ru-RU" dirty="0"/>
+          </a:p>
+        </p:txBody>
+      </p:sp>
+      <p:cxnSp>
+        <p:nvCxnSpPr>
+          <p:cNvPr id="56" name="Прямая со стрелкой 55">
+            <a:extLst>
+              <a:ext uri="{FF2B5EF4-FFF2-40B4-BE49-F238E27FC236}">
+                <a16:creationId xmlns:a16="http://schemas.microsoft.com/office/drawing/2014/main" id="{DA847781-B8F9-45D6-B2FA-02D17477E67D}"/>
+              </a:ext>
+            </a:extLst>
+          </p:cNvPr>
+          <p:cNvCxnSpPr>
+            <a:cxnSpLocks/>
+            <a:endCxn id="55" idx="2"/>
+          </p:cNvCxnSpPr>
+          <p:nvPr/>
+        </p:nvCxnSpPr>
+        <p:spPr>
+          <a:xfrm>
+            <a:off x="242761" y="3752915"/>
+            <a:ext cx="348369" cy="0"/>
+          </a:xfrm>
+          <a:prstGeom prst="straightConnector1">
+            <a:avLst/>
+          </a:prstGeom>
+          <a:ln>
+            <a:tailEnd type="triangle"/>
+          </a:ln>
+        </p:spPr>
+        <p:style>
+          <a:lnRef idx="1">
+            <a:schemeClr val="dk1"/>
+          </a:lnRef>
+          <a:fillRef idx="0">
+            <a:schemeClr val="dk1"/>
+          </a:fillRef>
+          <a:effectRef idx="0">
+            <a:schemeClr val="dk1"/>
+          </a:effectRef>
+          <a:fontRef idx="minor">
+            <a:schemeClr val="tx1"/>
+          </a:fontRef>
+        </p:style>
+      </p:cxnSp>
+      <p:cxnSp>
+        <p:nvCxnSpPr>
+          <p:cNvPr id="57" name="Прямая со стрелкой 56">
+            <a:extLst>
+              <a:ext uri="{FF2B5EF4-FFF2-40B4-BE49-F238E27FC236}">
+                <a16:creationId xmlns:a16="http://schemas.microsoft.com/office/drawing/2014/main" id="{A91C4F6F-E57C-4AF9-93B5-DA4E8F6E4108}"/>
+              </a:ext>
+            </a:extLst>
+          </p:cNvPr>
+          <p:cNvCxnSpPr>
+            <a:cxnSpLocks/>
+            <a:stCxn id="55" idx="5"/>
+            <a:endCxn id="59" idx="1"/>
+          </p:cNvCxnSpPr>
+          <p:nvPr/>
+        </p:nvCxnSpPr>
+        <p:spPr>
+          <a:xfrm>
+            <a:off x="923105" y="3877339"/>
+            <a:ext cx="348273" cy="514840"/>
+          </a:xfrm>
+          <a:prstGeom prst="straightConnector1">
+            <a:avLst/>
+          </a:prstGeom>
+          <a:ln>
+            <a:tailEnd type="triangle"/>
+          </a:ln>
+        </p:spPr>
+        <p:style>
+          <a:lnRef idx="1">
+            <a:schemeClr val="dk1"/>
+          </a:lnRef>
+          <a:fillRef idx="0">
+            <a:schemeClr val="dk1"/>
+          </a:fillRef>
+          <a:effectRef idx="0">
+            <a:schemeClr val="dk1"/>
+          </a:effectRef>
+          <a:fontRef idx="minor">
+            <a:schemeClr val="tx1"/>
+          </a:fontRef>
+        </p:style>
+      </p:cxnSp>
+      <p:sp>
+        <p:nvSpPr>
+          <p:cNvPr id="58" name="TextBox 57">
+            <a:extLst>
+              <a:ext uri="{FF2B5EF4-FFF2-40B4-BE49-F238E27FC236}">
+                <a16:creationId xmlns:a16="http://schemas.microsoft.com/office/drawing/2014/main" id="{C98DF915-A02B-4CA9-8AEC-BA5DC71A4AE8}"/>
+              </a:ext>
+            </a:extLst>
+          </p:cNvPr>
+          <p:cNvSpPr txBox="1"/>
+          <p:nvPr/>
+        </p:nvSpPr>
+        <p:spPr>
+          <a:xfrm>
+            <a:off x="968034" y="3813504"/>
+            <a:ext cx="535201" cy="369332"/>
+          </a:xfrm>
+          <a:prstGeom prst="rect">
+            <a:avLst/>
+          </a:prstGeom>
+          <a:noFill/>
+        </p:spPr>
+        <p:txBody>
+          <a:bodyPr wrap="square" rtlCol="0">
+            <a:spAutoFit/>
+          </a:bodyPr>
+          <a:lstStyle/>
+          <a:p>
+            <a:r>
+              <a:rPr lang="en-US" dirty="0"/>
+              <a:t>+, -</a:t>
+            </a:r>
+            <a:endParaRPr lang="ru-RU" dirty="0"/>
+          </a:p>
+        </p:txBody>
+      </p:sp>
+      <p:sp>
+        <p:nvSpPr>
+          <p:cNvPr id="59" name="Овал 58">
+            <a:extLst>
+              <a:ext uri="{FF2B5EF4-FFF2-40B4-BE49-F238E27FC236}">
+                <a16:creationId xmlns:a16="http://schemas.microsoft.com/office/drawing/2014/main" id="{DB6F64A2-FEA3-4447-995C-9AAE0D8AA3C4}"/>
+              </a:ext>
+            </a:extLst>
+          </p:cNvPr>
+          <p:cNvSpPr/>
+          <p:nvPr/>
+        </p:nvSpPr>
+        <p:spPr>
+          <a:xfrm>
+            <a:off x="1159991" y="4310361"/>
+            <a:ext cx="760599" cy="558688"/>
+          </a:xfrm>
+          <a:prstGeom prst="ellipse">
+            <a:avLst/>
+          </a:prstGeom>
+        </p:spPr>
+        <p:style>
+          <a:lnRef idx="2">
+            <a:schemeClr val="dk1"/>
+          </a:lnRef>
+          <a:fillRef idx="1">
+            <a:schemeClr val="lt1"/>
+          </a:fillRef>
+          <a:effectRef idx="0">
+            <a:schemeClr val="dk1"/>
+          </a:effectRef>
+          <a:fontRef idx="minor">
+            <a:schemeClr val="dk1"/>
+          </a:fontRef>
+        </p:style>
+        <p:txBody>
+          <a:bodyPr rtlCol="0" anchor="ctr"/>
+          <a:lstStyle/>
+          <a:p>
+            <a:pPr algn="ctr"/>
+            <a:r>
+              <a:rPr lang="en-US" dirty="0"/>
+              <a:t>PM</a:t>
+            </a:r>
+            <a:endParaRPr lang="ru-RU" dirty="0"/>
+          </a:p>
+        </p:txBody>
+      </p:sp>
+      <p:sp>
+        <p:nvSpPr>
+          <p:cNvPr id="60" name="Овал 59">
+            <a:extLst>
+              <a:ext uri="{FF2B5EF4-FFF2-40B4-BE49-F238E27FC236}">
+                <a16:creationId xmlns:a16="http://schemas.microsoft.com/office/drawing/2014/main" id="{2DCB1D03-25B5-468D-8BCA-F3A46C814955}"/>
+              </a:ext>
+            </a:extLst>
+          </p:cNvPr>
+          <p:cNvSpPr/>
+          <p:nvPr/>
+        </p:nvSpPr>
+        <p:spPr>
+          <a:xfrm>
+            <a:off x="2256049" y="3549298"/>
+            <a:ext cx="514944" cy="397507"/>
+          </a:xfrm>
+          <a:prstGeom prst="ellipse">
+            <a:avLst/>
+          </a:prstGeom>
+        </p:spPr>
+        <p:style>
+          <a:lnRef idx="2">
+            <a:schemeClr val="dk1"/>
+          </a:lnRef>
+          <a:fillRef idx="1">
+            <a:schemeClr val="lt1"/>
+          </a:fillRef>
+          <a:effectRef idx="0">
+            <a:schemeClr val="dk1"/>
+          </a:effectRef>
+          <a:fontRef idx="minor">
+            <a:schemeClr val="dk1"/>
+          </a:fontRef>
+        </p:style>
+        <p:txBody>
+          <a:bodyPr rtlCol="0" anchor="ctr"/>
+          <a:lstStyle/>
+          <a:p>
+            <a:pPr algn="ctr"/>
+            <a:r>
+              <a:rPr lang="en-US" dirty="0"/>
+              <a:t>IP</a:t>
+            </a:r>
+            <a:endParaRPr lang="ru-RU" dirty="0"/>
+          </a:p>
+        </p:txBody>
+      </p:sp>
+      <p:cxnSp>
+        <p:nvCxnSpPr>
+          <p:cNvPr id="61" name="Прямая со стрелкой 60">
+            <a:extLst>
+              <a:ext uri="{FF2B5EF4-FFF2-40B4-BE49-F238E27FC236}">
+                <a16:creationId xmlns:a16="http://schemas.microsoft.com/office/drawing/2014/main" id="{5DA24557-1EFE-49F9-9DB4-FD6F569E151B}"/>
+              </a:ext>
+            </a:extLst>
+          </p:cNvPr>
+          <p:cNvCxnSpPr>
+            <a:cxnSpLocks/>
+            <a:stCxn id="59" idx="7"/>
+            <a:endCxn id="60" idx="3"/>
+          </p:cNvCxnSpPr>
+          <p:nvPr/>
+        </p:nvCxnSpPr>
+        <p:spPr>
+          <a:xfrm flipV="1">
+            <a:off x="1809203" y="3888591"/>
+            <a:ext cx="522258" cy="503588"/>
+          </a:xfrm>
+          <a:prstGeom prst="straightConnector1">
+            <a:avLst/>
+          </a:prstGeom>
+          <a:ln>
+            <a:tailEnd type="triangle"/>
+          </a:ln>
+        </p:spPr>
+        <p:style>
+          <a:lnRef idx="1">
+            <a:schemeClr val="dk1"/>
+          </a:lnRef>
+          <a:fillRef idx="0">
+            <a:schemeClr val="dk1"/>
+          </a:fillRef>
+          <a:effectRef idx="0">
+            <a:schemeClr val="dk1"/>
+          </a:effectRef>
+          <a:fontRef idx="minor">
+            <a:schemeClr val="tx1"/>
+          </a:fontRef>
+        </p:style>
+      </p:cxnSp>
+      <p:sp>
+        <p:nvSpPr>
+          <p:cNvPr id="62" name="TextBox 61">
+            <a:extLst>
+              <a:ext uri="{FF2B5EF4-FFF2-40B4-BE49-F238E27FC236}">
+                <a16:creationId xmlns:a16="http://schemas.microsoft.com/office/drawing/2014/main" id="{AD2DD4F7-2DBB-4A93-ADD4-BBC8A35857C8}"/>
+              </a:ext>
+            </a:extLst>
+          </p:cNvPr>
+          <p:cNvSpPr txBox="1"/>
+          <p:nvPr/>
+        </p:nvSpPr>
+        <p:spPr>
+          <a:xfrm>
+            <a:off x="2031861" y="4027463"/>
+            <a:ext cx="760599" cy="369332"/>
+          </a:xfrm>
+          <a:prstGeom prst="rect">
+            <a:avLst/>
+          </a:prstGeom>
+          <a:noFill/>
+        </p:spPr>
+        <p:txBody>
+          <a:bodyPr wrap="square" rtlCol="0">
+            <a:spAutoFit/>
+          </a:bodyPr>
+          <a:lstStyle/>
+          <a:p>
+            <a:r>
+              <a:rPr lang="en-US" dirty="0"/>
+              <a:t>0,…,9</a:t>
+            </a:r>
+            <a:endParaRPr lang="ru-RU" dirty="0"/>
+          </a:p>
+        </p:txBody>
+      </p:sp>
+      <p:cxnSp>
+        <p:nvCxnSpPr>
+          <p:cNvPr id="63" name="Прямая со стрелкой 62">
+            <a:extLst>
+              <a:ext uri="{FF2B5EF4-FFF2-40B4-BE49-F238E27FC236}">
+                <a16:creationId xmlns:a16="http://schemas.microsoft.com/office/drawing/2014/main" id="{C86D0C71-1A1E-4F26-B000-5545C02282C6}"/>
+              </a:ext>
+            </a:extLst>
+          </p:cNvPr>
+          <p:cNvCxnSpPr>
+            <a:cxnSpLocks/>
+            <a:stCxn id="55" idx="6"/>
+            <a:endCxn id="60" idx="2"/>
+          </p:cNvCxnSpPr>
+          <p:nvPr/>
+        </p:nvCxnSpPr>
+        <p:spPr>
+          <a:xfrm flipV="1">
+            <a:off x="980063" y="3748052"/>
+            <a:ext cx="1275986" cy="4863"/>
+          </a:xfrm>
+          <a:prstGeom prst="straightConnector1">
+            <a:avLst/>
+          </a:prstGeom>
+          <a:ln>
+            <a:tailEnd type="triangle"/>
+          </a:ln>
+        </p:spPr>
+        <p:style>
+          <a:lnRef idx="1">
+            <a:schemeClr val="dk1"/>
+          </a:lnRef>
+          <a:fillRef idx="0">
+            <a:schemeClr val="dk1"/>
+          </a:fillRef>
+          <a:effectRef idx="0">
+            <a:schemeClr val="dk1"/>
+          </a:effectRef>
+          <a:fontRef idx="minor">
+            <a:schemeClr val="tx1"/>
+          </a:fontRef>
+        </p:style>
+      </p:cxnSp>
+      <p:sp>
+        <p:nvSpPr>
+          <p:cNvPr id="68" name="TextBox 67">
+            <a:extLst>
+              <a:ext uri="{FF2B5EF4-FFF2-40B4-BE49-F238E27FC236}">
+                <a16:creationId xmlns:a16="http://schemas.microsoft.com/office/drawing/2014/main" id="{EF7B8830-ED2A-47C2-B4AD-C3AB4FB1376D}"/>
+              </a:ext>
+            </a:extLst>
+          </p:cNvPr>
+          <p:cNvSpPr txBox="1"/>
+          <p:nvPr/>
+        </p:nvSpPr>
+        <p:spPr>
+          <a:xfrm>
+            <a:off x="1240408" y="3436076"/>
+            <a:ext cx="760599" cy="369332"/>
+          </a:xfrm>
+          <a:prstGeom prst="rect">
+            <a:avLst/>
+          </a:prstGeom>
+          <a:noFill/>
+        </p:spPr>
+        <p:txBody>
+          <a:bodyPr wrap="square" rtlCol="0">
+            <a:spAutoFit/>
+          </a:bodyPr>
+          <a:lstStyle/>
+          <a:p>
+            <a:r>
+              <a:rPr lang="en-US" dirty="0"/>
+              <a:t>0,…,9</a:t>
+            </a:r>
+            <a:endParaRPr lang="ru-RU" dirty="0"/>
+          </a:p>
+        </p:txBody>
+      </p:sp>
+      <p:sp>
+        <p:nvSpPr>
+          <p:cNvPr id="71" name="Овал 70">
+            <a:extLst>
+              <a:ext uri="{FF2B5EF4-FFF2-40B4-BE49-F238E27FC236}">
+                <a16:creationId xmlns:a16="http://schemas.microsoft.com/office/drawing/2014/main" id="{F4B54B61-D074-47D6-B119-83CB0028C2F6}"/>
+              </a:ext>
+            </a:extLst>
+          </p:cNvPr>
+          <p:cNvSpPr/>
+          <p:nvPr/>
+        </p:nvSpPr>
+        <p:spPr>
+          <a:xfrm>
+            <a:off x="4417628" y="3420284"/>
+            <a:ext cx="388933" cy="351927"/>
+          </a:xfrm>
+          <a:prstGeom prst="ellipse">
+            <a:avLst/>
+          </a:prstGeom>
+        </p:spPr>
+        <p:style>
+          <a:lnRef idx="2">
+            <a:schemeClr val="dk1"/>
+          </a:lnRef>
+          <a:fillRef idx="1">
+            <a:schemeClr val="lt1"/>
+          </a:fillRef>
+          <a:effectRef idx="0">
+            <a:schemeClr val="dk1"/>
+          </a:effectRef>
+          <a:fontRef idx="minor">
+            <a:schemeClr val="dk1"/>
+          </a:fontRef>
+        </p:style>
+        <p:txBody>
+          <a:bodyPr rtlCol="0" anchor="ctr"/>
+          <a:lstStyle/>
+          <a:p>
+            <a:pPr algn="ctr"/>
+            <a:r>
+              <a:rPr lang="en-US" dirty="0"/>
+              <a:t>A</a:t>
+            </a:r>
+            <a:endParaRPr lang="ru-RU" dirty="0"/>
+          </a:p>
+        </p:txBody>
+      </p:sp>
+      <p:cxnSp>
+        <p:nvCxnSpPr>
+          <p:cNvPr id="72" name="Прямая со стрелкой 71">
+            <a:extLst>
+              <a:ext uri="{FF2B5EF4-FFF2-40B4-BE49-F238E27FC236}">
+                <a16:creationId xmlns:a16="http://schemas.microsoft.com/office/drawing/2014/main" id="{9A947E8A-5DC7-4893-925C-3BBCD2FC3C05}"/>
+              </a:ext>
+            </a:extLst>
+          </p:cNvPr>
+          <p:cNvCxnSpPr>
+            <a:cxnSpLocks/>
+            <a:endCxn id="71" idx="2"/>
+          </p:cNvCxnSpPr>
+          <p:nvPr/>
+        </p:nvCxnSpPr>
+        <p:spPr>
+          <a:xfrm>
+            <a:off x="4069259" y="3596248"/>
+            <a:ext cx="348369" cy="0"/>
+          </a:xfrm>
+          <a:prstGeom prst="straightConnector1">
+            <a:avLst/>
+          </a:prstGeom>
+          <a:ln>
+            <a:tailEnd type="triangle"/>
+          </a:ln>
+        </p:spPr>
+        <p:style>
+          <a:lnRef idx="1">
+            <a:schemeClr val="dk1"/>
+          </a:lnRef>
+          <a:fillRef idx="0">
+            <a:schemeClr val="dk1"/>
+          </a:fillRef>
+          <a:effectRef idx="0">
+            <a:schemeClr val="dk1"/>
+          </a:effectRef>
+          <a:fontRef idx="minor">
+            <a:schemeClr val="tx1"/>
+          </a:fontRef>
+        </p:style>
+      </p:cxnSp>
+      <p:cxnSp>
+        <p:nvCxnSpPr>
+          <p:cNvPr id="73" name="Прямая со стрелкой 72">
+            <a:extLst>
+              <a:ext uri="{FF2B5EF4-FFF2-40B4-BE49-F238E27FC236}">
+                <a16:creationId xmlns:a16="http://schemas.microsoft.com/office/drawing/2014/main" id="{FD2E4AA4-1AE0-4161-922B-F18D3B95C586}"/>
+              </a:ext>
+            </a:extLst>
+          </p:cNvPr>
+          <p:cNvCxnSpPr>
+            <a:cxnSpLocks/>
+            <a:stCxn id="71" idx="5"/>
+            <a:endCxn id="75" idx="1"/>
+          </p:cNvCxnSpPr>
+          <p:nvPr/>
+        </p:nvCxnSpPr>
+        <p:spPr>
+          <a:xfrm>
+            <a:off x="4749603" y="3720672"/>
+            <a:ext cx="348273" cy="514840"/>
+          </a:xfrm>
+          <a:prstGeom prst="straightConnector1">
+            <a:avLst/>
+          </a:prstGeom>
+          <a:ln>
+            <a:tailEnd type="triangle"/>
+          </a:ln>
+        </p:spPr>
+        <p:style>
+          <a:lnRef idx="1">
+            <a:schemeClr val="dk1"/>
+          </a:lnRef>
+          <a:fillRef idx="0">
+            <a:schemeClr val="dk1"/>
+          </a:fillRef>
+          <a:effectRef idx="0">
+            <a:schemeClr val="dk1"/>
+          </a:effectRef>
+          <a:fontRef idx="minor">
+            <a:schemeClr val="tx1"/>
+          </a:fontRef>
+        </p:style>
+      </p:cxnSp>
+      <p:sp>
+        <p:nvSpPr>
+          <p:cNvPr id="74" name="TextBox 73">
+            <a:extLst>
+              <a:ext uri="{FF2B5EF4-FFF2-40B4-BE49-F238E27FC236}">
+                <a16:creationId xmlns:a16="http://schemas.microsoft.com/office/drawing/2014/main" id="{D4E3DFEC-4E2F-4529-884B-51A7595BCDCA}"/>
+              </a:ext>
+            </a:extLst>
+          </p:cNvPr>
+          <p:cNvSpPr txBox="1"/>
+          <p:nvPr/>
+        </p:nvSpPr>
+        <p:spPr>
+          <a:xfrm>
+            <a:off x="4794532" y="3656837"/>
+            <a:ext cx="535201" cy="369332"/>
+          </a:xfrm>
+          <a:prstGeom prst="rect">
+            <a:avLst/>
+          </a:prstGeom>
+          <a:noFill/>
+        </p:spPr>
+        <p:txBody>
+          <a:bodyPr wrap="square" rtlCol="0">
+            <a:spAutoFit/>
+          </a:bodyPr>
+          <a:lstStyle/>
+          <a:p>
+            <a:r>
+              <a:rPr lang="en-US" dirty="0"/>
+              <a:t>+, -</a:t>
+            </a:r>
+            <a:endParaRPr lang="ru-RU" dirty="0"/>
+          </a:p>
+        </p:txBody>
+      </p:sp>
+      <p:sp>
+        <p:nvSpPr>
+          <p:cNvPr id="75" name="Овал 74">
+            <a:extLst>
+              <a:ext uri="{FF2B5EF4-FFF2-40B4-BE49-F238E27FC236}">
+                <a16:creationId xmlns:a16="http://schemas.microsoft.com/office/drawing/2014/main" id="{A6E32FF7-2E9A-4AFC-B3D7-875D2D04A31E}"/>
+              </a:ext>
+            </a:extLst>
+          </p:cNvPr>
+          <p:cNvSpPr/>
+          <p:nvPr/>
+        </p:nvSpPr>
+        <p:spPr>
+          <a:xfrm>
+            <a:off x="4986489" y="4153694"/>
+            <a:ext cx="760599" cy="558688"/>
+          </a:xfrm>
+          <a:prstGeom prst="ellipse">
+            <a:avLst/>
+          </a:prstGeom>
+        </p:spPr>
+        <p:style>
+          <a:lnRef idx="2">
+            <a:schemeClr val="dk1"/>
+          </a:lnRef>
+          <a:fillRef idx="1">
+            <a:schemeClr val="lt1"/>
+          </a:fillRef>
+          <a:effectRef idx="0">
+            <a:schemeClr val="dk1"/>
+          </a:effectRef>
+          <a:fontRef idx="minor">
+            <a:schemeClr val="dk1"/>
+          </a:fontRef>
+        </p:style>
+        <p:txBody>
+          <a:bodyPr rtlCol="0" anchor="ctr"/>
+          <a:lstStyle/>
+          <a:p>
+            <a:pPr algn="ctr"/>
+            <a:r>
+              <a:rPr lang="en-US" dirty="0"/>
+              <a:t>PM</a:t>
+            </a:r>
+            <a:endParaRPr lang="ru-RU" dirty="0"/>
+          </a:p>
+        </p:txBody>
+      </p:sp>
+      <p:sp>
+        <p:nvSpPr>
+          <p:cNvPr id="76" name="Овал 75">
+            <a:extLst>
+              <a:ext uri="{FF2B5EF4-FFF2-40B4-BE49-F238E27FC236}">
+                <a16:creationId xmlns:a16="http://schemas.microsoft.com/office/drawing/2014/main" id="{30AE7028-FC88-4943-BF86-3D5C5584F269}"/>
+              </a:ext>
+            </a:extLst>
+          </p:cNvPr>
+          <p:cNvSpPr/>
+          <p:nvPr/>
+        </p:nvSpPr>
+        <p:spPr>
+          <a:xfrm>
+            <a:off x="6064263" y="3355624"/>
+            <a:ext cx="650932" cy="485879"/>
+          </a:xfrm>
+          <a:prstGeom prst="ellipse">
+            <a:avLst/>
+          </a:prstGeom>
+        </p:spPr>
+        <p:style>
+          <a:lnRef idx="2">
+            <a:schemeClr val="dk1"/>
+          </a:lnRef>
+          <a:fillRef idx="1">
+            <a:schemeClr val="lt1"/>
+          </a:fillRef>
+          <a:effectRef idx="0">
+            <a:schemeClr val="dk1"/>
+          </a:effectRef>
+          <a:fontRef idx="minor">
+            <a:schemeClr val="dk1"/>
+          </a:fontRef>
+        </p:style>
+        <p:txBody>
+          <a:bodyPr rtlCol="0" anchor="ctr"/>
+          <a:lstStyle/>
+          <a:p>
+            <a:pPr algn="ctr"/>
+            <a:r>
+              <a:rPr lang="en-US" dirty="0"/>
+              <a:t>IP</a:t>
+            </a:r>
+            <a:endParaRPr lang="ru-RU" dirty="0"/>
+          </a:p>
+        </p:txBody>
+      </p:sp>
+      <p:cxnSp>
+        <p:nvCxnSpPr>
+          <p:cNvPr id="77" name="Прямая со стрелкой 76">
+            <a:extLst>
+              <a:ext uri="{FF2B5EF4-FFF2-40B4-BE49-F238E27FC236}">
+                <a16:creationId xmlns:a16="http://schemas.microsoft.com/office/drawing/2014/main" id="{C3F6A478-AF86-47FD-A9C8-D5C21B49FBAB}"/>
+              </a:ext>
+            </a:extLst>
+          </p:cNvPr>
+          <p:cNvCxnSpPr>
+            <a:cxnSpLocks/>
+            <a:stCxn id="75" idx="7"/>
+            <a:endCxn id="76" idx="3"/>
+          </p:cNvCxnSpPr>
+          <p:nvPr/>
+        </p:nvCxnSpPr>
+        <p:spPr>
+          <a:xfrm flipV="1">
+            <a:off x="5635701" y="3770348"/>
+            <a:ext cx="523889" cy="465164"/>
+          </a:xfrm>
+          <a:prstGeom prst="straightConnector1">
+            <a:avLst/>
+          </a:prstGeom>
+          <a:ln>
+            <a:tailEnd type="triangle"/>
+          </a:ln>
+        </p:spPr>
+        <p:style>
+          <a:lnRef idx="1">
+            <a:schemeClr val="dk1"/>
+          </a:lnRef>
+          <a:fillRef idx="0">
+            <a:schemeClr val="dk1"/>
+          </a:fillRef>
+          <a:effectRef idx="0">
+            <a:schemeClr val="dk1"/>
+          </a:effectRef>
+          <a:fontRef idx="minor">
+            <a:schemeClr val="tx1"/>
+          </a:fontRef>
+        </p:style>
+      </p:cxnSp>
+      <p:sp>
+        <p:nvSpPr>
+          <p:cNvPr id="78" name="TextBox 77">
+            <a:extLst>
+              <a:ext uri="{FF2B5EF4-FFF2-40B4-BE49-F238E27FC236}">
+                <a16:creationId xmlns:a16="http://schemas.microsoft.com/office/drawing/2014/main" id="{CBB5A544-9641-49CB-B777-47E6C804C73D}"/>
+              </a:ext>
+            </a:extLst>
+          </p:cNvPr>
+          <p:cNvSpPr txBox="1"/>
+          <p:nvPr/>
+        </p:nvSpPr>
+        <p:spPr>
+          <a:xfrm>
+            <a:off x="5858359" y="3870796"/>
+            <a:ext cx="760599" cy="369332"/>
+          </a:xfrm>
+          <a:prstGeom prst="rect">
+            <a:avLst/>
+          </a:prstGeom>
+          <a:noFill/>
+        </p:spPr>
+        <p:txBody>
+          <a:bodyPr wrap="square" rtlCol="0">
+            <a:spAutoFit/>
+          </a:bodyPr>
+          <a:lstStyle/>
+          <a:p>
+            <a:r>
+              <a:rPr lang="en-US" dirty="0"/>
+              <a:t>0,…,9</a:t>
+            </a:r>
+            <a:endParaRPr lang="ru-RU" dirty="0"/>
+          </a:p>
+        </p:txBody>
+      </p:sp>
+      <p:cxnSp>
+        <p:nvCxnSpPr>
+          <p:cNvPr id="79" name="Прямая со стрелкой 78">
+            <a:extLst>
+              <a:ext uri="{FF2B5EF4-FFF2-40B4-BE49-F238E27FC236}">
+                <a16:creationId xmlns:a16="http://schemas.microsoft.com/office/drawing/2014/main" id="{A4818E66-D77E-4183-8301-DA2B60B11166}"/>
+              </a:ext>
+            </a:extLst>
+          </p:cNvPr>
+          <p:cNvCxnSpPr>
+            <a:cxnSpLocks/>
+            <a:stCxn id="71" idx="6"/>
+            <a:endCxn id="76" idx="2"/>
+          </p:cNvCxnSpPr>
+          <p:nvPr/>
+        </p:nvCxnSpPr>
+        <p:spPr>
+          <a:xfrm>
+            <a:off x="4806561" y="3596248"/>
+            <a:ext cx="1257702" cy="2316"/>
+          </a:xfrm>
+          <a:prstGeom prst="straightConnector1">
+            <a:avLst/>
+          </a:prstGeom>
+          <a:ln>
+            <a:tailEnd type="triangle"/>
+          </a:ln>
+        </p:spPr>
+        <p:style>
+          <a:lnRef idx="1">
+            <a:schemeClr val="dk1"/>
+          </a:lnRef>
+          <a:fillRef idx="0">
+            <a:schemeClr val="dk1"/>
+          </a:fillRef>
+          <a:effectRef idx="0">
+            <a:schemeClr val="dk1"/>
+          </a:effectRef>
+          <a:fontRef idx="minor">
+            <a:schemeClr val="tx1"/>
+          </a:fontRef>
+        </p:style>
+      </p:cxnSp>
+      <p:sp>
+        <p:nvSpPr>
+          <p:cNvPr id="80" name="TextBox 79">
+            <a:extLst>
+              <a:ext uri="{FF2B5EF4-FFF2-40B4-BE49-F238E27FC236}">
+                <a16:creationId xmlns:a16="http://schemas.microsoft.com/office/drawing/2014/main" id="{52AE0900-56C6-4D7C-9C96-E66D070F4082}"/>
+              </a:ext>
+            </a:extLst>
+          </p:cNvPr>
+          <p:cNvSpPr txBox="1"/>
+          <p:nvPr/>
+        </p:nvSpPr>
+        <p:spPr>
+          <a:xfrm>
+            <a:off x="5066906" y="3279409"/>
+            <a:ext cx="760599" cy="369332"/>
+          </a:xfrm>
+          <a:prstGeom prst="rect">
+            <a:avLst/>
+          </a:prstGeom>
+          <a:noFill/>
+        </p:spPr>
+        <p:txBody>
+          <a:bodyPr wrap="square" rtlCol="0">
+            <a:spAutoFit/>
+          </a:bodyPr>
+          <a:lstStyle/>
+          <a:p>
+            <a:r>
+              <a:rPr lang="en-US" dirty="0"/>
+              <a:t>0,…,9</a:t>
+            </a:r>
+            <a:endParaRPr lang="ru-RU" dirty="0"/>
+          </a:p>
+        </p:txBody>
+      </p:sp>
+      <p:cxnSp>
+        <p:nvCxnSpPr>
+          <p:cNvPr id="85" name="Соединитель: изогнутый 84">
+            <a:extLst>
+              <a:ext uri="{FF2B5EF4-FFF2-40B4-BE49-F238E27FC236}">
+                <a16:creationId xmlns:a16="http://schemas.microsoft.com/office/drawing/2014/main" id="{BCF182C7-72D8-4EBA-A027-1090CA638519}"/>
+              </a:ext>
+            </a:extLst>
+          </p:cNvPr>
+          <p:cNvCxnSpPr>
+            <a:cxnSpLocks/>
+            <a:stCxn id="76" idx="1"/>
+            <a:endCxn id="76" idx="7"/>
+          </p:cNvCxnSpPr>
+          <p:nvPr/>
+        </p:nvCxnSpPr>
+        <p:spPr>
+          <a:xfrm rot="5400000" flipH="1" flipV="1">
+            <a:off x="6389729" y="3196640"/>
+            <a:ext cx="12700" cy="460278"/>
+          </a:xfrm>
+          <a:prstGeom prst="curvedConnector3">
+            <a:avLst>
+              <a:gd name="adj1" fmla="val 3360276"/>
+            </a:avLst>
+          </a:prstGeom>
+          <a:ln>
+            <a:tailEnd type="triangle"/>
+          </a:ln>
+        </p:spPr>
+        <p:style>
+          <a:lnRef idx="1">
+            <a:schemeClr val="dk1"/>
+          </a:lnRef>
+          <a:fillRef idx="0">
+            <a:schemeClr val="dk1"/>
+          </a:fillRef>
+          <a:effectRef idx="0">
+            <a:schemeClr val="dk1"/>
+          </a:effectRef>
+          <a:fontRef idx="minor">
+            <a:schemeClr val="tx1"/>
+          </a:fontRef>
+        </p:style>
+      </p:cxnSp>
+      <p:sp>
+        <p:nvSpPr>
+          <p:cNvPr id="86" name="TextBox 85">
+            <a:extLst>
+              <a:ext uri="{FF2B5EF4-FFF2-40B4-BE49-F238E27FC236}">
+                <a16:creationId xmlns:a16="http://schemas.microsoft.com/office/drawing/2014/main" id="{0B239C68-3295-45CB-81FD-B5F43E19DA59}"/>
+              </a:ext>
+            </a:extLst>
+          </p:cNvPr>
+          <p:cNvSpPr txBox="1"/>
+          <p:nvPr/>
+        </p:nvSpPr>
+        <p:spPr>
+          <a:xfrm>
+            <a:off x="6054811" y="2879313"/>
+            <a:ext cx="760599" cy="369332"/>
+          </a:xfrm>
+          <a:prstGeom prst="rect">
+            <a:avLst/>
+          </a:prstGeom>
+          <a:noFill/>
+        </p:spPr>
+        <p:txBody>
+          <a:bodyPr wrap="square" rtlCol="0">
+            <a:spAutoFit/>
+          </a:bodyPr>
+          <a:lstStyle/>
+          <a:p>
+            <a:r>
+              <a:rPr lang="en-US" dirty="0"/>
+              <a:t>0,…,9</a:t>
+            </a:r>
+            <a:endParaRPr lang="ru-RU" dirty="0"/>
+          </a:p>
+        </p:txBody>
+      </p:sp>
+      <p:sp>
+        <p:nvSpPr>
+          <p:cNvPr id="87" name="Овал 86">
+            <a:extLst>
+              <a:ext uri="{FF2B5EF4-FFF2-40B4-BE49-F238E27FC236}">
+                <a16:creationId xmlns:a16="http://schemas.microsoft.com/office/drawing/2014/main" id="{30874178-2E68-4CD8-8430-DF80189AD270}"/>
+              </a:ext>
+            </a:extLst>
+          </p:cNvPr>
+          <p:cNvSpPr/>
+          <p:nvPr/>
+        </p:nvSpPr>
+        <p:spPr>
+          <a:xfrm>
+            <a:off x="6128749" y="3406619"/>
+            <a:ext cx="528757" cy="390297"/>
+          </a:xfrm>
+          <a:prstGeom prst="ellipse">
+            <a:avLst/>
+          </a:prstGeom>
+        </p:spPr>
+        <p:style>
+          <a:lnRef idx="2">
+            <a:schemeClr val="dk1"/>
+          </a:lnRef>
+          <a:fillRef idx="1">
+            <a:schemeClr val="lt1"/>
+          </a:fillRef>
+          <a:effectRef idx="0">
+            <a:schemeClr val="dk1"/>
+          </a:effectRef>
+          <a:fontRef idx="minor">
+            <a:schemeClr val="dk1"/>
+          </a:fontRef>
+        </p:style>
+        <p:txBody>
+          <a:bodyPr rtlCol="0" anchor="ctr"/>
+          <a:lstStyle/>
+          <a:p>
+            <a:pPr algn="ctr"/>
+            <a:r>
+              <a:rPr lang="en-US" dirty="0"/>
+              <a:t>IP</a:t>
+            </a:r>
+            <a:endParaRPr lang="ru-RU" dirty="0"/>
+          </a:p>
+        </p:txBody>
+      </p:sp>
+      <p:sp>
+        <p:nvSpPr>
+          <p:cNvPr id="103" name="Овал 102">
+            <a:extLst>
+              <a:ext uri="{FF2B5EF4-FFF2-40B4-BE49-F238E27FC236}">
+                <a16:creationId xmlns:a16="http://schemas.microsoft.com/office/drawing/2014/main" id="{90D3A217-F477-4052-8B38-FD80F672C0CD}"/>
+              </a:ext>
+            </a:extLst>
+          </p:cNvPr>
+          <p:cNvSpPr/>
+          <p:nvPr/>
+        </p:nvSpPr>
+        <p:spPr>
+          <a:xfrm>
+            <a:off x="8017549" y="3446171"/>
+            <a:ext cx="388933" cy="351927"/>
+          </a:xfrm>
+          <a:prstGeom prst="ellipse">
+            <a:avLst/>
+          </a:prstGeom>
+        </p:spPr>
+        <p:style>
+          <a:lnRef idx="2">
+            <a:schemeClr val="dk1"/>
+          </a:lnRef>
+          <a:fillRef idx="1">
+            <a:schemeClr val="lt1"/>
+          </a:fillRef>
+          <a:effectRef idx="0">
+            <a:schemeClr val="dk1"/>
+          </a:effectRef>
+          <a:fontRef idx="minor">
+            <a:schemeClr val="dk1"/>
+          </a:fontRef>
+        </p:style>
+        <p:txBody>
+          <a:bodyPr rtlCol="0" anchor="ctr"/>
+          <a:lstStyle/>
+          <a:p>
+            <a:pPr algn="ctr"/>
+            <a:r>
+              <a:rPr lang="en-US" dirty="0"/>
+              <a:t>A</a:t>
+            </a:r>
+            <a:endParaRPr lang="ru-RU" dirty="0"/>
+          </a:p>
+        </p:txBody>
+      </p:sp>
+      <p:cxnSp>
+        <p:nvCxnSpPr>
+          <p:cNvPr id="104" name="Прямая со стрелкой 103">
+            <a:extLst>
+              <a:ext uri="{FF2B5EF4-FFF2-40B4-BE49-F238E27FC236}">
+                <a16:creationId xmlns:a16="http://schemas.microsoft.com/office/drawing/2014/main" id="{564BDA07-4F69-49A2-9470-FA585B6D16F1}"/>
+              </a:ext>
+            </a:extLst>
+          </p:cNvPr>
+          <p:cNvCxnSpPr>
+            <a:cxnSpLocks/>
+            <a:endCxn id="103" idx="2"/>
+          </p:cNvCxnSpPr>
+          <p:nvPr/>
+        </p:nvCxnSpPr>
+        <p:spPr>
+          <a:xfrm>
+            <a:off x="7669180" y="3622135"/>
+            <a:ext cx="348369" cy="0"/>
+          </a:xfrm>
+          <a:prstGeom prst="straightConnector1">
+            <a:avLst/>
+          </a:prstGeom>
+          <a:ln>
+            <a:tailEnd type="triangle"/>
+          </a:ln>
+        </p:spPr>
+        <p:style>
+          <a:lnRef idx="1">
+            <a:schemeClr val="dk1"/>
+          </a:lnRef>
+          <a:fillRef idx="0">
+            <a:schemeClr val="dk1"/>
+          </a:fillRef>
+          <a:effectRef idx="0">
+            <a:schemeClr val="dk1"/>
+          </a:effectRef>
+          <a:fontRef idx="minor">
+            <a:schemeClr val="tx1"/>
+          </a:fontRef>
+        </p:style>
+      </p:cxnSp>
+      <p:cxnSp>
+        <p:nvCxnSpPr>
+          <p:cNvPr id="105" name="Прямая со стрелкой 104">
+            <a:extLst>
+              <a:ext uri="{FF2B5EF4-FFF2-40B4-BE49-F238E27FC236}">
+                <a16:creationId xmlns:a16="http://schemas.microsoft.com/office/drawing/2014/main" id="{16E76F93-B7A5-4BA3-BF99-55CBBBB2D192}"/>
+              </a:ext>
+            </a:extLst>
+          </p:cNvPr>
+          <p:cNvCxnSpPr>
+            <a:cxnSpLocks/>
+            <a:stCxn id="103" idx="5"/>
+            <a:endCxn id="107" idx="1"/>
+          </p:cNvCxnSpPr>
+          <p:nvPr/>
+        </p:nvCxnSpPr>
+        <p:spPr>
+          <a:xfrm>
+            <a:off x="8349524" y="3746559"/>
+            <a:ext cx="348273" cy="514840"/>
+          </a:xfrm>
+          <a:prstGeom prst="straightConnector1">
+            <a:avLst/>
+          </a:prstGeom>
+          <a:ln>
+            <a:tailEnd type="triangle"/>
+          </a:ln>
+        </p:spPr>
+        <p:style>
+          <a:lnRef idx="1">
+            <a:schemeClr val="dk1"/>
+          </a:lnRef>
+          <a:fillRef idx="0">
+            <a:schemeClr val="dk1"/>
+          </a:fillRef>
+          <a:effectRef idx="0">
+            <a:schemeClr val="dk1"/>
+          </a:effectRef>
+          <a:fontRef idx="minor">
+            <a:schemeClr val="tx1"/>
+          </a:fontRef>
+        </p:style>
+      </p:cxnSp>
+      <p:sp>
+        <p:nvSpPr>
+          <p:cNvPr id="106" name="TextBox 105">
+            <a:extLst>
+              <a:ext uri="{FF2B5EF4-FFF2-40B4-BE49-F238E27FC236}">
+                <a16:creationId xmlns:a16="http://schemas.microsoft.com/office/drawing/2014/main" id="{A2589F47-31DA-4600-B195-BE7CCE7258A9}"/>
+              </a:ext>
+            </a:extLst>
+          </p:cNvPr>
+          <p:cNvSpPr txBox="1"/>
+          <p:nvPr/>
+        </p:nvSpPr>
+        <p:spPr>
+          <a:xfrm>
+            <a:off x="8394453" y="3682724"/>
+            <a:ext cx="535201" cy="369332"/>
+          </a:xfrm>
+          <a:prstGeom prst="rect">
+            <a:avLst/>
+          </a:prstGeom>
+          <a:noFill/>
+        </p:spPr>
+        <p:txBody>
+          <a:bodyPr wrap="square" rtlCol="0">
+            <a:spAutoFit/>
+          </a:bodyPr>
+          <a:lstStyle/>
+          <a:p>
+            <a:r>
+              <a:rPr lang="en-US" dirty="0"/>
+              <a:t>+, -</a:t>
+            </a:r>
+            <a:endParaRPr lang="ru-RU" dirty="0"/>
+          </a:p>
+        </p:txBody>
+      </p:sp>
+      <p:sp>
+        <p:nvSpPr>
+          <p:cNvPr id="107" name="Овал 106">
+            <a:extLst>
+              <a:ext uri="{FF2B5EF4-FFF2-40B4-BE49-F238E27FC236}">
+                <a16:creationId xmlns:a16="http://schemas.microsoft.com/office/drawing/2014/main" id="{F1F67A52-FDF6-4F76-B6E8-3605DDD095DE}"/>
+              </a:ext>
+            </a:extLst>
+          </p:cNvPr>
+          <p:cNvSpPr/>
+          <p:nvPr/>
+        </p:nvSpPr>
+        <p:spPr>
+          <a:xfrm>
+            <a:off x="8586410" y="4179581"/>
+            <a:ext cx="760599" cy="558688"/>
+          </a:xfrm>
+          <a:prstGeom prst="ellipse">
+            <a:avLst/>
+          </a:prstGeom>
+        </p:spPr>
+        <p:style>
+          <a:lnRef idx="2">
+            <a:schemeClr val="dk1"/>
+          </a:lnRef>
+          <a:fillRef idx="1">
+            <a:schemeClr val="lt1"/>
+          </a:fillRef>
+          <a:effectRef idx="0">
+            <a:schemeClr val="dk1"/>
+          </a:effectRef>
+          <a:fontRef idx="minor">
+            <a:schemeClr val="dk1"/>
+          </a:fontRef>
+        </p:style>
+        <p:txBody>
+          <a:bodyPr rtlCol="0" anchor="ctr"/>
+          <a:lstStyle/>
+          <a:p>
+            <a:pPr algn="ctr"/>
+            <a:r>
+              <a:rPr lang="en-US" dirty="0"/>
+              <a:t>PM</a:t>
+            </a:r>
+            <a:endParaRPr lang="ru-RU" dirty="0"/>
+          </a:p>
+        </p:txBody>
+      </p:sp>
+      <p:sp>
+        <p:nvSpPr>
+          <p:cNvPr id="108" name="Овал 107">
+            <a:extLst>
+              <a:ext uri="{FF2B5EF4-FFF2-40B4-BE49-F238E27FC236}">
+                <a16:creationId xmlns:a16="http://schemas.microsoft.com/office/drawing/2014/main" id="{A3B1DB00-AEFC-46F0-AEB3-B1C713DB10C5}"/>
+              </a:ext>
+            </a:extLst>
+          </p:cNvPr>
+          <p:cNvSpPr/>
+          <p:nvPr/>
+        </p:nvSpPr>
+        <p:spPr>
+          <a:xfrm>
+            <a:off x="9664184" y="3381511"/>
+            <a:ext cx="650932" cy="485879"/>
+          </a:xfrm>
+          <a:prstGeom prst="ellipse">
+            <a:avLst/>
+          </a:prstGeom>
+        </p:spPr>
+        <p:style>
+          <a:lnRef idx="2">
+            <a:schemeClr val="dk1"/>
+          </a:lnRef>
+          <a:fillRef idx="1">
+            <a:schemeClr val="lt1"/>
+          </a:fillRef>
+          <a:effectRef idx="0">
+            <a:schemeClr val="dk1"/>
+          </a:effectRef>
+          <a:fontRef idx="minor">
+            <a:schemeClr val="dk1"/>
+          </a:fontRef>
+        </p:style>
+        <p:txBody>
+          <a:bodyPr rtlCol="0" anchor="ctr"/>
+          <a:lstStyle/>
+          <a:p>
+            <a:pPr algn="ctr"/>
+            <a:r>
+              <a:rPr lang="en-US" dirty="0"/>
+              <a:t>IP</a:t>
+            </a:r>
+            <a:endParaRPr lang="ru-RU" dirty="0"/>
+          </a:p>
+        </p:txBody>
+      </p:sp>
+      <p:cxnSp>
+        <p:nvCxnSpPr>
+          <p:cNvPr id="109" name="Прямая со стрелкой 108">
+            <a:extLst>
+              <a:ext uri="{FF2B5EF4-FFF2-40B4-BE49-F238E27FC236}">
+                <a16:creationId xmlns:a16="http://schemas.microsoft.com/office/drawing/2014/main" id="{5BA8BD28-7411-49CD-BA73-F05CBE96C52E}"/>
+              </a:ext>
+            </a:extLst>
+          </p:cNvPr>
+          <p:cNvCxnSpPr>
+            <a:cxnSpLocks/>
+            <a:stCxn id="107" idx="7"/>
+            <a:endCxn id="108" idx="3"/>
+          </p:cNvCxnSpPr>
+          <p:nvPr/>
+        </p:nvCxnSpPr>
+        <p:spPr>
+          <a:xfrm flipV="1">
+            <a:off x="9235622" y="3796235"/>
+            <a:ext cx="523889" cy="465164"/>
+          </a:xfrm>
+          <a:prstGeom prst="straightConnector1">
+            <a:avLst/>
+          </a:prstGeom>
+          <a:ln>
+            <a:tailEnd type="triangle"/>
+          </a:ln>
+        </p:spPr>
+        <p:style>
+          <a:lnRef idx="1">
+            <a:schemeClr val="dk1"/>
+          </a:lnRef>
+          <a:fillRef idx="0">
+            <a:schemeClr val="dk1"/>
+          </a:fillRef>
+          <a:effectRef idx="0">
+            <a:schemeClr val="dk1"/>
+          </a:effectRef>
+          <a:fontRef idx="minor">
+            <a:schemeClr val="tx1"/>
+          </a:fontRef>
+        </p:style>
+      </p:cxnSp>
+      <p:sp>
+        <p:nvSpPr>
+          <p:cNvPr id="110" name="TextBox 109">
+            <a:extLst>
+              <a:ext uri="{FF2B5EF4-FFF2-40B4-BE49-F238E27FC236}">
+                <a16:creationId xmlns:a16="http://schemas.microsoft.com/office/drawing/2014/main" id="{4224EEB0-82A8-4BB0-AFBF-46A5A17D1747}"/>
+              </a:ext>
+            </a:extLst>
+          </p:cNvPr>
+          <p:cNvSpPr txBox="1"/>
+          <p:nvPr/>
+        </p:nvSpPr>
+        <p:spPr>
+          <a:xfrm>
+            <a:off x="9458280" y="3896683"/>
+            <a:ext cx="760599" cy="369332"/>
+          </a:xfrm>
+          <a:prstGeom prst="rect">
+            <a:avLst/>
+          </a:prstGeom>
+          <a:noFill/>
+        </p:spPr>
+        <p:txBody>
+          <a:bodyPr wrap="square" rtlCol="0">
+            <a:spAutoFit/>
+          </a:bodyPr>
+          <a:lstStyle/>
+          <a:p>
+            <a:r>
+              <a:rPr lang="en-US" dirty="0"/>
+              <a:t>0,…,9</a:t>
+            </a:r>
+            <a:endParaRPr lang="ru-RU" dirty="0"/>
+          </a:p>
+        </p:txBody>
+      </p:sp>
+      <p:cxnSp>
+        <p:nvCxnSpPr>
+          <p:cNvPr id="111" name="Прямая со стрелкой 110">
+            <a:extLst>
+              <a:ext uri="{FF2B5EF4-FFF2-40B4-BE49-F238E27FC236}">
+                <a16:creationId xmlns:a16="http://schemas.microsoft.com/office/drawing/2014/main" id="{404BC2B4-4148-4716-AE52-6BCF7619C3F9}"/>
+              </a:ext>
+            </a:extLst>
+          </p:cNvPr>
+          <p:cNvCxnSpPr>
+            <a:cxnSpLocks/>
+            <a:stCxn id="103" idx="6"/>
+            <a:endCxn id="108" idx="2"/>
+          </p:cNvCxnSpPr>
+          <p:nvPr/>
+        </p:nvCxnSpPr>
+        <p:spPr>
+          <a:xfrm>
+            <a:off x="8406482" y="3622135"/>
+            <a:ext cx="1257702" cy="2316"/>
+          </a:xfrm>
+          <a:prstGeom prst="straightConnector1">
+            <a:avLst/>
+          </a:prstGeom>
+          <a:ln>
+            <a:tailEnd type="triangle"/>
+          </a:ln>
+        </p:spPr>
+        <p:style>
+          <a:lnRef idx="1">
+            <a:schemeClr val="dk1"/>
+          </a:lnRef>
+          <a:fillRef idx="0">
+            <a:schemeClr val="dk1"/>
+          </a:fillRef>
+          <a:effectRef idx="0">
+            <a:schemeClr val="dk1"/>
+          </a:effectRef>
+          <a:fontRef idx="minor">
+            <a:schemeClr val="tx1"/>
+          </a:fontRef>
+        </p:style>
+      </p:cxnSp>
+      <p:sp>
+        <p:nvSpPr>
+          <p:cNvPr id="112" name="TextBox 111">
+            <a:extLst>
+              <a:ext uri="{FF2B5EF4-FFF2-40B4-BE49-F238E27FC236}">
+                <a16:creationId xmlns:a16="http://schemas.microsoft.com/office/drawing/2014/main" id="{A3A3626D-5779-4F6C-A1A9-C1A1296ADA7D}"/>
+              </a:ext>
+            </a:extLst>
+          </p:cNvPr>
+          <p:cNvSpPr txBox="1"/>
+          <p:nvPr/>
+        </p:nvSpPr>
+        <p:spPr>
+          <a:xfrm>
+            <a:off x="8666827" y="3305296"/>
+            <a:ext cx="760599" cy="369332"/>
+          </a:xfrm>
+          <a:prstGeom prst="rect">
+            <a:avLst/>
+          </a:prstGeom>
+          <a:noFill/>
+        </p:spPr>
+        <p:txBody>
+          <a:bodyPr wrap="square" rtlCol="0">
+            <a:spAutoFit/>
+          </a:bodyPr>
+          <a:lstStyle/>
+          <a:p>
+            <a:r>
+              <a:rPr lang="en-US" dirty="0"/>
+              <a:t>0,…,9</a:t>
+            </a:r>
+            <a:endParaRPr lang="ru-RU" dirty="0"/>
+          </a:p>
+        </p:txBody>
+      </p:sp>
+      <p:cxnSp>
+        <p:nvCxnSpPr>
+          <p:cNvPr id="113" name="Соединитель: изогнутый 112">
+            <a:extLst>
+              <a:ext uri="{FF2B5EF4-FFF2-40B4-BE49-F238E27FC236}">
+                <a16:creationId xmlns:a16="http://schemas.microsoft.com/office/drawing/2014/main" id="{F0A177B2-D52F-494D-A3CC-50311FEA9EB4}"/>
+              </a:ext>
+            </a:extLst>
+          </p:cNvPr>
+          <p:cNvCxnSpPr>
+            <a:cxnSpLocks/>
+            <a:stCxn id="108" idx="1"/>
+            <a:endCxn id="108" idx="7"/>
+          </p:cNvCxnSpPr>
+          <p:nvPr/>
+        </p:nvCxnSpPr>
+        <p:spPr>
+          <a:xfrm rot="5400000" flipH="1" flipV="1">
+            <a:off x="9989650" y="3222527"/>
+            <a:ext cx="12700" cy="460278"/>
+          </a:xfrm>
+          <a:prstGeom prst="curvedConnector3">
+            <a:avLst>
+              <a:gd name="adj1" fmla="val 2960276"/>
+            </a:avLst>
+          </a:prstGeom>
+          <a:ln>
+            <a:tailEnd type="triangle"/>
+          </a:ln>
+        </p:spPr>
+        <p:style>
+          <a:lnRef idx="1">
+            <a:schemeClr val="dk1"/>
+          </a:lnRef>
+          <a:fillRef idx="0">
+            <a:schemeClr val="dk1"/>
+          </a:fillRef>
+          <a:effectRef idx="0">
+            <a:schemeClr val="dk1"/>
+          </a:effectRef>
+          <a:fontRef idx="minor">
+            <a:schemeClr val="tx1"/>
+          </a:fontRef>
+        </p:style>
+      </p:cxnSp>
+      <p:sp>
+        <p:nvSpPr>
+          <p:cNvPr id="114" name="TextBox 113">
+            <a:extLst>
+              <a:ext uri="{FF2B5EF4-FFF2-40B4-BE49-F238E27FC236}">
+                <a16:creationId xmlns:a16="http://schemas.microsoft.com/office/drawing/2014/main" id="{E3C3735B-60B6-405F-A4DF-158FF9926A21}"/>
+              </a:ext>
+            </a:extLst>
+          </p:cNvPr>
+          <p:cNvSpPr txBox="1"/>
+          <p:nvPr/>
+        </p:nvSpPr>
+        <p:spPr>
+          <a:xfrm>
+            <a:off x="9664184" y="2904890"/>
+            <a:ext cx="760599" cy="369332"/>
+          </a:xfrm>
+          <a:prstGeom prst="rect">
+            <a:avLst/>
+          </a:prstGeom>
+          <a:noFill/>
+        </p:spPr>
+        <p:txBody>
+          <a:bodyPr wrap="square" rtlCol="0">
+            <a:spAutoFit/>
+          </a:bodyPr>
+          <a:lstStyle/>
+          <a:p>
+            <a:r>
+              <a:rPr lang="en-US" dirty="0"/>
+              <a:t>0,…,9</a:t>
+            </a:r>
+            <a:endParaRPr lang="ru-RU" dirty="0"/>
+          </a:p>
+        </p:txBody>
+      </p:sp>
+      <p:sp>
+        <p:nvSpPr>
+          <p:cNvPr id="115" name="Овал 114">
+            <a:extLst>
+              <a:ext uri="{FF2B5EF4-FFF2-40B4-BE49-F238E27FC236}">
+                <a16:creationId xmlns:a16="http://schemas.microsoft.com/office/drawing/2014/main" id="{055471D9-5B2B-423B-9BDE-EC4444D74586}"/>
+              </a:ext>
+            </a:extLst>
+          </p:cNvPr>
+          <p:cNvSpPr/>
+          <p:nvPr/>
+        </p:nvSpPr>
+        <p:spPr>
+          <a:xfrm>
+            <a:off x="9728670" y="3432506"/>
+            <a:ext cx="528757" cy="390297"/>
+          </a:xfrm>
+          <a:prstGeom prst="ellipse">
+            <a:avLst/>
+          </a:prstGeom>
+        </p:spPr>
+        <p:style>
+          <a:lnRef idx="2">
+            <a:schemeClr val="dk1"/>
+          </a:lnRef>
+          <a:fillRef idx="1">
+            <a:schemeClr val="lt1"/>
+          </a:fillRef>
+          <a:effectRef idx="0">
+            <a:schemeClr val="dk1"/>
+          </a:effectRef>
+          <a:fontRef idx="minor">
+            <a:schemeClr val="dk1"/>
+          </a:fontRef>
+        </p:style>
+        <p:txBody>
+          <a:bodyPr rtlCol="0" anchor="ctr"/>
+          <a:lstStyle/>
+          <a:p>
+            <a:pPr algn="ctr"/>
+            <a:r>
+              <a:rPr lang="en-US" dirty="0"/>
+              <a:t>IP</a:t>
+            </a:r>
+            <a:endParaRPr lang="ru-RU" dirty="0"/>
+          </a:p>
+        </p:txBody>
+      </p:sp>
+      <p:sp>
+        <p:nvSpPr>
+          <p:cNvPr id="116" name="Овал 115">
+            <a:extLst>
+              <a:ext uri="{FF2B5EF4-FFF2-40B4-BE49-F238E27FC236}">
+                <a16:creationId xmlns:a16="http://schemas.microsoft.com/office/drawing/2014/main" id="{DDAF317F-7C88-4745-A73F-505A477EC050}"/>
+              </a:ext>
+            </a:extLst>
+          </p:cNvPr>
+          <p:cNvSpPr/>
+          <p:nvPr/>
+        </p:nvSpPr>
+        <p:spPr>
+          <a:xfrm>
+            <a:off x="11029297" y="3451690"/>
+            <a:ext cx="388933" cy="351927"/>
+          </a:xfrm>
+          <a:prstGeom prst="ellipse">
+            <a:avLst/>
+          </a:prstGeom>
+        </p:spPr>
+        <p:style>
+          <a:lnRef idx="2">
+            <a:schemeClr val="dk1"/>
+          </a:lnRef>
+          <a:fillRef idx="1">
+            <a:schemeClr val="lt1"/>
+          </a:fillRef>
+          <a:effectRef idx="0">
+            <a:schemeClr val="dk1"/>
+          </a:effectRef>
+          <a:fontRef idx="minor">
+            <a:schemeClr val="dk1"/>
+          </a:fontRef>
+        </p:style>
+        <p:txBody>
+          <a:bodyPr rtlCol="0" anchor="ctr"/>
+          <a:lstStyle/>
+          <a:p>
+            <a:pPr algn="ctr"/>
+            <a:r>
+              <a:rPr lang="en-US" dirty="0"/>
+              <a:t>C</a:t>
+            </a:r>
+            <a:endParaRPr lang="ru-RU" dirty="0"/>
+          </a:p>
+        </p:txBody>
+      </p:sp>
+      <p:cxnSp>
+        <p:nvCxnSpPr>
+          <p:cNvPr id="117" name="Прямая со стрелкой 116">
+            <a:extLst>
+              <a:ext uri="{FF2B5EF4-FFF2-40B4-BE49-F238E27FC236}">
+                <a16:creationId xmlns:a16="http://schemas.microsoft.com/office/drawing/2014/main" id="{A72B4352-330B-4C52-B369-DD518782857B}"/>
+              </a:ext>
+            </a:extLst>
+          </p:cNvPr>
+          <p:cNvCxnSpPr>
+            <a:cxnSpLocks/>
+            <a:stCxn id="108" idx="6"/>
+            <a:endCxn id="116" idx="2"/>
+          </p:cNvCxnSpPr>
+          <p:nvPr/>
+        </p:nvCxnSpPr>
+        <p:spPr>
+          <a:xfrm>
+            <a:off x="10315116" y="3624451"/>
+            <a:ext cx="714181" cy="3203"/>
+          </a:xfrm>
+          <a:prstGeom prst="straightConnector1">
+            <a:avLst/>
+          </a:prstGeom>
+          <a:ln>
+            <a:tailEnd type="triangle"/>
+          </a:ln>
+        </p:spPr>
+        <p:style>
+          <a:lnRef idx="1">
+            <a:schemeClr val="dk1"/>
+          </a:lnRef>
+          <a:fillRef idx="0">
+            <a:schemeClr val="dk1"/>
+          </a:fillRef>
+          <a:effectRef idx="0">
+            <a:schemeClr val="dk1"/>
+          </a:effectRef>
+          <a:fontRef idx="minor">
+            <a:schemeClr val="tx1"/>
+          </a:fontRef>
+        </p:style>
+      </p:cxnSp>
+      <p:sp>
+        <p:nvSpPr>
+          <p:cNvPr id="127" name="TextBox 126">
+            <a:extLst>
+              <a:ext uri="{FF2B5EF4-FFF2-40B4-BE49-F238E27FC236}">
+                <a16:creationId xmlns:a16="http://schemas.microsoft.com/office/drawing/2014/main" id="{7C659B36-3157-44FE-87BA-9038378D041F}"/>
+              </a:ext>
+            </a:extLst>
+          </p:cNvPr>
+          <p:cNvSpPr txBox="1"/>
+          <p:nvPr/>
+        </p:nvSpPr>
+        <p:spPr>
+          <a:xfrm>
+            <a:off x="10518035" y="3313392"/>
+            <a:ext cx="760599" cy="369332"/>
+          </a:xfrm>
+          <a:prstGeom prst="rect">
+            <a:avLst/>
+          </a:prstGeom>
+          <a:noFill/>
+        </p:spPr>
+        <p:txBody>
+          <a:bodyPr wrap="square" rtlCol="0">
+            <a:spAutoFit/>
+          </a:bodyPr>
+          <a:lstStyle/>
+          <a:p>
+            <a:r>
+              <a:rPr lang="en-US" dirty="0"/>
+              <a:t>.</a:t>
+            </a:r>
+            <a:endParaRPr lang="ru-RU" dirty="0"/>
+          </a:p>
+        </p:txBody>
+      </p:sp>
+      <p:sp>
+        <p:nvSpPr>
+          <p:cNvPr id="131" name="Овал 130">
+            <a:extLst>
+              <a:ext uri="{FF2B5EF4-FFF2-40B4-BE49-F238E27FC236}">
+                <a16:creationId xmlns:a16="http://schemas.microsoft.com/office/drawing/2014/main" id="{FC4EDD85-514B-4CC3-B8FF-A53418C7A9E9}"/>
+              </a:ext>
+            </a:extLst>
+          </p:cNvPr>
+          <p:cNvSpPr/>
+          <p:nvPr/>
+        </p:nvSpPr>
+        <p:spPr>
+          <a:xfrm>
+            <a:off x="2908490" y="5495063"/>
+            <a:ext cx="388933" cy="351927"/>
+          </a:xfrm>
+          <a:prstGeom prst="ellipse">
+            <a:avLst/>
+          </a:prstGeom>
+        </p:spPr>
+        <p:style>
+          <a:lnRef idx="2">
+            <a:schemeClr val="dk1"/>
+          </a:lnRef>
+          <a:fillRef idx="1">
+            <a:schemeClr val="lt1"/>
+          </a:fillRef>
+          <a:effectRef idx="0">
+            <a:schemeClr val="dk1"/>
+          </a:effectRef>
+          <a:fontRef idx="minor">
+            <a:schemeClr val="dk1"/>
+          </a:fontRef>
+        </p:style>
+        <p:txBody>
+          <a:bodyPr rtlCol="0" anchor="ctr"/>
+          <a:lstStyle/>
+          <a:p>
+            <a:pPr algn="ctr"/>
+            <a:r>
+              <a:rPr lang="en-US" dirty="0"/>
+              <a:t>A</a:t>
+            </a:r>
+            <a:endParaRPr lang="ru-RU" dirty="0"/>
+          </a:p>
+        </p:txBody>
+      </p:sp>
+      <p:cxnSp>
+        <p:nvCxnSpPr>
+          <p:cNvPr id="132" name="Прямая со стрелкой 131">
+            <a:extLst>
+              <a:ext uri="{FF2B5EF4-FFF2-40B4-BE49-F238E27FC236}">
+                <a16:creationId xmlns:a16="http://schemas.microsoft.com/office/drawing/2014/main" id="{58B05B96-1D42-4E85-BF4A-10FDCA6E8C0D}"/>
+              </a:ext>
+            </a:extLst>
+          </p:cNvPr>
+          <p:cNvCxnSpPr>
+            <a:cxnSpLocks/>
+            <a:endCxn id="131" idx="2"/>
+          </p:cNvCxnSpPr>
+          <p:nvPr/>
+        </p:nvCxnSpPr>
+        <p:spPr>
+          <a:xfrm>
+            <a:off x="2560121" y="5671027"/>
+            <a:ext cx="348369" cy="0"/>
+          </a:xfrm>
+          <a:prstGeom prst="straightConnector1">
+            <a:avLst/>
+          </a:prstGeom>
+          <a:ln>
+            <a:tailEnd type="triangle"/>
+          </a:ln>
+        </p:spPr>
+        <p:style>
+          <a:lnRef idx="1">
+            <a:schemeClr val="dk1"/>
+          </a:lnRef>
+          <a:fillRef idx="0">
+            <a:schemeClr val="dk1"/>
+          </a:fillRef>
+          <a:effectRef idx="0">
+            <a:schemeClr val="dk1"/>
+          </a:effectRef>
+          <a:fontRef idx="minor">
+            <a:schemeClr val="tx1"/>
+          </a:fontRef>
+        </p:style>
+      </p:cxnSp>
+      <p:cxnSp>
+        <p:nvCxnSpPr>
+          <p:cNvPr id="133" name="Прямая со стрелкой 132">
+            <a:extLst>
+              <a:ext uri="{FF2B5EF4-FFF2-40B4-BE49-F238E27FC236}">
+                <a16:creationId xmlns:a16="http://schemas.microsoft.com/office/drawing/2014/main" id="{41474624-D4CD-4AA6-97D6-600D1F8460F7}"/>
+              </a:ext>
+            </a:extLst>
+          </p:cNvPr>
+          <p:cNvCxnSpPr>
+            <a:cxnSpLocks/>
+            <a:stCxn id="131" idx="5"/>
+            <a:endCxn id="135" idx="1"/>
+          </p:cNvCxnSpPr>
+          <p:nvPr/>
+        </p:nvCxnSpPr>
+        <p:spPr>
+          <a:xfrm>
+            <a:off x="3240465" y="5795451"/>
+            <a:ext cx="348273" cy="514840"/>
+          </a:xfrm>
+          <a:prstGeom prst="straightConnector1">
+            <a:avLst/>
+          </a:prstGeom>
+          <a:ln>
+            <a:tailEnd type="triangle"/>
+          </a:ln>
+        </p:spPr>
+        <p:style>
+          <a:lnRef idx="1">
+            <a:schemeClr val="dk1"/>
+          </a:lnRef>
+          <a:fillRef idx="0">
+            <a:schemeClr val="dk1"/>
+          </a:fillRef>
+          <a:effectRef idx="0">
+            <a:schemeClr val="dk1"/>
+          </a:effectRef>
+          <a:fontRef idx="minor">
+            <a:schemeClr val="tx1"/>
+          </a:fontRef>
+        </p:style>
+      </p:cxnSp>
+      <p:sp>
+        <p:nvSpPr>
+          <p:cNvPr id="134" name="TextBox 133">
+            <a:extLst>
+              <a:ext uri="{FF2B5EF4-FFF2-40B4-BE49-F238E27FC236}">
+                <a16:creationId xmlns:a16="http://schemas.microsoft.com/office/drawing/2014/main" id="{05B9DF03-6239-46A4-B5B7-BBCA083F4349}"/>
+              </a:ext>
+            </a:extLst>
+          </p:cNvPr>
+          <p:cNvSpPr txBox="1"/>
+          <p:nvPr/>
+        </p:nvSpPr>
+        <p:spPr>
+          <a:xfrm>
+            <a:off x="3285394" y="5731616"/>
+            <a:ext cx="535201" cy="369332"/>
+          </a:xfrm>
+          <a:prstGeom prst="rect">
+            <a:avLst/>
+          </a:prstGeom>
+          <a:noFill/>
+        </p:spPr>
+        <p:txBody>
+          <a:bodyPr wrap="square" rtlCol="0">
+            <a:spAutoFit/>
+          </a:bodyPr>
+          <a:lstStyle/>
+          <a:p>
+            <a:r>
+              <a:rPr lang="en-US" dirty="0"/>
+              <a:t>+, -</a:t>
+            </a:r>
+            <a:endParaRPr lang="ru-RU" dirty="0"/>
+          </a:p>
+        </p:txBody>
+      </p:sp>
+      <p:sp>
+        <p:nvSpPr>
+          <p:cNvPr id="135" name="Овал 134">
+            <a:extLst>
+              <a:ext uri="{FF2B5EF4-FFF2-40B4-BE49-F238E27FC236}">
+                <a16:creationId xmlns:a16="http://schemas.microsoft.com/office/drawing/2014/main" id="{6B761829-6B0C-4BE0-9A8F-D6978215D2FE}"/>
+              </a:ext>
+            </a:extLst>
+          </p:cNvPr>
+          <p:cNvSpPr/>
+          <p:nvPr/>
+        </p:nvSpPr>
+        <p:spPr>
+          <a:xfrm>
+            <a:off x="3477351" y="6228473"/>
+            <a:ext cx="760599" cy="558688"/>
+          </a:xfrm>
+          <a:prstGeom prst="ellipse">
+            <a:avLst/>
+          </a:prstGeom>
+        </p:spPr>
+        <p:style>
+          <a:lnRef idx="2">
+            <a:schemeClr val="dk1"/>
+          </a:lnRef>
+          <a:fillRef idx="1">
+            <a:schemeClr val="lt1"/>
+          </a:fillRef>
+          <a:effectRef idx="0">
+            <a:schemeClr val="dk1"/>
+          </a:effectRef>
+          <a:fontRef idx="minor">
+            <a:schemeClr val="dk1"/>
+          </a:fontRef>
+        </p:style>
+        <p:txBody>
+          <a:bodyPr rtlCol="0" anchor="ctr"/>
+          <a:lstStyle/>
+          <a:p>
+            <a:pPr algn="ctr"/>
+            <a:r>
+              <a:rPr lang="en-US" dirty="0"/>
+              <a:t>PM</a:t>
+            </a:r>
+            <a:endParaRPr lang="ru-RU" dirty="0"/>
+          </a:p>
+        </p:txBody>
+      </p:sp>
+      <p:sp>
+        <p:nvSpPr>
+          <p:cNvPr id="136" name="Овал 135">
+            <a:extLst>
+              <a:ext uri="{FF2B5EF4-FFF2-40B4-BE49-F238E27FC236}">
+                <a16:creationId xmlns:a16="http://schemas.microsoft.com/office/drawing/2014/main" id="{459DDC94-258F-462A-BBB2-88CD0A5BDEAE}"/>
+              </a:ext>
+            </a:extLst>
+          </p:cNvPr>
+          <p:cNvSpPr/>
+          <p:nvPr/>
+        </p:nvSpPr>
+        <p:spPr>
+          <a:xfrm>
+            <a:off x="4289463" y="5430403"/>
+            <a:ext cx="650932" cy="485879"/>
+          </a:xfrm>
+          <a:prstGeom prst="ellipse">
+            <a:avLst/>
+          </a:prstGeom>
+        </p:spPr>
+        <p:style>
+          <a:lnRef idx="2">
+            <a:schemeClr val="dk1"/>
+          </a:lnRef>
+          <a:fillRef idx="1">
+            <a:schemeClr val="lt1"/>
+          </a:fillRef>
+          <a:effectRef idx="0">
+            <a:schemeClr val="dk1"/>
+          </a:effectRef>
+          <a:fontRef idx="minor">
+            <a:schemeClr val="dk1"/>
+          </a:fontRef>
+        </p:style>
+        <p:txBody>
+          <a:bodyPr rtlCol="0" anchor="ctr"/>
+          <a:lstStyle/>
+          <a:p>
+            <a:pPr algn="ctr"/>
+            <a:r>
+              <a:rPr lang="en-US" dirty="0"/>
+              <a:t>IP</a:t>
+            </a:r>
+            <a:endParaRPr lang="ru-RU" dirty="0"/>
+          </a:p>
+        </p:txBody>
+      </p:sp>
+      <p:cxnSp>
+        <p:nvCxnSpPr>
+          <p:cNvPr id="137" name="Прямая со стрелкой 136">
+            <a:extLst>
+              <a:ext uri="{FF2B5EF4-FFF2-40B4-BE49-F238E27FC236}">
+                <a16:creationId xmlns:a16="http://schemas.microsoft.com/office/drawing/2014/main" id="{1C34AD8A-E9C3-46ED-8735-3D79B0D41356}"/>
+              </a:ext>
+            </a:extLst>
+          </p:cNvPr>
+          <p:cNvCxnSpPr>
+            <a:cxnSpLocks/>
+            <a:stCxn id="135" idx="7"/>
+            <a:endCxn id="136" idx="3"/>
+          </p:cNvCxnSpPr>
+          <p:nvPr/>
+        </p:nvCxnSpPr>
+        <p:spPr>
+          <a:xfrm flipV="1">
+            <a:off x="4126563" y="5845127"/>
+            <a:ext cx="258227" cy="465164"/>
+          </a:xfrm>
+          <a:prstGeom prst="straightConnector1">
+            <a:avLst/>
+          </a:prstGeom>
+          <a:ln>
+            <a:tailEnd type="triangle"/>
+          </a:ln>
+        </p:spPr>
+        <p:style>
+          <a:lnRef idx="1">
+            <a:schemeClr val="dk1"/>
+          </a:lnRef>
+          <a:fillRef idx="0">
+            <a:schemeClr val="dk1"/>
+          </a:fillRef>
+          <a:effectRef idx="0">
+            <a:schemeClr val="dk1"/>
+          </a:effectRef>
+          <a:fontRef idx="minor">
+            <a:schemeClr val="tx1"/>
+          </a:fontRef>
+        </p:style>
+      </p:cxnSp>
+      <p:sp>
+        <p:nvSpPr>
+          <p:cNvPr id="138" name="TextBox 137">
+            <a:extLst>
+              <a:ext uri="{FF2B5EF4-FFF2-40B4-BE49-F238E27FC236}">
+                <a16:creationId xmlns:a16="http://schemas.microsoft.com/office/drawing/2014/main" id="{07B31E8D-BD01-47C9-A06F-F119D70A7CC9}"/>
+              </a:ext>
+            </a:extLst>
+          </p:cNvPr>
+          <p:cNvSpPr txBox="1"/>
+          <p:nvPr/>
+        </p:nvSpPr>
+        <p:spPr>
+          <a:xfrm>
+            <a:off x="4151879" y="5967277"/>
+            <a:ext cx="760599" cy="369332"/>
+          </a:xfrm>
+          <a:prstGeom prst="rect">
+            <a:avLst/>
+          </a:prstGeom>
+          <a:noFill/>
+        </p:spPr>
+        <p:txBody>
+          <a:bodyPr wrap="square" rtlCol="0">
+            <a:spAutoFit/>
+          </a:bodyPr>
+          <a:lstStyle/>
+          <a:p>
+            <a:r>
+              <a:rPr lang="en-US" dirty="0"/>
+              <a:t>0,…,9</a:t>
+            </a:r>
+            <a:endParaRPr lang="ru-RU" dirty="0"/>
+          </a:p>
+        </p:txBody>
+      </p:sp>
+      <p:cxnSp>
+        <p:nvCxnSpPr>
+          <p:cNvPr id="139" name="Прямая со стрелкой 138">
+            <a:extLst>
+              <a:ext uri="{FF2B5EF4-FFF2-40B4-BE49-F238E27FC236}">
+                <a16:creationId xmlns:a16="http://schemas.microsoft.com/office/drawing/2014/main" id="{F181542D-9722-493D-8944-0BF53BF4F4D0}"/>
+              </a:ext>
+            </a:extLst>
+          </p:cNvPr>
+          <p:cNvCxnSpPr>
+            <a:cxnSpLocks/>
+            <a:stCxn id="131" idx="6"/>
+            <a:endCxn id="136" idx="2"/>
+          </p:cNvCxnSpPr>
+          <p:nvPr/>
+        </p:nvCxnSpPr>
+        <p:spPr>
+          <a:xfrm>
+            <a:off x="3297423" y="5671027"/>
+            <a:ext cx="992040" cy="2316"/>
+          </a:xfrm>
+          <a:prstGeom prst="straightConnector1">
+            <a:avLst/>
+          </a:prstGeom>
+          <a:ln>
+            <a:tailEnd type="triangle"/>
+          </a:ln>
+        </p:spPr>
+        <p:style>
+          <a:lnRef idx="1">
+            <a:schemeClr val="dk1"/>
+          </a:lnRef>
+          <a:fillRef idx="0">
+            <a:schemeClr val="dk1"/>
+          </a:fillRef>
+          <a:effectRef idx="0">
+            <a:schemeClr val="dk1"/>
+          </a:effectRef>
+          <a:fontRef idx="minor">
+            <a:schemeClr val="tx1"/>
+          </a:fontRef>
+        </p:style>
+      </p:cxnSp>
+      <p:sp>
+        <p:nvSpPr>
+          <p:cNvPr id="140" name="TextBox 139">
+            <a:extLst>
+              <a:ext uri="{FF2B5EF4-FFF2-40B4-BE49-F238E27FC236}">
+                <a16:creationId xmlns:a16="http://schemas.microsoft.com/office/drawing/2014/main" id="{1026789B-F0DF-4A10-8A27-40FF8E37E1FA}"/>
+              </a:ext>
+            </a:extLst>
+          </p:cNvPr>
+          <p:cNvSpPr txBox="1"/>
+          <p:nvPr/>
+        </p:nvSpPr>
+        <p:spPr>
+          <a:xfrm>
+            <a:off x="3435751" y="5339588"/>
+            <a:ext cx="760599" cy="369332"/>
+          </a:xfrm>
+          <a:prstGeom prst="rect">
+            <a:avLst/>
+          </a:prstGeom>
+          <a:noFill/>
+        </p:spPr>
+        <p:txBody>
+          <a:bodyPr wrap="square" rtlCol="0">
+            <a:spAutoFit/>
+          </a:bodyPr>
+          <a:lstStyle/>
+          <a:p>
+            <a:r>
+              <a:rPr lang="en-US" dirty="0"/>
+              <a:t>0,…,9</a:t>
+            </a:r>
+            <a:endParaRPr lang="ru-RU" dirty="0"/>
+          </a:p>
+        </p:txBody>
+      </p:sp>
+      <p:sp>
+        <p:nvSpPr>
+          <p:cNvPr id="141" name="TextBox 140">
+            <a:extLst>
+              <a:ext uri="{FF2B5EF4-FFF2-40B4-BE49-F238E27FC236}">
+                <a16:creationId xmlns:a16="http://schemas.microsoft.com/office/drawing/2014/main" id="{B2C40F88-D9ED-4F0A-9F21-9D9ADF040ADE}"/>
+              </a:ext>
+            </a:extLst>
+          </p:cNvPr>
+          <p:cNvSpPr txBox="1"/>
+          <p:nvPr/>
+        </p:nvSpPr>
+        <p:spPr>
+          <a:xfrm>
+            <a:off x="4286310" y="5032896"/>
+            <a:ext cx="760599" cy="369332"/>
+          </a:xfrm>
+          <a:prstGeom prst="rect">
+            <a:avLst/>
+          </a:prstGeom>
+          <a:noFill/>
+        </p:spPr>
+        <p:txBody>
+          <a:bodyPr wrap="square" rtlCol="0">
+            <a:spAutoFit/>
+          </a:bodyPr>
+          <a:lstStyle/>
+          <a:p>
+            <a:r>
+              <a:rPr lang="en-US" dirty="0"/>
+              <a:t>0,…,9</a:t>
+            </a:r>
+            <a:endParaRPr lang="ru-RU" dirty="0"/>
+          </a:p>
+        </p:txBody>
+      </p:sp>
+      <p:sp>
+        <p:nvSpPr>
+          <p:cNvPr id="142" name="Овал 141">
+            <a:extLst>
+              <a:ext uri="{FF2B5EF4-FFF2-40B4-BE49-F238E27FC236}">
+                <a16:creationId xmlns:a16="http://schemas.microsoft.com/office/drawing/2014/main" id="{E8ECF14C-AA81-459B-AC89-2E673F777CE5}"/>
+              </a:ext>
+            </a:extLst>
+          </p:cNvPr>
+          <p:cNvSpPr/>
+          <p:nvPr/>
+        </p:nvSpPr>
+        <p:spPr>
+          <a:xfrm>
+            <a:off x="4353949" y="5481398"/>
+            <a:ext cx="528757" cy="390297"/>
+          </a:xfrm>
+          <a:prstGeom prst="ellipse">
+            <a:avLst/>
+          </a:prstGeom>
+        </p:spPr>
+        <p:style>
+          <a:lnRef idx="2">
+            <a:schemeClr val="dk1"/>
+          </a:lnRef>
+          <a:fillRef idx="1">
+            <a:schemeClr val="lt1"/>
+          </a:fillRef>
+          <a:effectRef idx="0">
+            <a:schemeClr val="dk1"/>
+          </a:effectRef>
+          <a:fontRef idx="minor">
+            <a:schemeClr val="dk1"/>
+          </a:fontRef>
+        </p:style>
+        <p:txBody>
+          <a:bodyPr rtlCol="0" anchor="ctr"/>
+          <a:lstStyle/>
+          <a:p>
+            <a:pPr algn="ctr"/>
+            <a:r>
+              <a:rPr lang="en-US" dirty="0"/>
+              <a:t>IP</a:t>
+            </a:r>
+            <a:endParaRPr lang="ru-RU" dirty="0"/>
+          </a:p>
+        </p:txBody>
+      </p:sp>
+      <p:sp>
+        <p:nvSpPr>
+          <p:cNvPr id="143" name="Овал 142">
+            <a:extLst>
+              <a:ext uri="{FF2B5EF4-FFF2-40B4-BE49-F238E27FC236}">
+                <a16:creationId xmlns:a16="http://schemas.microsoft.com/office/drawing/2014/main" id="{A2D823A6-340E-4145-8994-78D8E2C36B1F}"/>
+              </a:ext>
+            </a:extLst>
+          </p:cNvPr>
+          <p:cNvSpPr/>
+          <p:nvPr/>
+        </p:nvSpPr>
+        <p:spPr>
+          <a:xfrm>
+            <a:off x="5332001" y="5497009"/>
+            <a:ext cx="388933" cy="351927"/>
+          </a:xfrm>
+          <a:prstGeom prst="ellipse">
+            <a:avLst/>
+          </a:prstGeom>
+        </p:spPr>
+        <p:style>
+          <a:lnRef idx="2">
+            <a:schemeClr val="dk1"/>
+          </a:lnRef>
+          <a:fillRef idx="1">
+            <a:schemeClr val="lt1"/>
+          </a:fillRef>
+          <a:effectRef idx="0">
+            <a:schemeClr val="dk1"/>
+          </a:effectRef>
+          <a:fontRef idx="minor">
+            <a:schemeClr val="dk1"/>
+          </a:fontRef>
+        </p:style>
+        <p:txBody>
+          <a:bodyPr rtlCol="0" anchor="ctr"/>
+          <a:lstStyle/>
+          <a:p>
+            <a:pPr algn="ctr"/>
+            <a:r>
+              <a:rPr lang="en-US" dirty="0"/>
+              <a:t>C</a:t>
+            </a:r>
+            <a:endParaRPr lang="ru-RU" dirty="0"/>
+          </a:p>
+        </p:txBody>
+      </p:sp>
+      <p:cxnSp>
+        <p:nvCxnSpPr>
+          <p:cNvPr id="144" name="Прямая со стрелкой 143">
+            <a:extLst>
+              <a:ext uri="{FF2B5EF4-FFF2-40B4-BE49-F238E27FC236}">
+                <a16:creationId xmlns:a16="http://schemas.microsoft.com/office/drawing/2014/main" id="{94970D34-D8F5-4840-839E-62B2BFE9D23A}"/>
+              </a:ext>
+            </a:extLst>
+          </p:cNvPr>
+          <p:cNvCxnSpPr>
+            <a:cxnSpLocks/>
+            <a:stCxn id="136" idx="6"/>
+            <a:endCxn id="143" idx="2"/>
+          </p:cNvCxnSpPr>
+          <p:nvPr/>
+        </p:nvCxnSpPr>
+        <p:spPr>
+          <a:xfrm flipV="1">
+            <a:off x="4940395" y="5672973"/>
+            <a:ext cx="391606" cy="370"/>
+          </a:xfrm>
+          <a:prstGeom prst="straightConnector1">
+            <a:avLst/>
+          </a:prstGeom>
+          <a:ln>
+            <a:tailEnd type="triangle"/>
+          </a:ln>
+        </p:spPr>
+        <p:style>
+          <a:lnRef idx="1">
+            <a:schemeClr val="dk1"/>
+          </a:lnRef>
+          <a:fillRef idx="0">
+            <a:schemeClr val="dk1"/>
+          </a:fillRef>
+          <a:effectRef idx="0">
+            <a:schemeClr val="dk1"/>
+          </a:effectRef>
+          <a:fontRef idx="minor">
+            <a:schemeClr val="tx1"/>
+          </a:fontRef>
+        </p:style>
+      </p:cxnSp>
+      <p:sp>
+        <p:nvSpPr>
+          <p:cNvPr id="145" name="TextBox 144">
+            <a:extLst>
+              <a:ext uri="{FF2B5EF4-FFF2-40B4-BE49-F238E27FC236}">
+                <a16:creationId xmlns:a16="http://schemas.microsoft.com/office/drawing/2014/main" id="{B5EA9C38-0C9F-459D-BCD9-BD614F13ACA7}"/>
+              </a:ext>
+            </a:extLst>
+          </p:cNvPr>
+          <p:cNvSpPr txBox="1"/>
+          <p:nvPr/>
+        </p:nvSpPr>
+        <p:spPr>
+          <a:xfrm>
+            <a:off x="5012935" y="5362284"/>
+            <a:ext cx="252028" cy="369332"/>
+          </a:xfrm>
+          <a:prstGeom prst="rect">
+            <a:avLst/>
+          </a:prstGeom>
+          <a:noFill/>
+        </p:spPr>
+        <p:txBody>
+          <a:bodyPr wrap="square" rtlCol="0">
+            <a:spAutoFit/>
+          </a:bodyPr>
+          <a:lstStyle/>
+          <a:p>
+            <a:r>
+              <a:rPr lang="en-US" dirty="0"/>
+              <a:t>.</a:t>
+            </a:r>
+            <a:endParaRPr lang="ru-RU" dirty="0"/>
+          </a:p>
+        </p:txBody>
+      </p:sp>
+      <p:cxnSp>
+        <p:nvCxnSpPr>
+          <p:cNvPr id="146" name="Соединитель: изогнутый 145">
+            <a:extLst>
+              <a:ext uri="{FF2B5EF4-FFF2-40B4-BE49-F238E27FC236}">
+                <a16:creationId xmlns:a16="http://schemas.microsoft.com/office/drawing/2014/main" id="{00226652-1418-4F93-965A-D7EB9AAF6632}"/>
+              </a:ext>
+            </a:extLst>
+          </p:cNvPr>
+          <p:cNvCxnSpPr>
+            <a:cxnSpLocks/>
+            <a:stCxn id="136" idx="1"/>
+            <a:endCxn id="136" idx="7"/>
+          </p:cNvCxnSpPr>
+          <p:nvPr/>
+        </p:nvCxnSpPr>
+        <p:spPr>
+          <a:xfrm rot="5400000" flipH="1" flipV="1">
+            <a:off x="4614929" y="5271419"/>
+            <a:ext cx="12700" cy="460278"/>
+          </a:xfrm>
+          <a:prstGeom prst="curvedConnector3">
+            <a:avLst>
+              <a:gd name="adj1" fmla="val 2360276"/>
+            </a:avLst>
+          </a:prstGeom>
+          <a:ln>
+            <a:tailEnd type="triangle"/>
+          </a:ln>
+        </p:spPr>
+        <p:style>
+          <a:lnRef idx="1">
+            <a:schemeClr val="dk1"/>
+          </a:lnRef>
+          <a:fillRef idx="0">
+            <a:schemeClr val="dk1"/>
+          </a:fillRef>
+          <a:effectRef idx="0">
+            <a:schemeClr val="dk1"/>
+          </a:effectRef>
+          <a:fontRef idx="minor">
+            <a:schemeClr val="tx1"/>
+          </a:fontRef>
+        </p:style>
+      </p:cxnSp>
+      <p:sp>
+        <p:nvSpPr>
+          <p:cNvPr id="157" name="Овал 156">
+            <a:extLst>
+              <a:ext uri="{FF2B5EF4-FFF2-40B4-BE49-F238E27FC236}">
+                <a16:creationId xmlns:a16="http://schemas.microsoft.com/office/drawing/2014/main" id="{E40DD453-B089-481C-A637-2A7C69C82429}"/>
+              </a:ext>
+            </a:extLst>
+          </p:cNvPr>
+          <p:cNvSpPr/>
+          <p:nvPr/>
+        </p:nvSpPr>
+        <p:spPr>
+          <a:xfrm>
+            <a:off x="6478073" y="5424675"/>
+            <a:ext cx="714488" cy="485879"/>
+          </a:xfrm>
+          <a:prstGeom prst="ellipse">
+            <a:avLst/>
+          </a:prstGeom>
+        </p:spPr>
+        <p:style>
+          <a:lnRef idx="2">
+            <a:schemeClr val="dk1"/>
+          </a:lnRef>
+          <a:fillRef idx="1">
+            <a:schemeClr val="lt1"/>
+          </a:fillRef>
+          <a:effectRef idx="0">
+            <a:schemeClr val="dk1"/>
+          </a:effectRef>
+          <a:fontRef idx="minor">
+            <a:schemeClr val="dk1"/>
+          </a:fontRef>
+        </p:style>
+        <p:txBody>
+          <a:bodyPr rtlCol="0" anchor="ctr"/>
+          <a:lstStyle/>
+          <a:p>
+            <a:pPr algn="ctr"/>
+            <a:r>
+              <a:rPr lang="en-US" dirty="0"/>
+              <a:t>FP</a:t>
+            </a:r>
+            <a:endParaRPr lang="ru-RU" dirty="0"/>
+          </a:p>
+        </p:txBody>
+      </p:sp>
+      <p:cxnSp>
+        <p:nvCxnSpPr>
+          <p:cNvPr id="158" name="Прямая со стрелкой 157">
+            <a:extLst>
+              <a:ext uri="{FF2B5EF4-FFF2-40B4-BE49-F238E27FC236}">
+                <a16:creationId xmlns:a16="http://schemas.microsoft.com/office/drawing/2014/main" id="{E74946E4-2679-4CA5-811E-AA9DCEF82D04}"/>
+              </a:ext>
+            </a:extLst>
+          </p:cNvPr>
+          <p:cNvCxnSpPr>
+            <a:cxnSpLocks/>
+            <a:stCxn id="143" idx="6"/>
+            <a:endCxn id="157" idx="2"/>
+          </p:cNvCxnSpPr>
+          <p:nvPr/>
+        </p:nvCxnSpPr>
+        <p:spPr>
+          <a:xfrm flipV="1">
+            <a:off x="5720934" y="5667615"/>
+            <a:ext cx="757139" cy="5358"/>
+          </a:xfrm>
+          <a:prstGeom prst="straightConnector1">
+            <a:avLst/>
+          </a:prstGeom>
+          <a:ln>
+            <a:tailEnd type="triangle"/>
+          </a:ln>
+        </p:spPr>
+        <p:style>
+          <a:lnRef idx="1">
+            <a:schemeClr val="dk1"/>
+          </a:lnRef>
+          <a:fillRef idx="0">
+            <a:schemeClr val="dk1"/>
+          </a:fillRef>
+          <a:effectRef idx="0">
+            <a:schemeClr val="dk1"/>
+          </a:effectRef>
+          <a:fontRef idx="minor">
+            <a:schemeClr val="tx1"/>
+          </a:fontRef>
+        </p:style>
+      </p:cxnSp>
+      <p:sp>
+        <p:nvSpPr>
+          <p:cNvPr id="163" name="Овал 162">
+            <a:extLst>
+              <a:ext uri="{FF2B5EF4-FFF2-40B4-BE49-F238E27FC236}">
+                <a16:creationId xmlns:a16="http://schemas.microsoft.com/office/drawing/2014/main" id="{9AE89516-494A-4EF9-A7F7-10FB80FD4164}"/>
+              </a:ext>
+            </a:extLst>
+          </p:cNvPr>
+          <p:cNvSpPr/>
+          <p:nvPr/>
+        </p:nvSpPr>
+        <p:spPr>
+          <a:xfrm>
+            <a:off x="6528271" y="5471082"/>
+            <a:ext cx="608199" cy="388543"/>
+          </a:xfrm>
+          <a:prstGeom prst="ellipse">
+            <a:avLst/>
+          </a:prstGeom>
+        </p:spPr>
+        <p:style>
+          <a:lnRef idx="2">
+            <a:schemeClr val="dk1"/>
+          </a:lnRef>
+          <a:fillRef idx="1">
+            <a:schemeClr val="lt1"/>
+          </a:fillRef>
+          <a:effectRef idx="0">
+            <a:schemeClr val="dk1"/>
+          </a:effectRef>
+          <a:fontRef idx="minor">
+            <a:schemeClr val="dk1"/>
+          </a:fontRef>
+        </p:style>
+        <p:txBody>
+          <a:bodyPr rtlCol="0" anchor="ctr"/>
+          <a:lstStyle/>
+          <a:p>
+            <a:pPr algn="ctr"/>
+            <a:r>
+              <a:rPr lang="en-US" dirty="0"/>
+              <a:t>FP</a:t>
+            </a:r>
+            <a:endParaRPr lang="ru-RU" dirty="0"/>
+          </a:p>
+        </p:txBody>
+      </p:sp>
+      <p:sp>
+        <p:nvSpPr>
+          <p:cNvPr id="172" name="TextBox 171">
+            <a:extLst>
+              <a:ext uri="{FF2B5EF4-FFF2-40B4-BE49-F238E27FC236}">
+                <a16:creationId xmlns:a16="http://schemas.microsoft.com/office/drawing/2014/main" id="{31617621-3309-446D-A606-506E927A0EDB}"/>
+              </a:ext>
+            </a:extLst>
+          </p:cNvPr>
+          <p:cNvSpPr txBox="1"/>
+          <p:nvPr/>
+        </p:nvSpPr>
+        <p:spPr>
+          <a:xfrm>
+            <a:off x="5719204" y="5353675"/>
+            <a:ext cx="760599" cy="369332"/>
+          </a:xfrm>
+          <a:prstGeom prst="rect">
+            <a:avLst/>
+          </a:prstGeom>
+          <a:noFill/>
+        </p:spPr>
+        <p:txBody>
+          <a:bodyPr wrap="square" rtlCol="0">
+            <a:spAutoFit/>
+          </a:bodyPr>
+          <a:lstStyle/>
+          <a:p>
+            <a:r>
+              <a:rPr lang="en-US" dirty="0"/>
+              <a:t>0,…,9</a:t>
+            </a:r>
+            <a:endParaRPr lang="ru-RU" dirty="0"/>
+          </a:p>
+        </p:txBody>
+      </p:sp>
+      <p:sp>
+        <p:nvSpPr>
+          <p:cNvPr id="173" name="Овал 172">
+            <a:extLst>
+              <a:ext uri="{FF2B5EF4-FFF2-40B4-BE49-F238E27FC236}">
+                <a16:creationId xmlns:a16="http://schemas.microsoft.com/office/drawing/2014/main" id="{E1816350-E181-4091-8E42-85FB1578373D}"/>
+              </a:ext>
+            </a:extLst>
+          </p:cNvPr>
+          <p:cNvSpPr/>
+          <p:nvPr/>
+        </p:nvSpPr>
+        <p:spPr>
+          <a:xfrm>
+            <a:off x="7683507" y="5659278"/>
+            <a:ext cx="388933" cy="351927"/>
+          </a:xfrm>
+          <a:prstGeom prst="ellipse">
+            <a:avLst/>
+          </a:prstGeom>
+        </p:spPr>
+        <p:style>
+          <a:lnRef idx="2">
+            <a:schemeClr val="dk1"/>
+          </a:lnRef>
+          <a:fillRef idx="1">
+            <a:schemeClr val="lt1"/>
+          </a:fillRef>
+          <a:effectRef idx="0">
+            <a:schemeClr val="dk1"/>
+          </a:effectRef>
+          <a:fontRef idx="minor">
+            <a:schemeClr val="dk1"/>
+          </a:fontRef>
+        </p:style>
+        <p:txBody>
+          <a:bodyPr rtlCol="0" anchor="ctr"/>
+          <a:lstStyle/>
+          <a:p>
+            <a:pPr algn="ctr"/>
+            <a:r>
+              <a:rPr lang="en-US" dirty="0"/>
+              <a:t>A</a:t>
+            </a:r>
+            <a:endParaRPr lang="ru-RU" dirty="0"/>
+          </a:p>
+        </p:txBody>
+      </p:sp>
+      <p:cxnSp>
+        <p:nvCxnSpPr>
+          <p:cNvPr id="174" name="Прямая со стрелкой 173">
+            <a:extLst>
+              <a:ext uri="{FF2B5EF4-FFF2-40B4-BE49-F238E27FC236}">
+                <a16:creationId xmlns:a16="http://schemas.microsoft.com/office/drawing/2014/main" id="{0A649626-F44F-4942-97B3-49DEF536A68B}"/>
+              </a:ext>
+            </a:extLst>
+          </p:cNvPr>
+          <p:cNvCxnSpPr>
+            <a:cxnSpLocks/>
+            <a:endCxn id="173" idx="2"/>
+          </p:cNvCxnSpPr>
+          <p:nvPr/>
+        </p:nvCxnSpPr>
+        <p:spPr>
+          <a:xfrm>
+            <a:off x="7335138" y="5835242"/>
+            <a:ext cx="348369" cy="0"/>
+          </a:xfrm>
+          <a:prstGeom prst="straightConnector1">
+            <a:avLst/>
+          </a:prstGeom>
+          <a:ln>
+            <a:tailEnd type="triangle"/>
+          </a:ln>
+        </p:spPr>
+        <p:style>
+          <a:lnRef idx="1">
+            <a:schemeClr val="dk1"/>
+          </a:lnRef>
+          <a:fillRef idx="0">
+            <a:schemeClr val="dk1"/>
+          </a:fillRef>
+          <a:effectRef idx="0">
+            <a:schemeClr val="dk1"/>
+          </a:effectRef>
+          <a:fontRef idx="minor">
+            <a:schemeClr val="tx1"/>
+          </a:fontRef>
+        </p:style>
+      </p:cxnSp>
+      <p:cxnSp>
+        <p:nvCxnSpPr>
+          <p:cNvPr id="175" name="Прямая со стрелкой 174">
+            <a:extLst>
+              <a:ext uri="{FF2B5EF4-FFF2-40B4-BE49-F238E27FC236}">
+                <a16:creationId xmlns:a16="http://schemas.microsoft.com/office/drawing/2014/main" id="{61D030DC-1D0C-42CC-B033-1EC3389F66E7}"/>
+              </a:ext>
+            </a:extLst>
+          </p:cNvPr>
+          <p:cNvCxnSpPr>
+            <a:cxnSpLocks/>
+            <a:stCxn id="173" idx="5"/>
+            <a:endCxn id="177" idx="1"/>
+          </p:cNvCxnSpPr>
+          <p:nvPr/>
+        </p:nvCxnSpPr>
+        <p:spPr>
+          <a:xfrm>
+            <a:off x="8015482" y="5959666"/>
+            <a:ext cx="348273" cy="399016"/>
+          </a:xfrm>
+          <a:prstGeom prst="straightConnector1">
+            <a:avLst/>
+          </a:prstGeom>
+          <a:ln>
+            <a:tailEnd type="triangle"/>
+          </a:ln>
+        </p:spPr>
+        <p:style>
+          <a:lnRef idx="1">
+            <a:schemeClr val="dk1"/>
+          </a:lnRef>
+          <a:fillRef idx="0">
+            <a:schemeClr val="dk1"/>
+          </a:fillRef>
+          <a:effectRef idx="0">
+            <a:schemeClr val="dk1"/>
+          </a:effectRef>
+          <a:fontRef idx="minor">
+            <a:schemeClr val="tx1"/>
+          </a:fontRef>
+        </p:style>
+      </p:cxnSp>
+      <p:sp>
+        <p:nvSpPr>
+          <p:cNvPr id="176" name="TextBox 175">
+            <a:extLst>
+              <a:ext uri="{FF2B5EF4-FFF2-40B4-BE49-F238E27FC236}">
+                <a16:creationId xmlns:a16="http://schemas.microsoft.com/office/drawing/2014/main" id="{1A6652E7-56EE-485E-99BE-CD45A3EEE3AA}"/>
+              </a:ext>
+            </a:extLst>
+          </p:cNvPr>
+          <p:cNvSpPr txBox="1"/>
+          <p:nvPr/>
+        </p:nvSpPr>
+        <p:spPr>
+          <a:xfrm>
+            <a:off x="7890457" y="5933599"/>
+            <a:ext cx="535201" cy="369332"/>
+          </a:xfrm>
+          <a:prstGeom prst="rect">
+            <a:avLst/>
+          </a:prstGeom>
+          <a:noFill/>
+        </p:spPr>
+        <p:txBody>
+          <a:bodyPr wrap="square" rtlCol="0">
+            <a:spAutoFit/>
+          </a:bodyPr>
+          <a:lstStyle/>
+          <a:p>
+            <a:r>
+              <a:rPr lang="en-US" dirty="0"/>
+              <a:t>+, -</a:t>
+            </a:r>
+            <a:endParaRPr lang="ru-RU" dirty="0"/>
+          </a:p>
+        </p:txBody>
+      </p:sp>
+      <p:sp>
+        <p:nvSpPr>
+          <p:cNvPr id="177" name="Овал 176">
+            <a:extLst>
+              <a:ext uri="{FF2B5EF4-FFF2-40B4-BE49-F238E27FC236}">
+                <a16:creationId xmlns:a16="http://schemas.microsoft.com/office/drawing/2014/main" id="{3C729A5D-32BA-4FE7-AFFB-55754C550761}"/>
+              </a:ext>
+            </a:extLst>
+          </p:cNvPr>
+          <p:cNvSpPr/>
+          <p:nvPr/>
+        </p:nvSpPr>
+        <p:spPr>
+          <a:xfrm>
+            <a:off x="8252368" y="6276864"/>
+            <a:ext cx="760599" cy="558688"/>
+          </a:xfrm>
+          <a:prstGeom prst="ellipse">
+            <a:avLst/>
+          </a:prstGeom>
+        </p:spPr>
+        <p:style>
+          <a:lnRef idx="2">
+            <a:schemeClr val="dk1"/>
+          </a:lnRef>
+          <a:fillRef idx="1">
+            <a:schemeClr val="lt1"/>
+          </a:fillRef>
+          <a:effectRef idx="0">
+            <a:schemeClr val="dk1"/>
+          </a:effectRef>
+          <a:fontRef idx="minor">
+            <a:schemeClr val="dk1"/>
+          </a:fontRef>
+        </p:style>
+        <p:txBody>
+          <a:bodyPr rtlCol="0" anchor="ctr"/>
+          <a:lstStyle/>
+          <a:p>
+            <a:pPr algn="ctr"/>
+            <a:r>
+              <a:rPr lang="en-US" dirty="0"/>
+              <a:t>PM</a:t>
+            </a:r>
+            <a:endParaRPr lang="ru-RU" dirty="0"/>
+          </a:p>
+        </p:txBody>
+      </p:sp>
+      <p:sp>
+        <p:nvSpPr>
+          <p:cNvPr id="178" name="Овал 177">
+            <a:extLst>
+              <a:ext uri="{FF2B5EF4-FFF2-40B4-BE49-F238E27FC236}">
+                <a16:creationId xmlns:a16="http://schemas.microsoft.com/office/drawing/2014/main" id="{429BD7DA-4E68-4C28-93AF-4CE9E5B70BE2}"/>
+              </a:ext>
+            </a:extLst>
+          </p:cNvPr>
+          <p:cNvSpPr/>
+          <p:nvPr/>
+        </p:nvSpPr>
+        <p:spPr>
+          <a:xfrm>
+            <a:off x="9064480" y="5594618"/>
+            <a:ext cx="650932" cy="485879"/>
+          </a:xfrm>
+          <a:prstGeom prst="ellipse">
+            <a:avLst/>
+          </a:prstGeom>
+        </p:spPr>
+        <p:style>
+          <a:lnRef idx="2">
+            <a:schemeClr val="dk1"/>
+          </a:lnRef>
+          <a:fillRef idx="1">
+            <a:schemeClr val="lt1"/>
+          </a:fillRef>
+          <a:effectRef idx="0">
+            <a:schemeClr val="dk1"/>
+          </a:effectRef>
+          <a:fontRef idx="minor">
+            <a:schemeClr val="dk1"/>
+          </a:fontRef>
+        </p:style>
+        <p:txBody>
+          <a:bodyPr rtlCol="0" anchor="ctr"/>
+          <a:lstStyle/>
+          <a:p>
+            <a:pPr algn="ctr"/>
+            <a:r>
+              <a:rPr lang="en-US" dirty="0"/>
+              <a:t>IP</a:t>
+            </a:r>
+            <a:endParaRPr lang="ru-RU" dirty="0"/>
+          </a:p>
+        </p:txBody>
+      </p:sp>
+      <p:cxnSp>
+        <p:nvCxnSpPr>
+          <p:cNvPr id="179" name="Прямая со стрелкой 178">
+            <a:extLst>
+              <a:ext uri="{FF2B5EF4-FFF2-40B4-BE49-F238E27FC236}">
+                <a16:creationId xmlns:a16="http://schemas.microsoft.com/office/drawing/2014/main" id="{175BCFBD-653F-4A62-923A-5D2ACBB0F9FE}"/>
+              </a:ext>
+            </a:extLst>
+          </p:cNvPr>
+          <p:cNvCxnSpPr>
+            <a:cxnSpLocks/>
+            <a:stCxn id="177" idx="7"/>
+            <a:endCxn id="178" idx="3"/>
+          </p:cNvCxnSpPr>
+          <p:nvPr/>
+        </p:nvCxnSpPr>
+        <p:spPr>
+          <a:xfrm flipV="1">
+            <a:off x="8901580" y="6009342"/>
+            <a:ext cx="258227" cy="349340"/>
+          </a:xfrm>
+          <a:prstGeom prst="straightConnector1">
+            <a:avLst/>
+          </a:prstGeom>
+          <a:ln>
+            <a:tailEnd type="triangle"/>
+          </a:ln>
+        </p:spPr>
+        <p:style>
+          <a:lnRef idx="1">
+            <a:schemeClr val="dk1"/>
+          </a:lnRef>
+          <a:fillRef idx="0">
+            <a:schemeClr val="dk1"/>
+          </a:fillRef>
+          <a:effectRef idx="0">
+            <a:schemeClr val="dk1"/>
+          </a:effectRef>
+          <a:fontRef idx="minor">
+            <a:schemeClr val="tx1"/>
+          </a:fontRef>
+        </p:style>
+      </p:cxnSp>
+      <p:sp>
+        <p:nvSpPr>
+          <p:cNvPr id="180" name="TextBox 179">
+            <a:extLst>
+              <a:ext uri="{FF2B5EF4-FFF2-40B4-BE49-F238E27FC236}">
+                <a16:creationId xmlns:a16="http://schemas.microsoft.com/office/drawing/2014/main" id="{47F2176C-36BA-49B6-AD69-8050EC8C4725}"/>
+              </a:ext>
+            </a:extLst>
+          </p:cNvPr>
+          <p:cNvSpPr txBox="1"/>
+          <p:nvPr/>
+        </p:nvSpPr>
+        <p:spPr>
+          <a:xfrm>
+            <a:off x="8937033" y="6110712"/>
+            <a:ext cx="760599" cy="369332"/>
+          </a:xfrm>
+          <a:prstGeom prst="rect">
+            <a:avLst/>
+          </a:prstGeom>
+          <a:noFill/>
+        </p:spPr>
+        <p:txBody>
+          <a:bodyPr wrap="square" rtlCol="0">
+            <a:spAutoFit/>
+          </a:bodyPr>
+          <a:lstStyle/>
+          <a:p>
+            <a:r>
+              <a:rPr lang="en-US" dirty="0"/>
+              <a:t>0,…,9</a:t>
+            </a:r>
+            <a:endParaRPr lang="ru-RU" dirty="0"/>
+          </a:p>
+        </p:txBody>
+      </p:sp>
+      <p:cxnSp>
+        <p:nvCxnSpPr>
+          <p:cNvPr id="181" name="Прямая со стрелкой 180">
+            <a:extLst>
+              <a:ext uri="{FF2B5EF4-FFF2-40B4-BE49-F238E27FC236}">
+                <a16:creationId xmlns:a16="http://schemas.microsoft.com/office/drawing/2014/main" id="{F586FE7C-2700-4F6E-8FC5-2B06801BC7DF}"/>
+              </a:ext>
+            </a:extLst>
+          </p:cNvPr>
+          <p:cNvCxnSpPr>
+            <a:cxnSpLocks/>
+            <a:stCxn id="173" idx="6"/>
+            <a:endCxn id="178" idx="2"/>
+          </p:cNvCxnSpPr>
+          <p:nvPr/>
+        </p:nvCxnSpPr>
+        <p:spPr>
+          <a:xfrm>
+            <a:off x="8072440" y="5835242"/>
+            <a:ext cx="992040" cy="2316"/>
+          </a:xfrm>
+          <a:prstGeom prst="straightConnector1">
+            <a:avLst/>
+          </a:prstGeom>
+          <a:ln>
+            <a:tailEnd type="triangle"/>
+          </a:ln>
+        </p:spPr>
+        <p:style>
+          <a:lnRef idx="1">
+            <a:schemeClr val="dk1"/>
+          </a:lnRef>
+          <a:fillRef idx="0">
+            <a:schemeClr val="dk1"/>
+          </a:fillRef>
+          <a:effectRef idx="0">
+            <a:schemeClr val="dk1"/>
+          </a:effectRef>
+          <a:fontRef idx="minor">
+            <a:schemeClr val="tx1"/>
+          </a:fontRef>
+        </p:style>
+      </p:cxnSp>
+      <p:sp>
+        <p:nvSpPr>
+          <p:cNvPr id="182" name="TextBox 181">
+            <a:extLst>
+              <a:ext uri="{FF2B5EF4-FFF2-40B4-BE49-F238E27FC236}">
+                <a16:creationId xmlns:a16="http://schemas.microsoft.com/office/drawing/2014/main" id="{4A87ECF8-A1FD-492F-B498-9D256538D84A}"/>
+              </a:ext>
+            </a:extLst>
+          </p:cNvPr>
+          <p:cNvSpPr txBox="1"/>
+          <p:nvPr/>
+        </p:nvSpPr>
+        <p:spPr>
+          <a:xfrm>
+            <a:off x="8210768" y="5503803"/>
+            <a:ext cx="760599" cy="369332"/>
+          </a:xfrm>
+          <a:prstGeom prst="rect">
+            <a:avLst/>
+          </a:prstGeom>
+          <a:noFill/>
+        </p:spPr>
+        <p:txBody>
+          <a:bodyPr wrap="square" rtlCol="0">
+            <a:spAutoFit/>
+          </a:bodyPr>
+          <a:lstStyle/>
+          <a:p>
+            <a:r>
+              <a:rPr lang="en-US" dirty="0"/>
+              <a:t>0,…,9</a:t>
+            </a:r>
+            <a:endParaRPr lang="ru-RU" dirty="0"/>
+          </a:p>
+        </p:txBody>
+      </p:sp>
+      <p:sp>
+        <p:nvSpPr>
+          <p:cNvPr id="183" name="TextBox 182">
+            <a:extLst>
+              <a:ext uri="{FF2B5EF4-FFF2-40B4-BE49-F238E27FC236}">
+                <a16:creationId xmlns:a16="http://schemas.microsoft.com/office/drawing/2014/main" id="{623D65EE-7A47-46D9-8D0F-0BBED1DC1DAD}"/>
+              </a:ext>
+            </a:extLst>
+          </p:cNvPr>
+          <p:cNvSpPr txBox="1"/>
+          <p:nvPr/>
+        </p:nvSpPr>
+        <p:spPr>
+          <a:xfrm>
+            <a:off x="9061874" y="5217015"/>
+            <a:ext cx="760599" cy="369332"/>
+          </a:xfrm>
+          <a:prstGeom prst="rect">
+            <a:avLst/>
+          </a:prstGeom>
+          <a:noFill/>
+        </p:spPr>
+        <p:txBody>
+          <a:bodyPr wrap="square" rtlCol="0">
+            <a:spAutoFit/>
+          </a:bodyPr>
+          <a:lstStyle/>
+          <a:p>
+            <a:r>
+              <a:rPr lang="en-US" dirty="0"/>
+              <a:t>0,…,9</a:t>
+            </a:r>
+            <a:endParaRPr lang="ru-RU" dirty="0"/>
+          </a:p>
+        </p:txBody>
+      </p:sp>
+      <p:sp>
+        <p:nvSpPr>
+          <p:cNvPr id="184" name="Овал 183">
+            <a:extLst>
+              <a:ext uri="{FF2B5EF4-FFF2-40B4-BE49-F238E27FC236}">
+                <a16:creationId xmlns:a16="http://schemas.microsoft.com/office/drawing/2014/main" id="{FFACD2DE-2A46-4730-83E0-591822B873D4}"/>
+              </a:ext>
+            </a:extLst>
+          </p:cNvPr>
+          <p:cNvSpPr/>
+          <p:nvPr/>
+        </p:nvSpPr>
+        <p:spPr>
+          <a:xfrm>
+            <a:off x="9128966" y="5645613"/>
+            <a:ext cx="528757" cy="390297"/>
+          </a:xfrm>
+          <a:prstGeom prst="ellipse">
+            <a:avLst/>
+          </a:prstGeom>
+        </p:spPr>
+        <p:style>
+          <a:lnRef idx="2">
+            <a:schemeClr val="dk1"/>
+          </a:lnRef>
+          <a:fillRef idx="1">
+            <a:schemeClr val="lt1"/>
+          </a:fillRef>
+          <a:effectRef idx="0">
+            <a:schemeClr val="dk1"/>
+          </a:effectRef>
+          <a:fontRef idx="minor">
+            <a:schemeClr val="dk1"/>
+          </a:fontRef>
+        </p:style>
+        <p:txBody>
+          <a:bodyPr rtlCol="0" anchor="ctr"/>
+          <a:lstStyle/>
+          <a:p>
+            <a:pPr algn="ctr"/>
+            <a:r>
+              <a:rPr lang="en-US" dirty="0"/>
+              <a:t>IP</a:t>
+            </a:r>
+            <a:endParaRPr lang="ru-RU" dirty="0"/>
+          </a:p>
+        </p:txBody>
+      </p:sp>
+      <p:sp>
+        <p:nvSpPr>
+          <p:cNvPr id="185" name="Овал 184">
+            <a:extLst>
+              <a:ext uri="{FF2B5EF4-FFF2-40B4-BE49-F238E27FC236}">
+                <a16:creationId xmlns:a16="http://schemas.microsoft.com/office/drawing/2014/main" id="{6F40926D-ED50-4FA9-B60C-215A7A4A77BC}"/>
+              </a:ext>
+            </a:extLst>
+          </p:cNvPr>
+          <p:cNvSpPr/>
+          <p:nvPr/>
+        </p:nvSpPr>
+        <p:spPr>
+          <a:xfrm>
+            <a:off x="10107018" y="5661224"/>
+            <a:ext cx="388933" cy="351927"/>
+          </a:xfrm>
+          <a:prstGeom prst="ellipse">
+            <a:avLst/>
+          </a:prstGeom>
+        </p:spPr>
+        <p:style>
+          <a:lnRef idx="2">
+            <a:schemeClr val="dk1"/>
+          </a:lnRef>
+          <a:fillRef idx="1">
+            <a:schemeClr val="lt1"/>
+          </a:fillRef>
+          <a:effectRef idx="0">
+            <a:schemeClr val="dk1"/>
+          </a:effectRef>
+          <a:fontRef idx="minor">
+            <a:schemeClr val="dk1"/>
+          </a:fontRef>
+        </p:style>
+        <p:txBody>
+          <a:bodyPr rtlCol="0" anchor="ctr"/>
+          <a:lstStyle/>
+          <a:p>
+            <a:pPr algn="ctr"/>
+            <a:r>
+              <a:rPr lang="en-US" dirty="0"/>
+              <a:t>C</a:t>
+            </a:r>
+            <a:endParaRPr lang="ru-RU" dirty="0"/>
+          </a:p>
+        </p:txBody>
+      </p:sp>
+      <p:cxnSp>
+        <p:nvCxnSpPr>
+          <p:cNvPr id="186" name="Прямая со стрелкой 185">
+            <a:extLst>
+              <a:ext uri="{FF2B5EF4-FFF2-40B4-BE49-F238E27FC236}">
+                <a16:creationId xmlns:a16="http://schemas.microsoft.com/office/drawing/2014/main" id="{F7622EE4-C1A5-449A-A889-E2A1B2A9FDD9}"/>
+              </a:ext>
+            </a:extLst>
+          </p:cNvPr>
+          <p:cNvCxnSpPr>
+            <a:cxnSpLocks/>
+            <a:stCxn id="178" idx="6"/>
+            <a:endCxn id="185" idx="2"/>
+          </p:cNvCxnSpPr>
+          <p:nvPr/>
+        </p:nvCxnSpPr>
+        <p:spPr>
+          <a:xfrm flipV="1">
+            <a:off x="9715412" y="5837188"/>
+            <a:ext cx="391606" cy="370"/>
+          </a:xfrm>
+          <a:prstGeom prst="straightConnector1">
+            <a:avLst/>
+          </a:prstGeom>
+          <a:ln>
+            <a:tailEnd type="triangle"/>
+          </a:ln>
+        </p:spPr>
+        <p:style>
+          <a:lnRef idx="1">
+            <a:schemeClr val="dk1"/>
+          </a:lnRef>
+          <a:fillRef idx="0">
+            <a:schemeClr val="dk1"/>
+          </a:fillRef>
+          <a:effectRef idx="0">
+            <a:schemeClr val="dk1"/>
+          </a:effectRef>
+          <a:fontRef idx="minor">
+            <a:schemeClr val="tx1"/>
+          </a:fontRef>
+        </p:style>
+      </p:cxnSp>
+      <p:sp>
+        <p:nvSpPr>
+          <p:cNvPr id="187" name="TextBox 186">
+            <a:extLst>
+              <a:ext uri="{FF2B5EF4-FFF2-40B4-BE49-F238E27FC236}">
+                <a16:creationId xmlns:a16="http://schemas.microsoft.com/office/drawing/2014/main" id="{B7C72CE8-1D2F-4C04-8F0F-C7184B43B2A2}"/>
+              </a:ext>
+            </a:extLst>
+          </p:cNvPr>
+          <p:cNvSpPr txBox="1"/>
+          <p:nvPr/>
+        </p:nvSpPr>
+        <p:spPr>
+          <a:xfrm>
+            <a:off x="9787952" y="5526499"/>
+            <a:ext cx="252028" cy="369332"/>
+          </a:xfrm>
+          <a:prstGeom prst="rect">
+            <a:avLst/>
+          </a:prstGeom>
+          <a:noFill/>
+        </p:spPr>
+        <p:txBody>
+          <a:bodyPr wrap="square" rtlCol="0">
+            <a:spAutoFit/>
+          </a:bodyPr>
+          <a:lstStyle/>
+          <a:p>
+            <a:r>
+              <a:rPr lang="en-US" dirty="0"/>
+              <a:t>.</a:t>
+            </a:r>
+            <a:endParaRPr lang="ru-RU" dirty="0"/>
+          </a:p>
+        </p:txBody>
+      </p:sp>
+      <p:cxnSp>
+        <p:nvCxnSpPr>
+          <p:cNvPr id="188" name="Соединитель: изогнутый 187">
+            <a:extLst>
+              <a:ext uri="{FF2B5EF4-FFF2-40B4-BE49-F238E27FC236}">
+                <a16:creationId xmlns:a16="http://schemas.microsoft.com/office/drawing/2014/main" id="{6D50AED4-B627-471D-A534-6F637D330EEC}"/>
+              </a:ext>
+            </a:extLst>
+          </p:cNvPr>
+          <p:cNvCxnSpPr>
+            <a:cxnSpLocks/>
+            <a:stCxn id="178" idx="1"/>
+            <a:endCxn id="178" idx="7"/>
+          </p:cNvCxnSpPr>
+          <p:nvPr/>
+        </p:nvCxnSpPr>
+        <p:spPr>
+          <a:xfrm rot="5400000" flipH="1" flipV="1">
+            <a:off x="9389946" y="5435634"/>
+            <a:ext cx="12700" cy="460278"/>
+          </a:xfrm>
+          <a:prstGeom prst="curvedConnector3">
+            <a:avLst>
+              <a:gd name="adj1" fmla="val 2360276"/>
+            </a:avLst>
+          </a:prstGeom>
+          <a:ln>
+            <a:tailEnd type="triangle"/>
+          </a:ln>
+        </p:spPr>
+        <p:style>
+          <a:lnRef idx="1">
+            <a:schemeClr val="dk1"/>
+          </a:lnRef>
+          <a:fillRef idx="0">
+            <a:schemeClr val="dk1"/>
+          </a:fillRef>
+          <a:effectRef idx="0">
+            <a:schemeClr val="dk1"/>
+          </a:effectRef>
+          <a:fontRef idx="minor">
+            <a:schemeClr val="tx1"/>
+          </a:fontRef>
+        </p:style>
+      </p:cxnSp>
+      <p:sp>
+        <p:nvSpPr>
+          <p:cNvPr id="189" name="Овал 188">
+            <a:extLst>
+              <a:ext uri="{FF2B5EF4-FFF2-40B4-BE49-F238E27FC236}">
+                <a16:creationId xmlns:a16="http://schemas.microsoft.com/office/drawing/2014/main" id="{E07BA917-CE6B-41A5-9ABC-32062627C388}"/>
+              </a:ext>
+            </a:extLst>
+          </p:cNvPr>
+          <p:cNvSpPr/>
+          <p:nvPr/>
+        </p:nvSpPr>
+        <p:spPr>
+          <a:xfrm>
+            <a:off x="11253090" y="5588890"/>
+            <a:ext cx="714488" cy="485879"/>
+          </a:xfrm>
+          <a:prstGeom prst="ellipse">
+            <a:avLst/>
+          </a:prstGeom>
+        </p:spPr>
+        <p:style>
+          <a:lnRef idx="2">
+            <a:schemeClr val="dk1"/>
+          </a:lnRef>
+          <a:fillRef idx="1">
+            <a:schemeClr val="lt1"/>
+          </a:fillRef>
+          <a:effectRef idx="0">
+            <a:schemeClr val="dk1"/>
+          </a:effectRef>
+          <a:fontRef idx="minor">
+            <a:schemeClr val="dk1"/>
+          </a:fontRef>
+        </p:style>
+        <p:txBody>
+          <a:bodyPr rtlCol="0" anchor="ctr"/>
+          <a:lstStyle/>
+          <a:p>
+            <a:pPr algn="ctr"/>
+            <a:r>
+              <a:rPr lang="en-US" dirty="0"/>
+              <a:t>FP</a:t>
+            </a:r>
+            <a:endParaRPr lang="ru-RU" dirty="0"/>
+          </a:p>
+        </p:txBody>
+      </p:sp>
+      <p:cxnSp>
+        <p:nvCxnSpPr>
+          <p:cNvPr id="190" name="Прямая со стрелкой 189">
+            <a:extLst>
+              <a:ext uri="{FF2B5EF4-FFF2-40B4-BE49-F238E27FC236}">
+                <a16:creationId xmlns:a16="http://schemas.microsoft.com/office/drawing/2014/main" id="{06957256-60F3-4091-B97B-5CEC0EA253A9}"/>
+              </a:ext>
+            </a:extLst>
+          </p:cNvPr>
+          <p:cNvCxnSpPr>
+            <a:cxnSpLocks/>
+            <a:stCxn id="185" idx="6"/>
+            <a:endCxn id="189" idx="2"/>
+          </p:cNvCxnSpPr>
+          <p:nvPr/>
+        </p:nvCxnSpPr>
+        <p:spPr>
+          <a:xfrm flipV="1">
+            <a:off x="10495951" y="5831830"/>
+            <a:ext cx="757139" cy="5358"/>
+          </a:xfrm>
+          <a:prstGeom prst="straightConnector1">
+            <a:avLst/>
+          </a:prstGeom>
+          <a:ln>
+            <a:tailEnd type="triangle"/>
+          </a:ln>
+        </p:spPr>
+        <p:style>
+          <a:lnRef idx="1">
+            <a:schemeClr val="dk1"/>
+          </a:lnRef>
+          <a:fillRef idx="0">
+            <a:schemeClr val="dk1"/>
+          </a:fillRef>
+          <a:effectRef idx="0">
+            <a:schemeClr val="dk1"/>
+          </a:effectRef>
+          <a:fontRef idx="minor">
+            <a:schemeClr val="tx1"/>
+          </a:fontRef>
+        </p:style>
+      </p:cxnSp>
+      <p:sp>
+        <p:nvSpPr>
+          <p:cNvPr id="191" name="Овал 190">
+            <a:extLst>
+              <a:ext uri="{FF2B5EF4-FFF2-40B4-BE49-F238E27FC236}">
+                <a16:creationId xmlns:a16="http://schemas.microsoft.com/office/drawing/2014/main" id="{39287A72-D3CB-4EBE-AFA2-00F729C48E53}"/>
+              </a:ext>
+            </a:extLst>
+          </p:cNvPr>
+          <p:cNvSpPr/>
+          <p:nvPr/>
+        </p:nvSpPr>
+        <p:spPr>
+          <a:xfrm>
+            <a:off x="11303288" y="5635297"/>
+            <a:ext cx="608199" cy="388543"/>
+          </a:xfrm>
+          <a:prstGeom prst="ellipse">
+            <a:avLst/>
+          </a:prstGeom>
+        </p:spPr>
+        <p:style>
+          <a:lnRef idx="2">
+            <a:schemeClr val="dk1"/>
+          </a:lnRef>
+          <a:fillRef idx="1">
+            <a:schemeClr val="lt1"/>
+          </a:fillRef>
+          <a:effectRef idx="0">
+            <a:schemeClr val="dk1"/>
+          </a:effectRef>
+          <a:fontRef idx="minor">
+            <a:schemeClr val="dk1"/>
+          </a:fontRef>
+        </p:style>
+        <p:txBody>
+          <a:bodyPr rtlCol="0" anchor="ctr"/>
+          <a:lstStyle/>
+          <a:p>
+            <a:pPr algn="ctr"/>
+            <a:r>
+              <a:rPr lang="en-US" dirty="0"/>
+              <a:t>FP</a:t>
+            </a:r>
+            <a:endParaRPr lang="ru-RU" dirty="0"/>
+          </a:p>
+        </p:txBody>
+      </p:sp>
+      <p:sp>
+        <p:nvSpPr>
+          <p:cNvPr id="192" name="TextBox 191">
+            <a:extLst>
+              <a:ext uri="{FF2B5EF4-FFF2-40B4-BE49-F238E27FC236}">
+                <a16:creationId xmlns:a16="http://schemas.microsoft.com/office/drawing/2014/main" id="{DED8AF93-62B3-4491-86BA-9F0022795152}"/>
+              </a:ext>
+            </a:extLst>
+          </p:cNvPr>
+          <p:cNvSpPr txBox="1"/>
+          <p:nvPr/>
+        </p:nvSpPr>
+        <p:spPr>
+          <a:xfrm>
+            <a:off x="10494221" y="5517890"/>
+            <a:ext cx="760599" cy="369332"/>
+          </a:xfrm>
+          <a:prstGeom prst="rect">
+            <a:avLst/>
+          </a:prstGeom>
+          <a:noFill/>
+        </p:spPr>
+        <p:txBody>
+          <a:bodyPr wrap="square" rtlCol="0">
+            <a:spAutoFit/>
+          </a:bodyPr>
+          <a:lstStyle/>
+          <a:p>
+            <a:r>
+              <a:rPr lang="en-US" dirty="0"/>
+              <a:t>0,…,9</a:t>
+            </a:r>
+            <a:endParaRPr lang="ru-RU" dirty="0"/>
+          </a:p>
+        </p:txBody>
+      </p:sp>
+      <p:cxnSp>
+        <p:nvCxnSpPr>
+          <p:cNvPr id="193" name="Соединитель: изогнутый 192">
+            <a:extLst>
+              <a:ext uri="{FF2B5EF4-FFF2-40B4-BE49-F238E27FC236}">
+                <a16:creationId xmlns:a16="http://schemas.microsoft.com/office/drawing/2014/main" id="{A0A15442-DF7E-4226-A303-BBC75DA0FE66}"/>
+              </a:ext>
+            </a:extLst>
+          </p:cNvPr>
+          <p:cNvCxnSpPr>
+            <a:cxnSpLocks/>
+            <a:stCxn id="189" idx="1"/>
+            <a:endCxn id="189" idx="7"/>
+          </p:cNvCxnSpPr>
+          <p:nvPr/>
+        </p:nvCxnSpPr>
+        <p:spPr>
+          <a:xfrm rot="5400000" flipH="1" flipV="1">
+            <a:off x="11610334" y="5407435"/>
+            <a:ext cx="12700" cy="505220"/>
+          </a:xfrm>
+          <a:prstGeom prst="curvedConnector3">
+            <a:avLst>
+              <a:gd name="adj1" fmla="val 2360276"/>
+            </a:avLst>
+          </a:prstGeom>
+          <a:ln>
+            <a:tailEnd type="triangle"/>
+          </a:ln>
+        </p:spPr>
+        <p:style>
+          <a:lnRef idx="1">
+            <a:schemeClr val="dk1"/>
+          </a:lnRef>
+          <a:fillRef idx="0">
+            <a:schemeClr val="dk1"/>
+          </a:fillRef>
+          <a:effectRef idx="0">
+            <a:schemeClr val="dk1"/>
+          </a:effectRef>
+          <a:fontRef idx="minor">
+            <a:schemeClr val="tx1"/>
+          </a:fontRef>
+        </p:style>
+      </p:cxnSp>
+      <p:sp>
+        <p:nvSpPr>
+          <p:cNvPr id="196" name="TextBox 195">
+            <a:extLst>
+              <a:ext uri="{FF2B5EF4-FFF2-40B4-BE49-F238E27FC236}">
+                <a16:creationId xmlns:a16="http://schemas.microsoft.com/office/drawing/2014/main" id="{1305D253-4E7D-4A77-8937-280F12641830}"/>
+              </a:ext>
+            </a:extLst>
+          </p:cNvPr>
+          <p:cNvSpPr txBox="1"/>
+          <p:nvPr/>
+        </p:nvSpPr>
+        <p:spPr>
+          <a:xfrm>
+            <a:off x="11261723" y="5196355"/>
+            <a:ext cx="760599" cy="369332"/>
+          </a:xfrm>
+          <a:prstGeom prst="rect">
+            <a:avLst/>
+          </a:prstGeom>
+          <a:noFill/>
+        </p:spPr>
+        <p:txBody>
+          <a:bodyPr wrap="square" rtlCol="0">
+            <a:spAutoFit/>
+          </a:bodyPr>
+          <a:lstStyle/>
+          <a:p>
+            <a:r>
+              <a:rPr lang="en-US" dirty="0"/>
+              <a:t>0,…,9</a:t>
+            </a:r>
+            <a:endParaRPr lang="ru-RU" dirty="0"/>
           </a:p>
         </p:txBody>
       </p:sp>
@@ -9257,6 +13415,36 @@
           <a:chExt cx="0" cy="0"/>
         </a:xfrm>
       </p:grpSpPr>
+      <p:pic>
+        <p:nvPicPr>
+          <p:cNvPr id="52" name="Рисунок 51">
+            <a:extLst>
+              <a:ext uri="{FF2B5EF4-FFF2-40B4-BE49-F238E27FC236}">
+                <a16:creationId xmlns:a16="http://schemas.microsoft.com/office/drawing/2014/main" id="{5652FEC8-BD0E-4911-B278-383DDFD2D8EE}"/>
+              </a:ext>
+            </a:extLst>
+          </p:cNvPr>
+          <p:cNvPicPr>
+            <a:picLocks noChangeAspect="1"/>
+          </p:cNvPicPr>
+          <p:nvPr/>
+        </p:nvPicPr>
+        <p:blipFill>
+          <a:blip r:embed="rId2"/>
+          <a:stretch>
+            <a:fillRect/>
+          </a:stretch>
+        </p:blipFill>
+        <p:spPr>
+          <a:xfrm>
+            <a:off x="7997102" y="836222"/>
+            <a:ext cx="4026103" cy="1833825"/>
+          </a:xfrm>
+          <a:prstGeom prst="rect">
+            <a:avLst/>
+          </a:prstGeom>
+        </p:spPr>
+      </p:pic>
       <p:sp>
         <p:nvSpPr>
           <p:cNvPr id="2" name="Заголовок 1">
@@ -9381,7 +13569,7 @@
             </a:r>
             <a:r>
               <a:rPr lang="en-US" sz="1600" dirty="0"/>
-              <a:t>B</a:t>
+              <a:t>IP</a:t>
             </a:r>
           </a:p>
           <a:p>
@@ -9426,7 +13614,7 @@
             </a:r>
             <a:r>
               <a:rPr lang="en-US" sz="1600" dirty="0"/>
-              <a:t>D</a:t>
+              <a:t>FP</a:t>
             </a:r>
             <a:endParaRPr lang="ru-RU" sz="1600" dirty="0"/>
           </a:p>
@@ -9451,7 +13639,7 @@
             </a:r>
             <a:r>
               <a:rPr lang="en-US" sz="1600" dirty="0"/>
-              <a:t> D</a:t>
+              <a:t> FP</a:t>
             </a:r>
             <a:endParaRPr lang="ru-RU" sz="1600" dirty="0"/>
           </a:p>
@@ -9707,7 +13895,7 @@
             </a:r>
             <a:r>
               <a:rPr lang="en-US" sz="1600" dirty="0"/>
-              <a:t>B</a:t>
+              <a:t>IP</a:t>
             </a:r>
             <a:endParaRPr lang="ru-RU" sz="1600" dirty="0"/>
           </a:p>
@@ -10010,7 +14198,7 @@
             </a:r>
             <a:r>
               <a:rPr lang="en-US" sz="1600" dirty="0"/>
-              <a:t>B</a:t>
+              <a:t>IP</a:t>
             </a:r>
           </a:p>
           <a:p>
@@ -10032,7 +14220,7 @@
             </a:r>
             <a:r>
               <a:rPr lang="en-US" sz="1600" dirty="0"/>
-              <a:t>B</a:t>
+              <a:t>IP</a:t>
             </a:r>
           </a:p>
           <a:p>
@@ -10056,7 +14244,7 @@
             </a:r>
             <a:r>
               <a:rPr lang="en-US" sz="1600" dirty="0"/>
-              <a:t> B</a:t>
+              <a:t> IP</a:t>
             </a:r>
             <a:endParaRPr lang="ru-RU" sz="1600" dirty="0"/>
           </a:p>
@@ -10083,100 +14271,10 @@
       </p:sp>
       <p:pic>
         <p:nvPicPr>
-          <p:cNvPr id="11" name="Рисунок 10">
-            <a:extLst>
-              <a:ext uri="{FF2B5EF4-FFF2-40B4-BE49-F238E27FC236}">
-                <a16:creationId xmlns:a16="http://schemas.microsoft.com/office/drawing/2014/main" id="{51F7F7A2-C7E3-46FC-9810-6B9872EB203A}"/>
-              </a:ext>
-            </a:extLst>
-          </p:cNvPr>
-          <p:cNvPicPr>
-            <a:picLocks noChangeAspect="1"/>
-          </p:cNvPicPr>
-          <p:nvPr/>
-        </p:nvPicPr>
-        <p:blipFill>
-          <a:blip r:embed="rId2"/>
-          <a:stretch>
-            <a:fillRect/>
-          </a:stretch>
-        </p:blipFill>
-        <p:spPr>
-          <a:xfrm>
-            <a:off x="68691" y="802147"/>
-            <a:ext cx="4331529" cy="1458427"/>
-          </a:xfrm>
-          <a:prstGeom prst="rect">
-            <a:avLst/>
-          </a:prstGeom>
-        </p:spPr>
-      </p:pic>
-      <p:pic>
-        <p:nvPicPr>
-          <p:cNvPr id="13" name="Рисунок 12">
-            <a:extLst>
-              <a:ext uri="{FF2B5EF4-FFF2-40B4-BE49-F238E27FC236}">
-                <a16:creationId xmlns:a16="http://schemas.microsoft.com/office/drawing/2014/main" id="{CF7D9D2E-4EBB-4DB8-B541-DAF9F8DF55ED}"/>
-              </a:ext>
-            </a:extLst>
-          </p:cNvPr>
-          <p:cNvPicPr>
-            <a:picLocks noChangeAspect="1"/>
-          </p:cNvPicPr>
-          <p:nvPr/>
-        </p:nvPicPr>
-        <p:blipFill>
-          <a:blip r:embed="rId2"/>
-          <a:stretch>
-            <a:fillRect/>
-          </a:stretch>
-        </p:blipFill>
-        <p:spPr>
-          <a:xfrm>
-            <a:off x="3930235" y="2245596"/>
-            <a:ext cx="4331529" cy="1458427"/>
-          </a:xfrm>
-          <a:prstGeom prst="rect">
-            <a:avLst/>
-          </a:prstGeom>
-        </p:spPr>
-      </p:pic>
-      <p:pic>
-        <p:nvPicPr>
-          <p:cNvPr id="14" name="Рисунок 13">
-            <a:extLst>
-              <a:ext uri="{FF2B5EF4-FFF2-40B4-BE49-F238E27FC236}">
-                <a16:creationId xmlns:a16="http://schemas.microsoft.com/office/drawing/2014/main" id="{587933A5-4F56-46D1-A4B5-83CAAC2B3825}"/>
-              </a:ext>
-            </a:extLst>
-          </p:cNvPr>
-          <p:cNvPicPr>
-            <a:picLocks noChangeAspect="1"/>
-          </p:cNvPicPr>
-          <p:nvPr/>
-        </p:nvPicPr>
-        <p:blipFill>
-          <a:blip r:embed="rId2"/>
-          <a:stretch>
-            <a:fillRect/>
-          </a:stretch>
-        </p:blipFill>
-        <p:spPr>
-          <a:xfrm>
-            <a:off x="7791782" y="713942"/>
-            <a:ext cx="4331529" cy="1458427"/>
-          </a:xfrm>
-          <a:prstGeom prst="rect">
-            <a:avLst/>
-          </a:prstGeom>
-        </p:spPr>
-      </p:pic>
-      <p:pic>
-        <p:nvPicPr>
-          <p:cNvPr id="15" name="Рисунок 14">
-            <a:extLst>
-              <a:ext uri="{FF2B5EF4-FFF2-40B4-BE49-F238E27FC236}">
-                <a16:creationId xmlns:a16="http://schemas.microsoft.com/office/drawing/2014/main" id="{C4BACDE1-F140-42BC-A20D-288735FB775C}"/>
+          <p:cNvPr id="48" name="Рисунок 47">
+            <a:extLst>
+              <a:ext uri="{FF2B5EF4-FFF2-40B4-BE49-F238E27FC236}">
+                <a16:creationId xmlns:a16="http://schemas.microsoft.com/office/drawing/2014/main" id="{D636CE83-400F-42FB-8646-0B37C1217302}"/>
               </a:ext>
             </a:extLst>
           </p:cNvPr>
@@ -10193,8 +14291,8 @@
         </p:blipFill>
         <p:spPr>
           <a:xfrm>
-            <a:off x="26947" y="824038"/>
-            <a:ext cx="4373272" cy="1532038"/>
+            <a:off x="104281" y="798311"/>
+            <a:ext cx="3891750" cy="1760906"/>
           </a:xfrm>
           <a:prstGeom prst="rect">
             <a:avLst/>
@@ -10203,10 +14301,10 @@
       </p:pic>
       <p:pic>
         <p:nvPicPr>
-          <p:cNvPr id="17" name="Рисунок 16">
-            <a:extLst>
-              <a:ext uri="{FF2B5EF4-FFF2-40B4-BE49-F238E27FC236}">
-                <a16:creationId xmlns:a16="http://schemas.microsoft.com/office/drawing/2014/main" id="{C3CEFE14-DBAB-43B6-9778-F306BFAC4AB0}"/>
+          <p:cNvPr id="50" name="Рисунок 49">
+            <a:extLst>
+              <a:ext uri="{FF2B5EF4-FFF2-40B4-BE49-F238E27FC236}">
+                <a16:creationId xmlns:a16="http://schemas.microsoft.com/office/drawing/2014/main" id="{A21D2674-E00D-47DF-A568-8E2C24C83E57}"/>
               </a:ext>
             </a:extLst>
           </p:cNvPr>
@@ -10223,38 +14321,8 @@
         </p:blipFill>
         <p:spPr>
           <a:xfrm>
-            <a:off x="3930233" y="2302955"/>
-            <a:ext cx="4331529" cy="1563305"/>
-          </a:xfrm>
-          <a:prstGeom prst="rect">
-            <a:avLst/>
-          </a:prstGeom>
-        </p:spPr>
-      </p:pic>
-      <p:pic>
-        <p:nvPicPr>
-          <p:cNvPr id="19" name="Рисунок 18">
-            <a:extLst>
-              <a:ext uri="{FF2B5EF4-FFF2-40B4-BE49-F238E27FC236}">
-                <a16:creationId xmlns:a16="http://schemas.microsoft.com/office/drawing/2014/main" id="{ECC9C9E1-71D5-49BA-BE0C-D1E0D179B81A}"/>
-              </a:ext>
-            </a:extLst>
-          </p:cNvPr>
-          <p:cNvPicPr>
-            <a:picLocks noChangeAspect="1"/>
-          </p:cNvPicPr>
-          <p:nvPr/>
-        </p:nvPicPr>
-        <p:blipFill>
-          <a:blip r:embed="rId5"/>
-          <a:stretch>
-            <a:fillRect/>
-          </a:stretch>
-        </p:blipFill>
-        <p:spPr>
-          <a:xfrm>
-            <a:off x="7791782" y="525559"/>
-            <a:ext cx="4373271" cy="1651099"/>
+            <a:off x="3996031" y="1808222"/>
+            <a:ext cx="3968814" cy="1738913"/>
           </a:xfrm>
           <a:prstGeom prst="rect">
             <a:avLst/>

--- a/task5.pptx
+++ b/task5.pptx
@@ -2982,7 +2982,7 @@
           </a:ln>
           <a:extLst>
             <a:ext uri="{C572A759-6A51-4108-AA02-DFA0A04FC94B}">
-              <ma14:wrappingTextBoxFlag xmlns:ma14="http://schemas.microsoft.com/office/mac/drawingml/2011/main" xmlns:a14="http://schemas.microsoft.com/office/drawing/2010/main" xmlns:m="http://schemas.openxmlformats.org/officeDocument/2006/math" xmlns="" val="1"/>
+              <ma14:wrappingTextBoxFlag xmlns="" xmlns:m="http://schemas.openxmlformats.org/officeDocument/2006/math" xmlns:a14="http://schemas.microsoft.com/office/drawing/2010/main" xmlns:ma14="http://schemas.microsoft.com/office/mac/drawingml/2011/main" val="1"/>
             </a:ext>
           </a:extLst>
         </p:spPr>
@@ -3301,7 +3301,7 @@
           </a:ln>
           <a:extLst>
             <a:ext uri="{C572A759-6A51-4108-AA02-DFA0A04FC94B}">
-              <ma14:wrappingTextBoxFlag xmlns:ma14="http://schemas.microsoft.com/office/mac/drawingml/2011/main" xmlns:a14="http://schemas.microsoft.com/office/drawing/2010/main" xmlns:m="http://schemas.openxmlformats.org/officeDocument/2006/math" xmlns="" val="1"/>
+              <ma14:wrappingTextBoxFlag xmlns="" xmlns:m="http://schemas.openxmlformats.org/officeDocument/2006/math" xmlns:a14="http://schemas.microsoft.com/office/drawing/2010/main" xmlns:ma14="http://schemas.microsoft.com/office/mac/drawingml/2011/main" val="1"/>
             </a:ext>
           </a:extLst>
         </p:spPr>
@@ -8740,8 +8740,8 @@
           <a:chExt cx="0" cy="0"/>
         </a:xfrm>
       </p:grpSpPr>
-      <mc:AlternateContent xmlns:mc="http://schemas.openxmlformats.org/markup-compatibility/2006" xmlns:a14="http://schemas.microsoft.com/office/drawing/2010/main">
-        <mc:Choice Requires="a14">
+      <mc:AlternateContent xmlns:mc="http://schemas.openxmlformats.org/markup-compatibility/2006">
+        <mc:Choice xmlns:a14="http://schemas.microsoft.com/office/drawing/2010/main" Requires="a14">
           <p:sp>
             <p:nvSpPr>
               <p:cNvPr id="3" name="Объект 2"/>
@@ -8778,10 +8778,6 @@
                 <a:r>
                   <a:rPr lang="ru-RU" sz="1200" dirty="0"/>
                   <a:t>)</a:t>
-                </a:r>
-                <a:r>
-                  <a:rPr lang="en-US" sz="900" dirty="0"/>
-                  <a:t>*</a:t>
                 </a:r>
                 <a14:m>
                   <m:oMath xmlns:m="http://schemas.openxmlformats.org/officeDocument/2006/math">
@@ -8931,7 +8927,7 @@
             </p:txBody>
           </p:sp>
         </mc:Choice>
-        <mc:Fallback xmlns="">
+        <mc:Fallback>
           <p:sp>
             <p:nvSpPr>
               <p:cNvPr id="3" name="Объект 2"/>
@@ -10173,8 +10169,8 @@
         </p:nvSpPr>
         <p:spPr>
           <a:xfrm>
-            <a:off x="2256049" y="3549298"/>
-            <a:ext cx="514944" cy="397507"/>
+            <a:off x="2233098" y="3489962"/>
+            <a:ext cx="675646" cy="517805"/>
           </a:xfrm>
           <a:prstGeom prst="ellipse">
             <a:avLst/>
@@ -10225,8 +10221,8 @@
         </p:nvCxnSpPr>
         <p:spPr>
           <a:xfrm flipV="1">
-            <a:off x="1809203" y="3888591"/>
-            <a:ext cx="522258" cy="503588"/>
+            <a:off x="1809203" y="3931936"/>
+            <a:ext cx="522841" cy="460243"/>
           </a:xfrm>
           <a:prstGeom prst="straightConnector1">
             <a:avLst/>
@@ -10304,8 +10300,8 @@
         </p:nvCxnSpPr>
         <p:spPr>
           <a:xfrm flipV="1">
-            <a:off x="980063" y="3748052"/>
-            <a:ext cx="1275986" cy="4863"/>
+            <a:off x="980063" y="3748865"/>
+            <a:ext cx="1253035" cy="4050"/>
           </a:xfrm>
           <a:prstGeom prst="straightConnector1">
             <a:avLst/>
@@ -13380,6 +13376,54 @@
             <a:r>
               <a:rPr lang="en-US" dirty="0"/>
               <a:t>0,…,9</a:t>
+            </a:r>
+            <a:endParaRPr lang="ru-RU" dirty="0"/>
+          </a:p>
+        </p:txBody>
+      </p:sp>
+      <p:sp>
+        <p:nvSpPr>
+          <p:cNvPr id="118" name="Овал 117">
+            <a:extLst>
+              <a:ext uri="{FF2B5EF4-FFF2-40B4-BE49-F238E27FC236}">
+                <a16:creationId xmlns:a16="http://schemas.microsoft.com/office/drawing/2014/main" id="{78ACB961-E45E-4AED-96B5-988ED6EE943B}"/>
+              </a:ext>
+            </a:extLst>
+          </p:cNvPr>
+          <p:cNvSpPr/>
+          <p:nvPr/>
+        </p:nvSpPr>
+        <p:spPr>
+          <a:xfrm>
+            <a:off x="2309936" y="3546471"/>
+            <a:ext cx="513004" cy="413952"/>
+          </a:xfrm>
+          <a:prstGeom prst="ellipse">
+            <a:avLst/>
+          </a:prstGeom>
+        </p:spPr>
+        <p:style>
+          <a:lnRef idx="2">
+            <a:schemeClr val="dk1"/>
+          </a:lnRef>
+          <a:fillRef idx="1">
+            <a:schemeClr val="lt1"/>
+          </a:fillRef>
+          <a:effectRef idx="0">
+            <a:schemeClr val="dk1"/>
+          </a:effectRef>
+          <a:fontRef idx="minor">
+            <a:schemeClr val="dk1"/>
+          </a:fontRef>
+        </p:style>
+        <p:txBody>
+          <a:bodyPr rtlCol="0" anchor="ctr"/>
+          <a:lstStyle/>
+          <a:p>
+            <a:pPr algn="ctr"/>
+            <a:r>
+              <a:rPr lang="en-US" dirty="0"/>
+              <a:t>IP</a:t>
             </a:r>
             <a:endParaRPr lang="ru-RU" dirty="0"/>
           </a:p>
